--- a/slides/Visualization theory and principles.pptx
+++ b/slides/Visualization theory and principles.pptx
@@ -5,7 +5,7 @@
     <p:sldMasterId id="2147483648" r:id="rId1"/>
   </p:sldMasterIdLst>
   <p:notesMasterIdLst>
-    <p:notesMasterId r:id="rId71"/>
+    <p:notesMasterId r:id="rId60"/>
   </p:notesMasterIdLst>
   <p:sldIdLst>
     <p:sldId id="256" r:id="rId2"/>
@@ -14,7 +14,7 @@
     <p:sldId id="258" r:id="rId5"/>
     <p:sldId id="259" r:id="rId6"/>
     <p:sldId id="261" r:id="rId7"/>
-    <p:sldId id="262" r:id="rId8"/>
+    <p:sldId id="392" r:id="rId8"/>
     <p:sldId id="264" r:id="rId9"/>
     <p:sldId id="265" r:id="rId10"/>
     <p:sldId id="267" r:id="rId11"/>
@@ -49,34 +49,23 @@
     <p:sldId id="335" r:id="rId40"/>
     <p:sldId id="336" r:id="rId41"/>
     <p:sldId id="342" r:id="rId42"/>
-    <p:sldId id="341" r:id="rId43"/>
-    <p:sldId id="337" r:id="rId44"/>
-    <p:sldId id="338" r:id="rId45"/>
-    <p:sldId id="339" r:id="rId46"/>
-    <p:sldId id="340" r:id="rId47"/>
-    <p:sldId id="344" r:id="rId48"/>
-    <p:sldId id="354" r:id="rId49"/>
-    <p:sldId id="355" r:id="rId50"/>
-    <p:sldId id="356" r:id="rId51"/>
-    <p:sldId id="347" r:id="rId52"/>
-    <p:sldId id="350" r:id="rId53"/>
-    <p:sldId id="352" r:id="rId54"/>
-    <p:sldId id="353" r:id="rId55"/>
-    <p:sldId id="257" r:id="rId56"/>
-    <p:sldId id="357" r:id="rId57"/>
-    <p:sldId id="358" r:id="rId58"/>
-    <p:sldId id="359" r:id="rId59"/>
-    <p:sldId id="360" r:id="rId60"/>
-    <p:sldId id="361" r:id="rId61"/>
-    <p:sldId id="362" r:id="rId62"/>
-    <p:sldId id="363" r:id="rId63"/>
-    <p:sldId id="365" r:id="rId64"/>
-    <p:sldId id="366" r:id="rId65"/>
-    <p:sldId id="368" r:id="rId66"/>
-    <p:sldId id="369" r:id="rId67"/>
-    <p:sldId id="386" r:id="rId68"/>
-    <p:sldId id="370" r:id="rId69"/>
-    <p:sldId id="371" r:id="rId70"/>
+    <p:sldId id="344" r:id="rId43"/>
+    <p:sldId id="354" r:id="rId44"/>
+    <p:sldId id="355" r:id="rId45"/>
+    <p:sldId id="356" r:id="rId46"/>
+    <p:sldId id="347" r:id="rId47"/>
+    <p:sldId id="350" r:id="rId48"/>
+    <p:sldId id="352" r:id="rId49"/>
+    <p:sldId id="353" r:id="rId50"/>
+    <p:sldId id="257" r:id="rId51"/>
+    <p:sldId id="394" r:id="rId52"/>
+    <p:sldId id="395" r:id="rId53"/>
+    <p:sldId id="397" r:id="rId54"/>
+    <p:sldId id="396" r:id="rId55"/>
+    <p:sldId id="399" r:id="rId56"/>
+    <p:sldId id="398" r:id="rId57"/>
+    <p:sldId id="400" r:id="rId58"/>
+    <p:sldId id="401" r:id="rId59"/>
   </p:sldIdLst>
   <p:sldSz cx="12192000" cy="6858000"/>
   <p:notesSz cx="6858000" cy="9144000"/>
@@ -265,7 +254,7 @@
           <a:p>
             <a:fld id="{00E76049-8B5A-4F57-ACFD-9BE1D2CA667C}" type="datetimeFigureOut">
               <a:rPr lang="en-US" smtClean="0"/>
-              <a:t>5/22/2019</a:t>
+              <a:t>5/24/2019</a:t>
             </a:fld>
             <a:endParaRPr lang="en-US"/>
           </a:p>
@@ -639,444 +628,6 @@
 </p:notes>
 </file>
 
-<file path=ppt/notesSlides/notesSlide10.xml><?xml version="1.0" encoding="utf-8"?>
-<p:notes xmlns:a="http://schemas.openxmlformats.org/drawingml/2006/main" xmlns:r="http://schemas.openxmlformats.org/officeDocument/2006/relationships" xmlns:p="http://schemas.openxmlformats.org/presentationml/2006/main">
-  <p:cSld>
-    <p:spTree>
-      <p:nvGrpSpPr>
-        <p:cNvPr id="1" name=""/>
-        <p:cNvGrpSpPr/>
-        <p:nvPr/>
-      </p:nvGrpSpPr>
-      <p:grpSpPr>
-        <a:xfrm>
-          <a:off x="0" y="0"/>
-          <a:ext cx="0" cy="0"/>
-          <a:chOff x="0" y="0"/>
-          <a:chExt cx="0" cy="0"/>
-        </a:xfrm>
-      </p:grpSpPr>
-      <p:sp>
-        <p:nvSpPr>
-          <p:cNvPr id="2" name="Slide Image Placeholder 1"/>
-          <p:cNvSpPr>
-            <a:spLocks noGrp="1" noRot="1" noChangeAspect="1"/>
-          </p:cNvSpPr>
-          <p:nvPr>
-            <p:ph type="sldImg"/>
-          </p:nvPr>
-        </p:nvSpPr>
-        <p:spPr/>
-      </p:sp>
-      <p:sp>
-        <p:nvSpPr>
-          <p:cNvPr id="3" name="Notes Placeholder 2"/>
-          <p:cNvSpPr>
-            <a:spLocks noGrp="1"/>
-          </p:cNvSpPr>
-          <p:nvPr>
-            <p:ph type="body" idx="1"/>
-          </p:nvPr>
-        </p:nvSpPr>
-        <p:spPr/>
-        <p:txBody>
-          <a:bodyPr/>
-          <a:lstStyle/>
-          <a:p>
-            <a:r>
-              <a:rPr lang="en-US" dirty="0"/>
-              <a:t>Beautiful: Pre-empts the Avant Garde European art movement</a:t>
-            </a:r>
-          </a:p>
-        </p:txBody>
-      </p:sp>
-      <p:sp>
-        <p:nvSpPr>
-          <p:cNvPr id="4" name="Slide Number Placeholder 3"/>
-          <p:cNvSpPr>
-            <a:spLocks noGrp="1"/>
-          </p:cNvSpPr>
-          <p:nvPr>
-            <p:ph type="sldNum" sz="quarter" idx="5"/>
-          </p:nvPr>
-        </p:nvSpPr>
-        <p:spPr/>
-        <p:txBody>
-          <a:bodyPr/>
-          <a:lstStyle/>
-          <a:p>
-            <a:fld id="{9B938A28-B02B-434E-8489-1FDE60A672E4}" type="slidenum">
-              <a:rPr lang="en-US" smtClean="0"/>
-              <a:t>64</a:t>
-            </a:fld>
-            <a:endParaRPr lang="en-US"/>
-          </a:p>
-        </p:txBody>
-      </p:sp>
-    </p:spTree>
-    <p:extLst>
-      <p:ext uri="{BB962C8B-B14F-4D97-AF65-F5344CB8AC3E}">
-        <p14:creationId xmlns:p14="http://schemas.microsoft.com/office/powerpoint/2010/main" val="453395481"/>
-      </p:ext>
-    </p:extLst>
-  </p:cSld>
-  <p:clrMapOvr>
-    <a:masterClrMapping/>
-  </p:clrMapOvr>
-</p:notes>
-</file>
-
-<file path=ppt/notesSlides/notesSlide11.xml><?xml version="1.0" encoding="utf-8"?>
-<p:notes xmlns:a="http://schemas.openxmlformats.org/drawingml/2006/main" xmlns:r="http://schemas.openxmlformats.org/officeDocument/2006/relationships" xmlns:p="http://schemas.openxmlformats.org/presentationml/2006/main">
-  <p:cSld>
-    <p:spTree>
-      <p:nvGrpSpPr>
-        <p:cNvPr id="1" name=""/>
-        <p:cNvGrpSpPr/>
-        <p:nvPr/>
-      </p:nvGrpSpPr>
-      <p:grpSpPr>
-        <a:xfrm>
-          <a:off x="0" y="0"/>
-          <a:ext cx="0" cy="0"/>
-          <a:chOff x="0" y="0"/>
-          <a:chExt cx="0" cy="0"/>
-        </a:xfrm>
-      </p:grpSpPr>
-      <p:sp>
-        <p:nvSpPr>
-          <p:cNvPr id="2" name="Slide Image Placeholder 1"/>
-          <p:cNvSpPr>
-            <a:spLocks noGrp="1" noRot="1" noChangeAspect="1"/>
-          </p:cNvSpPr>
-          <p:nvPr>
-            <p:ph type="sldImg"/>
-          </p:nvPr>
-        </p:nvSpPr>
-        <p:spPr/>
-      </p:sp>
-      <p:sp>
-        <p:nvSpPr>
-          <p:cNvPr id="3" name="Notes Placeholder 2"/>
-          <p:cNvSpPr>
-            <a:spLocks noGrp="1"/>
-          </p:cNvSpPr>
-          <p:nvPr>
-            <p:ph type="body" idx="1"/>
-          </p:nvPr>
-        </p:nvSpPr>
-        <p:spPr/>
-        <p:txBody>
-          <a:bodyPr/>
-          <a:lstStyle/>
-          <a:p>
-            <a:r>
-              <a:rPr lang="en-US" dirty="0"/>
-              <a:t>Insightful: Power of annotation</a:t>
-            </a:r>
-          </a:p>
-        </p:txBody>
-      </p:sp>
-      <p:sp>
-        <p:nvSpPr>
-          <p:cNvPr id="4" name="Slide Number Placeholder 3"/>
-          <p:cNvSpPr>
-            <a:spLocks noGrp="1"/>
-          </p:cNvSpPr>
-          <p:nvPr>
-            <p:ph type="sldNum" sz="quarter" idx="5"/>
-          </p:nvPr>
-        </p:nvSpPr>
-        <p:spPr/>
-        <p:txBody>
-          <a:bodyPr/>
-          <a:lstStyle/>
-          <a:p>
-            <a:fld id="{9B938A28-B02B-434E-8489-1FDE60A672E4}" type="slidenum">
-              <a:rPr lang="en-US" smtClean="0"/>
-              <a:t>65</a:t>
-            </a:fld>
-            <a:endParaRPr lang="en-US"/>
-          </a:p>
-        </p:txBody>
-      </p:sp>
-    </p:spTree>
-    <p:extLst>
-      <p:ext uri="{BB962C8B-B14F-4D97-AF65-F5344CB8AC3E}">
-        <p14:creationId xmlns:p14="http://schemas.microsoft.com/office/powerpoint/2010/main" val="411596394"/>
-      </p:ext>
-    </p:extLst>
-  </p:cSld>
-  <p:clrMapOvr>
-    <a:masterClrMapping/>
-  </p:clrMapOvr>
-</p:notes>
-</file>
-
-<file path=ppt/notesSlides/notesSlide12.xml><?xml version="1.0" encoding="utf-8"?>
-<p:notes xmlns:a="http://schemas.openxmlformats.org/drawingml/2006/main" xmlns:r="http://schemas.openxmlformats.org/officeDocument/2006/relationships" xmlns:p="http://schemas.openxmlformats.org/presentationml/2006/main">
-  <p:cSld>
-    <p:spTree>
-      <p:nvGrpSpPr>
-        <p:cNvPr id="1" name=""/>
-        <p:cNvGrpSpPr/>
-        <p:nvPr/>
-      </p:nvGrpSpPr>
-      <p:grpSpPr>
-        <a:xfrm>
-          <a:off x="0" y="0"/>
-          <a:ext cx="0" cy="0"/>
-          <a:chOff x="0" y="0"/>
-          <a:chExt cx="0" cy="0"/>
-        </a:xfrm>
-      </p:grpSpPr>
-      <p:sp>
-        <p:nvSpPr>
-          <p:cNvPr id="2" name="Slide Image Placeholder 1"/>
-          <p:cNvSpPr>
-            <a:spLocks noGrp="1" noRot="1" noChangeAspect="1"/>
-          </p:cNvSpPr>
-          <p:nvPr>
-            <p:ph type="sldImg"/>
-          </p:nvPr>
-        </p:nvSpPr>
-        <p:spPr/>
-      </p:sp>
-      <p:sp>
-        <p:nvSpPr>
-          <p:cNvPr id="3" name="Notes Placeholder 2"/>
-          <p:cNvSpPr>
-            <a:spLocks noGrp="1"/>
-          </p:cNvSpPr>
-          <p:nvPr>
-            <p:ph type="body" idx="1"/>
-          </p:nvPr>
-        </p:nvSpPr>
-        <p:spPr/>
-        <p:txBody>
-          <a:bodyPr/>
-          <a:lstStyle/>
-          <a:p>
-            <a:r>
-              <a:rPr lang="en-US" dirty="0"/>
-              <a:t>Insightful: Power of annotation</a:t>
-            </a:r>
-          </a:p>
-          <a:p>
-            <a:endParaRPr lang="en-US" dirty="0"/>
-          </a:p>
-        </p:txBody>
-      </p:sp>
-      <p:sp>
-        <p:nvSpPr>
-          <p:cNvPr id="4" name="Slide Number Placeholder 3"/>
-          <p:cNvSpPr>
-            <a:spLocks noGrp="1"/>
-          </p:cNvSpPr>
-          <p:nvPr>
-            <p:ph type="sldNum" sz="quarter" idx="5"/>
-          </p:nvPr>
-        </p:nvSpPr>
-        <p:spPr/>
-        <p:txBody>
-          <a:bodyPr/>
-          <a:lstStyle/>
-          <a:p>
-            <a:fld id="{9B938A28-B02B-434E-8489-1FDE60A672E4}" type="slidenum">
-              <a:rPr lang="en-US" smtClean="0"/>
-              <a:t>66</a:t>
-            </a:fld>
-            <a:endParaRPr lang="en-US"/>
-          </a:p>
-        </p:txBody>
-      </p:sp>
-    </p:spTree>
-    <p:extLst>
-      <p:ext uri="{BB962C8B-B14F-4D97-AF65-F5344CB8AC3E}">
-        <p14:creationId xmlns:p14="http://schemas.microsoft.com/office/powerpoint/2010/main" val="2870592554"/>
-      </p:ext>
-    </p:extLst>
-  </p:cSld>
-  <p:clrMapOvr>
-    <a:masterClrMapping/>
-  </p:clrMapOvr>
-</p:notes>
-</file>
-
-<file path=ppt/notesSlides/notesSlide13.xml><?xml version="1.0" encoding="utf-8"?>
-<p:notes xmlns:a="http://schemas.openxmlformats.org/drawingml/2006/main" xmlns:r="http://schemas.openxmlformats.org/officeDocument/2006/relationships" xmlns:p="http://schemas.openxmlformats.org/presentationml/2006/main">
-  <p:cSld>
-    <p:spTree>
-      <p:nvGrpSpPr>
-        <p:cNvPr id="1" name=""/>
-        <p:cNvGrpSpPr/>
-        <p:nvPr/>
-      </p:nvGrpSpPr>
-      <p:grpSpPr>
-        <a:xfrm>
-          <a:off x="0" y="0"/>
-          <a:ext cx="0" cy="0"/>
-          <a:chOff x="0" y="0"/>
-          <a:chExt cx="0" cy="0"/>
-        </a:xfrm>
-      </p:grpSpPr>
-      <p:sp>
-        <p:nvSpPr>
-          <p:cNvPr id="2" name="Slide Image Placeholder 1"/>
-          <p:cNvSpPr>
-            <a:spLocks noGrp="1" noRot="1" noChangeAspect="1"/>
-          </p:cNvSpPr>
-          <p:nvPr>
-            <p:ph type="sldImg"/>
-          </p:nvPr>
-        </p:nvSpPr>
-        <p:spPr/>
-      </p:sp>
-      <p:sp>
-        <p:nvSpPr>
-          <p:cNvPr id="3" name="Notes Placeholder 2"/>
-          <p:cNvSpPr>
-            <a:spLocks noGrp="1"/>
-          </p:cNvSpPr>
-          <p:nvPr>
-            <p:ph type="body" idx="1"/>
-          </p:nvPr>
-        </p:nvSpPr>
-        <p:spPr/>
-        <p:txBody>
-          <a:bodyPr/>
-          <a:lstStyle/>
-          <a:p>
-            <a:r>
-              <a:rPr lang="en-US" dirty="0"/>
-              <a:t>When a legend is more than just a legend</a:t>
-            </a:r>
-          </a:p>
-        </p:txBody>
-      </p:sp>
-      <p:sp>
-        <p:nvSpPr>
-          <p:cNvPr id="4" name="Slide Number Placeholder 3"/>
-          <p:cNvSpPr>
-            <a:spLocks noGrp="1"/>
-          </p:cNvSpPr>
-          <p:nvPr>
-            <p:ph type="sldNum" sz="quarter" idx="5"/>
-          </p:nvPr>
-        </p:nvSpPr>
-        <p:spPr/>
-        <p:txBody>
-          <a:bodyPr/>
-          <a:lstStyle/>
-          <a:p>
-            <a:fld id="{9B938A28-B02B-434E-8489-1FDE60A672E4}" type="slidenum">
-              <a:rPr lang="en-US" smtClean="0"/>
-              <a:t>68</a:t>
-            </a:fld>
-            <a:endParaRPr lang="en-US"/>
-          </a:p>
-        </p:txBody>
-      </p:sp>
-    </p:spTree>
-    <p:extLst>
-      <p:ext uri="{BB962C8B-B14F-4D97-AF65-F5344CB8AC3E}">
-        <p14:creationId xmlns:p14="http://schemas.microsoft.com/office/powerpoint/2010/main" val="2710020082"/>
-      </p:ext>
-    </p:extLst>
-  </p:cSld>
-  <p:clrMapOvr>
-    <a:masterClrMapping/>
-  </p:clrMapOvr>
-</p:notes>
-</file>
-
-<file path=ppt/notesSlides/notesSlide14.xml><?xml version="1.0" encoding="utf-8"?>
-<p:notes xmlns:a="http://schemas.openxmlformats.org/drawingml/2006/main" xmlns:r="http://schemas.openxmlformats.org/officeDocument/2006/relationships" xmlns:p="http://schemas.openxmlformats.org/presentationml/2006/main">
-  <p:cSld>
-    <p:spTree>
-      <p:nvGrpSpPr>
-        <p:cNvPr id="1" name=""/>
-        <p:cNvGrpSpPr/>
-        <p:nvPr/>
-      </p:nvGrpSpPr>
-      <p:grpSpPr>
-        <a:xfrm>
-          <a:off x="0" y="0"/>
-          <a:ext cx="0" cy="0"/>
-          <a:chOff x="0" y="0"/>
-          <a:chExt cx="0" cy="0"/>
-        </a:xfrm>
-      </p:grpSpPr>
-      <p:sp>
-        <p:nvSpPr>
-          <p:cNvPr id="2" name="Slide Image Placeholder 1"/>
-          <p:cNvSpPr>
-            <a:spLocks noGrp="1" noRot="1" noChangeAspect="1"/>
-          </p:cNvSpPr>
-          <p:nvPr>
-            <p:ph type="sldImg"/>
-          </p:nvPr>
-        </p:nvSpPr>
-        <p:spPr/>
-      </p:sp>
-      <p:sp>
-        <p:nvSpPr>
-          <p:cNvPr id="3" name="Notes Placeholder 2"/>
-          <p:cNvSpPr>
-            <a:spLocks noGrp="1"/>
-          </p:cNvSpPr>
-          <p:nvPr>
-            <p:ph type="body" idx="1"/>
-          </p:nvPr>
-        </p:nvSpPr>
-        <p:spPr/>
-        <p:txBody>
-          <a:bodyPr/>
-          <a:lstStyle/>
-          <a:p>
-            <a:r>
-              <a:rPr lang="en-US" dirty="0"/>
-              <a:t>The “Me” factor</a:t>
-            </a:r>
-          </a:p>
-        </p:txBody>
-      </p:sp>
-      <p:sp>
-        <p:nvSpPr>
-          <p:cNvPr id="4" name="Slide Number Placeholder 3"/>
-          <p:cNvSpPr>
-            <a:spLocks noGrp="1"/>
-          </p:cNvSpPr>
-          <p:nvPr>
-            <p:ph type="sldNum" sz="quarter" idx="5"/>
-          </p:nvPr>
-        </p:nvSpPr>
-        <p:spPr/>
-        <p:txBody>
-          <a:bodyPr/>
-          <a:lstStyle/>
-          <a:p>
-            <a:fld id="{9B938A28-B02B-434E-8489-1FDE60A672E4}" type="slidenum">
-              <a:rPr lang="en-US" smtClean="0"/>
-              <a:t>69</a:t>
-            </a:fld>
-            <a:endParaRPr lang="en-US"/>
-          </a:p>
-        </p:txBody>
-      </p:sp>
-    </p:spTree>
-    <p:extLst>
-      <p:ext uri="{BB962C8B-B14F-4D97-AF65-F5344CB8AC3E}">
-        <p14:creationId xmlns:p14="http://schemas.microsoft.com/office/powerpoint/2010/main" val="1339891045"/>
-      </p:ext>
-    </p:extLst>
-  </p:cSld>
-  <p:clrMapOvr>
-    <a:masterClrMapping/>
-  </p:clrMapOvr>
-</p:notes>
-</file>
-
 <file path=ppt/notesSlides/notesSlide2.xml><?xml version="1.0" encoding="utf-8"?>
 <p:notes xmlns:a="http://schemas.openxmlformats.org/drawingml/2006/main" xmlns:r="http://schemas.openxmlformats.org/officeDocument/2006/relationships" xmlns:p="http://schemas.openxmlformats.org/presentationml/2006/main">
   <p:cSld>
@@ -1325,7 +876,7 @@
           <a:p>
             <a:fld id="{9EE9EB66-32E9-496F-8812-FCB09C43DA10}" type="slidenum">
               <a:rPr lang="en-US" smtClean="0"/>
-              <a:t>49</a:t>
+              <a:t>44</a:t>
             </a:fld>
             <a:endParaRPr lang="en-US"/>
           </a:p>
@@ -1412,7 +963,7 @@
           <a:p>
             <a:fld id="{9EE9EB66-32E9-496F-8812-FCB09C43DA10}" type="slidenum">
               <a:rPr lang="en-US" smtClean="0"/>
-              <a:t>50</a:t>
+              <a:t>45</a:t>
             </a:fld>
             <a:endParaRPr lang="en-US"/>
           </a:p>
@@ -1499,7 +1050,7 @@
           <a:p>
             <a:fld id="{9EE9EB66-32E9-496F-8812-FCB09C43DA10}" type="slidenum">
               <a:rPr lang="en-US" smtClean="0"/>
-              <a:t>51</a:t>
+              <a:t>46</a:t>
             </a:fld>
             <a:endParaRPr lang="en-US"/>
           </a:p>
@@ -1586,7 +1137,7 @@
           <a:p>
             <a:fld id="{9EE9EB66-32E9-496F-8812-FCB09C43DA10}" type="slidenum">
               <a:rPr lang="en-US" smtClean="0"/>
-              <a:t>52</a:t>
+              <a:t>47</a:t>
             </a:fld>
             <a:endParaRPr lang="en-US"/>
           </a:p>
@@ -1673,7 +1224,7 @@
           <a:p>
             <a:fld id="{9EE9EB66-32E9-496F-8812-FCB09C43DA10}" type="slidenum">
               <a:rPr lang="en-US" smtClean="0"/>
-              <a:t>53</a:t>
+              <a:t>48</a:t>
             </a:fld>
             <a:endParaRPr lang="en-US"/>
           </a:p>
@@ -1760,7 +1311,7 @@
           <a:p>
             <a:fld id="{9EE9EB66-32E9-496F-8812-FCB09C43DA10}" type="slidenum">
               <a:rPr lang="en-US" smtClean="0"/>
-              <a:t>54</a:t>
+              <a:t>49</a:t>
             </a:fld>
             <a:endParaRPr lang="en-US"/>
           </a:p>
@@ -1926,7 +1477,7 @@
           <a:p>
             <a:fld id="{FEA818B7-DAAF-4183-9989-87A75440A4E9}" type="datetimeFigureOut">
               <a:rPr lang="en-US" smtClean="0"/>
-              <a:t>5/22/2019</a:t>
+              <a:t>5/24/2019</a:t>
             </a:fld>
             <a:endParaRPr lang="en-US"/>
           </a:p>
@@ -2124,7 +1675,7 @@
           <a:p>
             <a:fld id="{FEA818B7-DAAF-4183-9989-87A75440A4E9}" type="datetimeFigureOut">
               <a:rPr lang="en-US" smtClean="0"/>
-              <a:t>5/22/2019</a:t>
+              <a:t>5/24/2019</a:t>
             </a:fld>
             <a:endParaRPr lang="en-US"/>
           </a:p>
@@ -2332,7 +1883,7 @@
           <a:p>
             <a:fld id="{FEA818B7-DAAF-4183-9989-87A75440A4E9}" type="datetimeFigureOut">
               <a:rPr lang="en-US" smtClean="0"/>
-              <a:t>5/22/2019</a:t>
+              <a:t>5/24/2019</a:t>
             </a:fld>
             <a:endParaRPr lang="en-US"/>
           </a:p>
@@ -2530,7 +2081,7 @@
           <a:p>
             <a:fld id="{FEA818B7-DAAF-4183-9989-87A75440A4E9}" type="datetimeFigureOut">
               <a:rPr lang="en-US" smtClean="0"/>
-              <a:t>5/22/2019</a:t>
+              <a:t>5/24/2019</a:t>
             </a:fld>
             <a:endParaRPr lang="en-US"/>
           </a:p>
@@ -2805,7 +2356,7 @@
           <a:p>
             <a:fld id="{FEA818B7-DAAF-4183-9989-87A75440A4E9}" type="datetimeFigureOut">
               <a:rPr lang="en-US" smtClean="0"/>
-              <a:t>5/22/2019</a:t>
+              <a:t>5/24/2019</a:t>
             </a:fld>
             <a:endParaRPr lang="en-US"/>
           </a:p>
@@ -3070,7 +2621,7 @@
           <a:p>
             <a:fld id="{FEA818B7-DAAF-4183-9989-87A75440A4E9}" type="datetimeFigureOut">
               <a:rPr lang="en-US" smtClean="0"/>
-              <a:t>5/22/2019</a:t>
+              <a:t>5/24/2019</a:t>
             </a:fld>
             <a:endParaRPr lang="en-US"/>
           </a:p>
@@ -3482,7 +3033,7 @@
           <a:p>
             <a:fld id="{FEA818B7-DAAF-4183-9989-87A75440A4E9}" type="datetimeFigureOut">
               <a:rPr lang="en-US" smtClean="0"/>
-              <a:t>5/22/2019</a:t>
+              <a:t>5/24/2019</a:t>
             </a:fld>
             <a:endParaRPr lang="en-US"/>
           </a:p>
@@ -3623,7 +3174,7 @@
           <a:p>
             <a:fld id="{FEA818B7-DAAF-4183-9989-87A75440A4E9}" type="datetimeFigureOut">
               <a:rPr lang="en-US" smtClean="0"/>
-              <a:t>5/22/2019</a:t>
+              <a:t>5/24/2019</a:t>
             </a:fld>
             <a:endParaRPr lang="en-US"/>
           </a:p>
@@ -3736,7 +3287,7 @@
           <a:p>
             <a:fld id="{FEA818B7-DAAF-4183-9989-87A75440A4E9}" type="datetimeFigureOut">
               <a:rPr lang="en-US" smtClean="0"/>
-              <a:t>5/22/2019</a:t>
+              <a:t>5/24/2019</a:t>
             </a:fld>
             <a:endParaRPr lang="en-US"/>
           </a:p>
@@ -4047,7 +3598,7 @@
           <a:p>
             <a:fld id="{FEA818B7-DAAF-4183-9989-87A75440A4E9}" type="datetimeFigureOut">
               <a:rPr lang="en-US" smtClean="0"/>
-              <a:t>5/22/2019</a:t>
+              <a:t>5/24/2019</a:t>
             </a:fld>
             <a:endParaRPr lang="en-US"/>
           </a:p>
@@ -4335,7 +3886,7 @@
           <a:p>
             <a:fld id="{FEA818B7-DAAF-4183-9989-87A75440A4E9}" type="datetimeFigureOut">
               <a:rPr lang="en-US" smtClean="0"/>
-              <a:t>5/22/2019</a:t>
+              <a:t>5/24/2019</a:t>
             </a:fld>
             <a:endParaRPr lang="en-US"/>
           </a:p>
@@ -4576,7 +4127,7 @@
           <a:p>
             <a:fld id="{FEA818B7-DAAF-4183-9989-87A75440A4E9}" type="datetimeFigureOut">
               <a:rPr lang="en-US" smtClean="0"/>
-              <a:t>5/22/2019</a:t>
+              <a:t>5/24/2019</a:t>
             </a:fld>
             <a:endParaRPr lang="en-US"/>
           </a:p>
@@ -6046,18 +5597,6 @@
   <p:clrMapOvr>
     <a:masterClrMapping/>
   </p:clrMapOvr>
-  <mc:AlternateContent xmlns:mc="http://schemas.openxmlformats.org/markup-compatibility/2006" xmlns:p14="http://schemas.microsoft.com/office/powerpoint/2010/main">
-    <mc:Choice Requires="p14">
-      <p:transition spd="med" p14:dur="700">
-        <p:fade/>
-      </p:transition>
-    </mc:Choice>
-    <mc:Fallback xmlns="">
-      <p:transition spd="med">
-        <p:fade/>
-      </p:transition>
-    </mc:Fallback>
-  </mc:AlternateContent>
 </p:sld>
 </file>
 
@@ -6204,18 +5743,6 @@
   <p:clrMapOvr>
     <a:masterClrMapping/>
   </p:clrMapOvr>
-  <mc:AlternateContent xmlns:mc="http://schemas.openxmlformats.org/markup-compatibility/2006" xmlns:p14="http://schemas.microsoft.com/office/powerpoint/2010/main">
-    <mc:Choice Requires="p14">
-      <p:transition spd="med" p14:dur="700">
-        <p:fade/>
-      </p:transition>
-    </mc:Choice>
-    <mc:Fallback xmlns="">
-      <p:transition spd="med">
-        <p:fade/>
-      </p:transition>
-    </mc:Fallback>
-  </mc:AlternateContent>
 </p:sld>
 </file>
 
@@ -7610,18 +7137,6 @@
   <p:clrMapOvr>
     <a:masterClrMapping/>
   </p:clrMapOvr>
-  <mc:AlternateContent xmlns:mc="http://schemas.openxmlformats.org/markup-compatibility/2006" xmlns:p14="http://schemas.microsoft.com/office/powerpoint/2010/main">
-    <mc:Choice Requires="p14">
-      <p:transition spd="med" p14:dur="700">
-        <p:fade/>
-      </p:transition>
-    </mc:Choice>
-    <mc:Fallback xmlns="">
-      <p:transition spd="med">
-        <p:fade/>
-      </p:transition>
-    </mc:Fallback>
-  </mc:AlternateContent>
 </p:sld>
 </file>
 
@@ -8777,18 +8292,6 @@
   <p:clrMapOvr>
     <a:masterClrMapping/>
   </p:clrMapOvr>
-  <mc:AlternateContent xmlns:mc="http://schemas.openxmlformats.org/markup-compatibility/2006" xmlns:p14="http://schemas.microsoft.com/office/powerpoint/2010/main">
-    <mc:Choice Requires="p14">
-      <p:transition spd="med" p14:dur="700">
-        <p:fade/>
-      </p:transition>
-    </mc:Choice>
-    <mc:Fallback xmlns="">
-      <p:transition spd="med">
-        <p:fade/>
-      </p:transition>
-    </mc:Fallback>
-  </mc:AlternateContent>
 </p:sld>
 </file>
 
@@ -8967,8 +8470,8 @@
           </a:fontRef>
         </p:style>
       </p:cxnSp>
-      <mc:AlternateContent xmlns:mc="http://schemas.openxmlformats.org/markup-compatibility/2006">
-        <mc:Choice xmlns:a14="http://schemas.microsoft.com/office/drawing/2010/main" Requires="a14">
+      <mc:AlternateContent xmlns:mc="http://schemas.openxmlformats.org/markup-compatibility/2006" xmlns:a14="http://schemas.microsoft.com/office/drawing/2010/main">
+        <mc:Choice Requires="a14">
           <p:sp>
             <p:nvSpPr>
               <p:cNvPr id="13" name="TextBox 12">
@@ -9035,7 +8538,7 @@
             </p:txBody>
           </p:sp>
         </mc:Choice>
-        <mc:Fallback>
+        <mc:Fallback xmlns="">
           <p:sp>
             <p:nvSpPr>
               <p:cNvPr id="13" name="TextBox 12">
@@ -9909,18 +9412,6 @@
   <p:clrMapOvr>
     <a:masterClrMapping/>
   </p:clrMapOvr>
-  <mc:AlternateContent xmlns:mc="http://schemas.openxmlformats.org/markup-compatibility/2006" xmlns:p14="http://schemas.microsoft.com/office/powerpoint/2010/main">
-    <mc:Choice Requires="p14">
-      <p:transition spd="med" p14:dur="700">
-        <p:fade/>
-      </p:transition>
-    </mc:Choice>
-    <mc:Fallback xmlns="">
-      <p:transition spd="med">
-        <p:fade/>
-      </p:transition>
-    </mc:Fallback>
-  </mc:AlternateContent>
 </p:sld>
 </file>
 
@@ -10079,18 +9570,6 @@
   <p:clrMapOvr>
     <a:masterClrMapping/>
   </p:clrMapOvr>
-  <mc:AlternateContent xmlns:mc="http://schemas.openxmlformats.org/markup-compatibility/2006" xmlns:p14="http://schemas.microsoft.com/office/powerpoint/2010/main">
-    <mc:Choice Requires="p14">
-      <p:transition spd="med" p14:dur="700">
-        <p:fade/>
-      </p:transition>
-    </mc:Choice>
-    <mc:Fallback xmlns="">
-      <p:transition spd="med">
-        <p:fade/>
-      </p:transition>
-    </mc:Fallback>
-  </mc:AlternateContent>
 </p:sld>
 </file>
 
@@ -10274,18 +9753,6 @@
   <p:clrMapOvr>
     <a:masterClrMapping/>
   </p:clrMapOvr>
-  <mc:AlternateContent xmlns:mc="http://schemas.openxmlformats.org/markup-compatibility/2006" xmlns:p14="http://schemas.microsoft.com/office/powerpoint/2010/main">
-    <mc:Choice Requires="p14">
-      <p:transition spd="med" p14:dur="700">
-        <p:fade/>
-      </p:transition>
-    </mc:Choice>
-    <mc:Fallback xmlns="">
-      <p:transition spd="med">
-        <p:fade/>
-      </p:transition>
-    </mc:Fallback>
-  </mc:AlternateContent>
 </p:sld>
 </file>
 
@@ -11145,18 +10612,6 @@
   <p:clrMapOvr>
     <a:masterClrMapping/>
   </p:clrMapOvr>
-  <mc:AlternateContent xmlns:mc="http://schemas.openxmlformats.org/markup-compatibility/2006" xmlns:p14="http://schemas.microsoft.com/office/powerpoint/2010/main">
-    <mc:Choice Requires="p14">
-      <p:transition spd="med" p14:dur="700">
-        <p:fade/>
-      </p:transition>
-    </mc:Choice>
-    <mc:Fallback xmlns="">
-      <p:transition spd="med">
-        <p:fade/>
-      </p:transition>
-    </mc:Fallback>
-  </mc:AlternateContent>
 </p:sld>
 </file>
 
@@ -13060,18 +12515,6 @@
   <p:clrMapOvr>
     <a:masterClrMapping/>
   </p:clrMapOvr>
-  <mc:AlternateContent xmlns:mc="http://schemas.openxmlformats.org/markup-compatibility/2006" xmlns:p14="http://schemas.microsoft.com/office/powerpoint/2010/main">
-    <mc:Choice Requires="p14">
-      <p:transition spd="med" p14:dur="700">
-        <p:fade/>
-      </p:transition>
-    </mc:Choice>
-    <mc:Fallback xmlns="">
-      <p:transition spd="med">
-        <p:fade/>
-      </p:transition>
-    </mc:Fallback>
-  </mc:AlternateContent>
 </p:sld>
 </file>
 
@@ -13240,18 +12683,6 @@
   <p:clrMapOvr>
     <a:masterClrMapping/>
   </p:clrMapOvr>
-  <mc:AlternateContent xmlns:mc="http://schemas.openxmlformats.org/markup-compatibility/2006" xmlns:p14="http://schemas.microsoft.com/office/powerpoint/2010/main">
-    <mc:Choice Requires="p14">
-      <p:transition spd="med" p14:dur="700">
-        <p:fade/>
-      </p:transition>
-    </mc:Choice>
-    <mc:Fallback xmlns="">
-      <p:transition spd="med">
-        <p:fade/>
-      </p:transition>
-    </mc:Fallback>
-  </mc:AlternateContent>
 </p:sld>
 </file>
 
@@ -13972,18 +13403,6 @@
   <p:clrMapOvr>
     <a:masterClrMapping/>
   </p:clrMapOvr>
-  <mc:AlternateContent xmlns:mc="http://schemas.openxmlformats.org/markup-compatibility/2006" xmlns:p14="http://schemas.microsoft.com/office/powerpoint/2010/main">
-    <mc:Choice Requires="p14">
-      <p:transition spd="med" p14:dur="700">
-        <p:fade/>
-      </p:transition>
-    </mc:Choice>
-    <mc:Fallback xmlns="">
-      <p:transition spd="med">
-        <p:fade/>
-      </p:transition>
-    </mc:Fallback>
-  </mc:AlternateContent>
 </p:sld>
 </file>
 
@@ -14197,18 +13616,6 @@
   <p:clrMapOvr>
     <a:masterClrMapping/>
   </p:clrMapOvr>
-  <mc:AlternateContent xmlns:mc="http://schemas.openxmlformats.org/markup-compatibility/2006" xmlns:p14="http://schemas.microsoft.com/office/powerpoint/2010/main">
-    <mc:Choice Requires="p14">
-      <p:transition spd="med" p14:dur="700">
-        <p:fade/>
-      </p:transition>
-    </mc:Choice>
-    <mc:Fallback xmlns="">
-      <p:transition spd="med">
-        <p:fade/>
-      </p:transition>
-    </mc:Fallback>
-  </mc:AlternateContent>
 </p:sld>
 </file>
 
@@ -14466,18 +13873,6 @@
   <p:clrMapOvr>
     <a:masterClrMapping/>
   </p:clrMapOvr>
-  <mc:AlternateContent xmlns:mc="http://schemas.openxmlformats.org/markup-compatibility/2006" xmlns:p14="http://schemas.microsoft.com/office/powerpoint/2010/main">
-    <mc:Choice Requires="p14">
-      <p:transition spd="med" p14:dur="700">
-        <p:fade/>
-      </p:transition>
-    </mc:Choice>
-    <mc:Fallback xmlns="">
-      <p:transition spd="med">
-        <p:fade/>
-      </p:transition>
-    </mc:Fallback>
-  </mc:AlternateContent>
 </p:sld>
 </file>
 
@@ -14735,18 +14130,6 @@
   <p:clrMapOvr>
     <a:masterClrMapping/>
   </p:clrMapOvr>
-  <mc:AlternateContent xmlns:mc="http://schemas.openxmlformats.org/markup-compatibility/2006" xmlns:p14="http://schemas.microsoft.com/office/powerpoint/2010/main">
-    <mc:Choice Requires="p14">
-      <p:transition spd="med" p14:dur="700">
-        <p:fade/>
-      </p:transition>
-    </mc:Choice>
-    <mc:Fallback xmlns="">
-      <p:transition spd="med">
-        <p:fade/>
-      </p:transition>
-    </mc:Fallback>
-  </mc:AlternateContent>
 </p:sld>
 </file>
 
@@ -15190,18 +14573,6 @@
   <p:clrMapOvr>
     <a:masterClrMapping/>
   </p:clrMapOvr>
-  <mc:AlternateContent xmlns:mc="http://schemas.openxmlformats.org/markup-compatibility/2006" xmlns:p14="http://schemas.microsoft.com/office/powerpoint/2010/main">
-    <mc:Choice Requires="p14">
-      <p:transition spd="med" p14:dur="700">
-        <p:fade/>
-      </p:transition>
-    </mc:Choice>
-    <mc:Fallback xmlns="">
-      <p:transition spd="med">
-        <p:fade/>
-      </p:transition>
-    </mc:Fallback>
-  </mc:AlternateContent>
 </p:sld>
 </file>
 
@@ -15338,98 +14709,6 @@
           <a:chExt cx="0" cy="0"/>
         </a:xfrm>
       </p:grpSpPr>
-      <p:pic>
-        <p:nvPicPr>
-          <p:cNvPr id="4" name="Picture 2" descr="http://www.sci.utah.edu/~kpotter/Library/Papers/wilkinson:2001:PG/wilkinson_2001_PG_01.png">
-            <a:extLst>
-              <a:ext uri="{FF2B5EF4-FFF2-40B4-BE49-F238E27FC236}">
-                <a16:creationId xmlns:a16="http://schemas.microsoft.com/office/drawing/2014/main" id="{8C04FA92-AFC0-4295-8847-80E09DC559D6}"/>
-              </a:ext>
-            </a:extLst>
-          </p:cNvPr>
-          <p:cNvPicPr>
-            <a:picLocks noChangeAspect="1" noChangeArrowheads="1"/>
-          </p:cNvPicPr>
-          <p:nvPr/>
-        </p:nvPicPr>
-        <p:blipFill rotWithShape="1">
-          <a:blip r:embed="rId2">
-            <a:extLst>
-              <a:ext uri="{28A0092B-C50C-407E-A947-70E740481C1C}">
-                <a14:useLocalDpi xmlns:a14="http://schemas.microsoft.com/office/drawing/2010/main" val="0"/>
-              </a:ext>
-            </a:extLst>
-          </a:blip>
-          <a:srcRect t="12704"/>
-          <a:stretch/>
-        </p:blipFill>
-        <p:spPr bwMode="auto">
-          <a:xfrm>
-            <a:off x="3734129" y="1604548"/>
-            <a:ext cx="4829174" cy="4454497"/>
-          </a:xfrm>
-          <a:prstGeom prst="rect">
-            <a:avLst/>
-          </a:prstGeom>
-          <a:noFill/>
-          <a:extLst>
-            <a:ext uri="{909E8E84-426E-40DD-AFC4-6F175D3DCCD1}">
-              <a14:hiddenFill xmlns:a14="http://schemas.microsoft.com/office/drawing/2010/main">
-                <a:solidFill>
-                  <a:srgbClr val="FFFFFF"/>
-                </a:solidFill>
-              </a14:hiddenFill>
-            </a:ext>
-          </a:extLst>
-        </p:spPr>
-      </p:pic>
-      <p:sp>
-        <p:nvSpPr>
-          <p:cNvPr id="5" name="TextBox 4">
-            <a:extLst>
-              <a:ext uri="{FF2B5EF4-FFF2-40B4-BE49-F238E27FC236}">
-                <a16:creationId xmlns:a16="http://schemas.microsoft.com/office/drawing/2014/main" id="{DB6E853D-5D59-413C-8C5C-6CC3BF4892F2}"/>
-              </a:ext>
-            </a:extLst>
-          </p:cNvPr>
-          <p:cNvSpPr txBox="1"/>
-          <p:nvPr/>
-        </p:nvSpPr>
-        <p:spPr>
-          <a:xfrm>
-            <a:off x="3034038" y="6318554"/>
-            <a:ext cx="6123921" cy="424732"/>
-          </a:xfrm>
-          <a:prstGeom prst="rect">
-            <a:avLst/>
-          </a:prstGeom>
-          <a:noFill/>
-        </p:spPr>
-        <p:txBody>
-          <a:bodyPr wrap="none" rtlCol="0">
-            <a:spAutoFit/>
-          </a:bodyPr>
-          <a:lstStyle/>
-          <a:p>
-            <a:pPr>
-              <a:lnSpc>
-                <a:spcPct val="90000"/>
-              </a:lnSpc>
-            </a:pPr>
-            <a:r>
-              <a:rPr lang="en-US" sz="2400" dirty="0"/>
-              <a:t>Image source: Wilkinson, </a:t>
-            </a:r>
-            <a:r>
-              <a:rPr lang="en-US" sz="2400" i="1" dirty="0">
-                <a:hlinkClick r:id="rId3"/>
-              </a:rPr>
-              <a:t>Presentation Graphics</a:t>
-            </a:r>
-            <a:endParaRPr lang="en-US" sz="2400" dirty="0"/>
-          </a:p>
-        </p:txBody>
-      </p:sp>
       <p:sp>
         <p:nvSpPr>
           <p:cNvPr id="6" name="Slide Number Placeholder 5">
@@ -15499,6 +14778,36 @@
           </a:p>
         </p:txBody>
       </p:sp>
+      <p:pic>
+        <p:nvPicPr>
+          <p:cNvPr id="2" name="Picture 1">
+            <a:extLst>
+              <a:ext uri="{FF2B5EF4-FFF2-40B4-BE49-F238E27FC236}">
+                <a16:creationId xmlns:a16="http://schemas.microsoft.com/office/drawing/2014/main" id="{41DACAD7-AF7C-47EA-A5CB-B6E95A50B747}"/>
+              </a:ext>
+            </a:extLst>
+          </p:cNvPr>
+          <p:cNvPicPr>
+            <a:picLocks noChangeAspect="1"/>
+          </p:cNvPicPr>
+          <p:nvPr/>
+        </p:nvPicPr>
+        <p:blipFill>
+          <a:blip r:embed="rId2"/>
+          <a:stretch>
+            <a:fillRect/>
+          </a:stretch>
+        </p:blipFill>
+        <p:spPr>
+          <a:xfrm>
+            <a:off x="2219325" y="1517650"/>
+            <a:ext cx="7762875" cy="4838700"/>
+          </a:xfrm>
+          <a:prstGeom prst="rect">
+            <a:avLst/>
+          </a:prstGeom>
+        </p:spPr>
+      </p:pic>
     </p:spTree>
     <p:extLst>
       <p:ext uri="{BB962C8B-B14F-4D97-AF65-F5344CB8AC3E}">
@@ -15509,18 +14818,6 @@
   <p:clrMapOvr>
     <a:masterClrMapping/>
   </p:clrMapOvr>
-  <mc:AlternateContent xmlns:mc="http://schemas.openxmlformats.org/markup-compatibility/2006" xmlns:p14="http://schemas.microsoft.com/office/powerpoint/2010/main">
-    <mc:Choice Requires="p14">
-      <p:transition spd="med" p14:dur="700">
-        <p:fade/>
-      </p:transition>
-    </mc:Choice>
-    <mc:Fallback xmlns="">
-      <p:transition spd="med">
-        <p:fade/>
-      </p:transition>
-    </mc:Fallback>
-  </mc:AlternateContent>
 </p:sld>
 </file>
 
@@ -16074,18 +15371,6 @@
   <p:clrMapOvr>
     <a:masterClrMapping/>
   </p:clrMapOvr>
-  <mc:AlternateContent xmlns:mc="http://schemas.openxmlformats.org/markup-compatibility/2006" xmlns:p14="http://schemas.microsoft.com/office/powerpoint/2010/main">
-    <mc:Choice Requires="p14">
-      <p:transition spd="med" p14:dur="700">
-        <p:fade/>
-      </p:transition>
-    </mc:Choice>
-    <mc:Fallback xmlns="">
-      <p:transition spd="med">
-        <p:fade/>
-      </p:transition>
-    </mc:Fallback>
-  </mc:AlternateContent>
 </p:sld>
 </file>
 
@@ -16560,18 +15845,6 @@
   <p:clrMapOvr>
     <a:masterClrMapping/>
   </p:clrMapOvr>
-  <mc:AlternateContent xmlns:mc="http://schemas.openxmlformats.org/markup-compatibility/2006" xmlns:p14="http://schemas.microsoft.com/office/powerpoint/2010/main">
-    <mc:Choice Requires="p14">
-      <p:transition spd="med" p14:dur="700">
-        <p:fade/>
-      </p:transition>
-    </mc:Choice>
-    <mc:Fallback xmlns="">
-      <p:transition spd="med">
-        <p:fade/>
-      </p:transition>
-    </mc:Fallback>
-  </mc:AlternateContent>
 </p:sld>
 </file>
 
@@ -26814,18 +26087,6 @@
   <p:clrMapOvr>
     <a:masterClrMapping/>
   </p:clrMapOvr>
-  <mc:AlternateContent xmlns:mc="http://schemas.openxmlformats.org/markup-compatibility/2006" xmlns:p14="http://schemas.microsoft.com/office/powerpoint/2010/main">
-    <mc:Choice Requires="p14">
-      <p:transition spd="med" p14:dur="700">
-        <p:fade/>
-      </p:transition>
-    </mc:Choice>
-    <mc:Fallback xmlns="">
-      <p:transition spd="med">
-        <p:fade/>
-      </p:transition>
-    </mc:Fallback>
-  </mc:AlternateContent>
 </p:sld>
 </file>
 
@@ -28726,78 +27987,120 @@
       </p:grpSpPr>
       <p:sp>
         <p:nvSpPr>
-          <p:cNvPr id="3" name="Rectangle 2">
-            <a:extLst>
-              <a:ext uri="{FF2B5EF4-FFF2-40B4-BE49-F238E27FC236}">
-                <a16:creationId xmlns:a16="http://schemas.microsoft.com/office/drawing/2014/main" id="{7BDF1C64-EAD2-45C8-8797-45E14EE9076C}"/>
-              </a:ext>
-            </a:extLst>
-          </p:cNvPr>
-          <p:cNvSpPr/>
-          <p:nvPr/>
-        </p:nvSpPr>
-        <p:spPr>
-          <a:xfrm>
-            <a:off x="1046921" y="6214235"/>
-            <a:ext cx="10402957" cy="369332"/>
-          </a:xfrm>
-          <a:prstGeom prst="rect">
-            <a:avLst/>
-          </a:prstGeom>
-        </p:spPr>
-        <p:txBody>
-          <a:bodyPr wrap="square">
-            <a:spAutoFit/>
+          <p:cNvPr id="2" name="Title 1">
+            <a:extLst>
+              <a:ext uri="{FF2B5EF4-FFF2-40B4-BE49-F238E27FC236}">
+                <a16:creationId xmlns:a16="http://schemas.microsoft.com/office/drawing/2014/main" id="{69E87730-EC16-4F2B-A3BB-73CCBD110211}"/>
+              </a:ext>
+            </a:extLst>
+          </p:cNvPr>
+          <p:cNvSpPr>
+            <a:spLocks noGrp="1"/>
+          </p:cNvSpPr>
+          <p:nvPr>
+            <p:ph type="title"/>
+          </p:nvPr>
+        </p:nvSpPr>
+        <p:spPr/>
+        <p:txBody>
+          <a:bodyPr/>
+          <a:lstStyle/>
+          <a:p>
+            <a:r>
+              <a:rPr lang="en-US" dirty="0"/>
+              <a:t>Implications for practice</a:t>
+            </a:r>
+          </a:p>
+        </p:txBody>
+      </p:sp>
+      <p:sp>
+        <p:nvSpPr>
+          <p:cNvPr id="3" name="Content Placeholder 2">
+            <a:extLst>
+              <a:ext uri="{FF2B5EF4-FFF2-40B4-BE49-F238E27FC236}">
+                <a16:creationId xmlns:a16="http://schemas.microsoft.com/office/drawing/2014/main" id="{BEE3C8DC-6B22-42AD-862C-E8168630DA51}"/>
+              </a:ext>
+            </a:extLst>
+          </p:cNvPr>
+          <p:cNvSpPr>
+            <a:spLocks noGrp="1"/>
+          </p:cNvSpPr>
+          <p:nvPr>
+            <p:ph idx="1"/>
+          </p:nvPr>
+        </p:nvSpPr>
+        <p:spPr/>
+        <p:txBody>
+          <a:bodyPr>
+            <a:normAutofit fontScale="77500" lnSpcReduction="20000"/>
           </a:bodyPr>
           <a:lstStyle/>
           <a:p>
-            <a:r>
-              <a:rPr lang="en-US" dirty="0">
-                <a:hlinkClick r:id="rId2"/>
-              </a:rPr>
-              <a:t>http://sfew.websitetoolbox.com/post/ranking-the-gestalt-principles-3524646</a:t>
-            </a:r>
-            <a:r>
-              <a:rPr lang="en-US" dirty="0"/>
-              <a:t> (now unavailable; 5/8/19)</a:t>
-            </a:r>
-          </a:p>
-        </p:txBody>
-      </p:sp>
-      <p:pic>
-        <p:nvPicPr>
-          <p:cNvPr id="4" name="Picture 3">
-            <a:extLst>
-              <a:ext uri="{FF2B5EF4-FFF2-40B4-BE49-F238E27FC236}">
-                <a16:creationId xmlns:a16="http://schemas.microsoft.com/office/drawing/2014/main" id="{F904ECA8-07FC-4BB5-B9DB-6E9ABA004FBB}"/>
-              </a:ext>
-            </a:extLst>
-          </p:cNvPr>
-          <p:cNvPicPr>
-            <a:picLocks noChangeAspect="1"/>
-          </p:cNvPicPr>
-          <p:nvPr/>
-        </p:nvPicPr>
-        <p:blipFill>
-          <a:blip r:embed="rId3"/>
-          <a:stretch>
-            <a:fillRect/>
-          </a:stretch>
-        </p:blipFill>
-        <p:spPr>
-          <a:xfrm>
-            <a:off x="1046921" y="413581"/>
-            <a:ext cx="9294616" cy="5304732"/>
-          </a:xfrm>
-          <a:prstGeom prst="rect">
-            <a:avLst/>
-          </a:prstGeom>
-        </p:spPr>
-      </p:pic>
+            <a:pPr marL="0" indent="0" algn="ctr">
+              <a:buNone/>
+            </a:pPr>
+            <a:endParaRPr lang="en-US" sz="4000" dirty="0"/>
+          </a:p>
+          <a:p>
+            <a:pPr marL="0" indent="0" algn="ctr">
+              <a:buNone/>
+            </a:pPr>
+            <a:r>
+              <a:rPr lang="en-US" sz="4000" dirty="0"/>
+              <a:t>Know how we compare quantities</a:t>
+            </a:r>
+          </a:p>
+          <a:p>
+            <a:pPr marL="0" indent="0" algn="ctr">
+              <a:buNone/>
+            </a:pPr>
+            <a:endParaRPr lang="en-US" sz="4000" dirty="0"/>
+          </a:p>
+          <a:p>
+            <a:pPr marL="0" indent="0" algn="ctr">
+              <a:buNone/>
+            </a:pPr>
+            <a:r>
+              <a:rPr lang="en-US" sz="4000" dirty="0"/>
+              <a:t>Know how we perceive groups</a:t>
+            </a:r>
+          </a:p>
+          <a:p>
+            <a:pPr marL="0" indent="0" algn="ctr">
+              <a:buNone/>
+            </a:pPr>
+            <a:endParaRPr lang="en-US" sz="4000" dirty="0"/>
+          </a:p>
+          <a:p>
+            <a:pPr marL="0" indent="0" algn="ctr">
+              <a:buNone/>
+            </a:pPr>
+            <a:r>
+              <a:rPr lang="en-US" sz="4000" dirty="0"/>
+              <a:t>Employ these principles to facilitate the most important comparisons</a:t>
+            </a:r>
+          </a:p>
+          <a:p>
+            <a:pPr marL="0" indent="0" algn="ctr">
+              <a:buNone/>
+            </a:pPr>
+            <a:endParaRPr lang="en-US" sz="4000" dirty="0"/>
+          </a:p>
+          <a:p>
+            <a:pPr marL="0" indent="0" algn="ctr">
+              <a:buNone/>
+            </a:pPr>
+            <a:r>
+              <a:rPr lang="en-US" sz="4000" dirty="0"/>
+              <a:t>“The most important comparisons” depend on your message</a:t>
+            </a:r>
+          </a:p>
+        </p:txBody>
+      </p:sp>
     </p:spTree>
     <p:extLst>
       <p:ext uri="{BB962C8B-B14F-4D97-AF65-F5344CB8AC3E}">
-        <p14:creationId xmlns:p14="http://schemas.microsoft.com/office/powerpoint/2010/main" val="2796861723"/>
+        <p14:creationId xmlns:p14="http://schemas.microsoft.com/office/powerpoint/2010/main" val="1885837777"/>
       </p:ext>
     </p:extLst>
   </p:cSld>
@@ -28826,43 +28129,139 @@
       </p:grpSpPr>
       <p:sp>
         <p:nvSpPr>
-          <p:cNvPr id="2" name="TextBox 1">
-            <a:extLst>
-              <a:ext uri="{FF2B5EF4-FFF2-40B4-BE49-F238E27FC236}">
-                <a16:creationId xmlns:a16="http://schemas.microsoft.com/office/drawing/2014/main" id="{96736D8B-360E-48F1-8866-EBF3372961B2}"/>
-              </a:ext>
-            </a:extLst>
-          </p:cNvPr>
-          <p:cNvSpPr txBox="1"/>
-          <p:nvPr/>
-        </p:nvSpPr>
-        <p:spPr>
-          <a:xfrm>
-            <a:off x="118915" y="3075057"/>
-            <a:ext cx="11954170" cy="707886"/>
+          <p:cNvPr id="3" name="Rectangle 2">
+            <a:extLst>
+              <a:ext uri="{FF2B5EF4-FFF2-40B4-BE49-F238E27FC236}">
+                <a16:creationId xmlns:a16="http://schemas.microsoft.com/office/drawing/2014/main" id="{B368AEA7-F780-4595-A46E-E8FE8A6ABD7C}"/>
+              </a:ext>
+            </a:extLst>
+          </p:cNvPr>
+          <p:cNvSpPr/>
+          <p:nvPr/>
+        </p:nvSpPr>
+        <p:spPr>
+          <a:xfrm>
+            <a:off x="3048000" y="1012954"/>
+            <a:ext cx="6096000" cy="4832092"/>
           </a:xfrm>
           <a:prstGeom prst="rect">
             <a:avLst/>
           </a:prstGeom>
-          <a:noFill/>
-        </p:spPr>
-        <p:txBody>
-          <a:bodyPr wrap="none" rtlCol="0">
+        </p:spPr>
+        <p:txBody>
+          <a:bodyPr>
             <a:spAutoFit/>
           </a:bodyPr>
           <a:lstStyle/>
           <a:p>
             <a:r>
-              <a:rPr lang="en-US" sz="4000" i="1" dirty="0"/>
-              <a:t>color usually trumps shape when incorporating similarity</a:t>
-            </a:r>
+              <a:rPr lang="pt-BR" sz="2800" dirty="0">
+                <a:latin typeface="Courier New" panose="02070309020205020404" pitchFamily="49" charset="0"/>
+                <a:cs typeface="Courier New" panose="02070309020205020404" pitchFamily="49" charset="0"/>
+              </a:rPr>
+              <a:t>&gt; fake_data</a:t>
+            </a:r>
+          </a:p>
+          <a:p>
+            <a:r>
+              <a:rPr lang="pt-BR" sz="2800" dirty="0">
+                <a:latin typeface="Courier New" panose="02070309020205020404" pitchFamily="49" charset="0"/>
+                <a:cs typeface="Courier New" panose="02070309020205020404" pitchFamily="49" charset="0"/>
+              </a:rPr>
+              <a:t>  Factor1 Factor2 Response</a:t>
+            </a:r>
+          </a:p>
+          <a:p>
+            <a:r>
+              <a:rPr lang="pt-BR" sz="2800" dirty="0">
+                <a:latin typeface="Courier New" panose="02070309020205020404" pitchFamily="49" charset="0"/>
+                <a:cs typeface="Courier New" panose="02070309020205020404" pitchFamily="49" charset="0"/>
+              </a:rPr>
+              <a:t>1       A       I       15</a:t>
+            </a:r>
+          </a:p>
+          <a:p>
+            <a:r>
+              <a:rPr lang="pt-BR" sz="2800" dirty="0">
+                <a:latin typeface="Courier New" panose="02070309020205020404" pitchFamily="49" charset="0"/>
+                <a:cs typeface="Courier New" panose="02070309020205020404" pitchFamily="49" charset="0"/>
+              </a:rPr>
+              <a:t>2       A      II        5</a:t>
+            </a:r>
+          </a:p>
+          <a:p>
+            <a:r>
+              <a:rPr lang="pt-BR" sz="2800" dirty="0">
+                <a:latin typeface="Courier New" panose="02070309020205020404" pitchFamily="49" charset="0"/>
+                <a:cs typeface="Courier New" panose="02070309020205020404" pitchFamily="49" charset="0"/>
+              </a:rPr>
+              <a:t>3       A     III        5</a:t>
+            </a:r>
+          </a:p>
+          <a:p>
+            <a:r>
+              <a:rPr lang="pt-BR" sz="2800" dirty="0">
+                <a:latin typeface="Courier New" panose="02070309020205020404" pitchFamily="49" charset="0"/>
+                <a:cs typeface="Courier New" panose="02070309020205020404" pitchFamily="49" charset="0"/>
+              </a:rPr>
+              <a:t>4       B       I       10</a:t>
+            </a:r>
+          </a:p>
+          <a:p>
+            <a:r>
+              <a:rPr lang="pt-BR" sz="2800" dirty="0">
+                <a:latin typeface="Courier New" panose="02070309020205020404" pitchFamily="49" charset="0"/>
+                <a:cs typeface="Courier New" panose="02070309020205020404" pitchFamily="49" charset="0"/>
+              </a:rPr>
+              <a:t>5       B      II       15</a:t>
+            </a:r>
+          </a:p>
+          <a:p>
+            <a:r>
+              <a:rPr lang="pt-BR" sz="2800" dirty="0">
+                <a:latin typeface="Courier New" panose="02070309020205020404" pitchFamily="49" charset="0"/>
+                <a:cs typeface="Courier New" panose="02070309020205020404" pitchFamily="49" charset="0"/>
+              </a:rPr>
+              <a:t>6       B     III       15</a:t>
+            </a:r>
+          </a:p>
+          <a:p>
+            <a:r>
+              <a:rPr lang="pt-BR" sz="2800" dirty="0">
+                <a:latin typeface="Courier New" panose="02070309020205020404" pitchFamily="49" charset="0"/>
+                <a:cs typeface="Courier New" panose="02070309020205020404" pitchFamily="49" charset="0"/>
+              </a:rPr>
+              <a:t>7       C       I        5</a:t>
+            </a:r>
+          </a:p>
+          <a:p>
+            <a:r>
+              <a:rPr lang="pt-BR" sz="2800" dirty="0">
+                <a:latin typeface="Courier New" panose="02070309020205020404" pitchFamily="49" charset="0"/>
+                <a:cs typeface="Courier New" panose="02070309020205020404" pitchFamily="49" charset="0"/>
+              </a:rPr>
+              <a:t>8       C      II       10</a:t>
+            </a:r>
+          </a:p>
+          <a:p>
+            <a:r>
+              <a:rPr lang="pt-BR" sz="2800" dirty="0">
+                <a:latin typeface="Courier New" panose="02070309020205020404" pitchFamily="49" charset="0"/>
+                <a:cs typeface="Courier New" panose="02070309020205020404" pitchFamily="49" charset="0"/>
+              </a:rPr>
+              <a:t>9       C     III       10</a:t>
+            </a:r>
+            <a:endParaRPr lang="en-US" sz="2800" dirty="0">
+              <a:latin typeface="Courier New" panose="02070309020205020404" pitchFamily="49" charset="0"/>
+              <a:cs typeface="Courier New" panose="02070309020205020404" pitchFamily="49" charset="0"/>
+            </a:endParaRPr>
           </a:p>
         </p:txBody>
       </p:sp>
     </p:spTree>
     <p:extLst>
       <p:ext uri="{BB962C8B-B14F-4D97-AF65-F5344CB8AC3E}">
-        <p14:creationId xmlns:p14="http://schemas.microsoft.com/office/powerpoint/2010/main" val="1816083667"/>
+        <p14:creationId xmlns:p14="http://schemas.microsoft.com/office/powerpoint/2010/main" val="3377884992"/>
       </p:ext>
     </p:extLst>
   </p:cSld>
@@ -28889,42 +28288,94 @@
           <a:chExt cx="0" cy="0"/>
         </a:xfrm>
       </p:grpSpPr>
+      <p:sp>
+        <p:nvSpPr>
+          <p:cNvPr id="4" name="TextBox 3">
+            <a:extLst>
+              <a:ext uri="{FF2B5EF4-FFF2-40B4-BE49-F238E27FC236}">
+                <a16:creationId xmlns:a16="http://schemas.microsoft.com/office/drawing/2014/main" id="{DBFD555B-F022-4FDC-82F5-C3035603420A}"/>
+              </a:ext>
+            </a:extLst>
+          </p:cNvPr>
+          <p:cNvSpPr txBox="1"/>
+          <p:nvPr/>
+        </p:nvSpPr>
+        <p:spPr>
+          <a:xfrm>
+            <a:off x="590843" y="154745"/>
+            <a:ext cx="3135410" cy="1200329"/>
+          </a:xfrm>
+          <a:prstGeom prst="rect">
+            <a:avLst/>
+          </a:prstGeom>
+          <a:noFill/>
+        </p:spPr>
+        <p:txBody>
+          <a:bodyPr wrap="none" rtlCol="0">
+            <a:spAutoFit/>
+          </a:bodyPr>
+          <a:lstStyle/>
+          <a:p>
+            <a:r>
+              <a:rPr lang="en-US" dirty="0"/>
+              <a:t>Geom: bar</a:t>
+            </a:r>
+          </a:p>
+          <a:p>
+            <a:r>
+              <a:rPr lang="en-US" dirty="0"/>
+              <a:t>	</a:t>
+            </a:r>
+            <a:r>
+              <a:rPr lang="en-US" dirty="0" err="1"/>
+              <a:t>Position_X</a:t>
+            </a:r>
+            <a:r>
+              <a:rPr lang="en-US" dirty="0"/>
+              <a:t>: Factor 1 </a:t>
+            </a:r>
+          </a:p>
+          <a:p>
+            <a:r>
+              <a:rPr lang="en-US" dirty="0"/>
+              <a:t>	Color:</a:t>
+            </a:r>
+            <a:r>
+              <a:rPr lang="en-US" dirty="0">
+                <a:sym typeface="Wingdings" panose="05000000000000000000" pitchFamily="2" charset="2"/>
+              </a:rPr>
+              <a:t> Factor 2</a:t>
+            </a:r>
+          </a:p>
+          <a:p>
+            <a:r>
+              <a:rPr lang="en-US" dirty="0">
+                <a:sym typeface="Wingdings" panose="05000000000000000000" pitchFamily="2" charset="2"/>
+              </a:rPr>
+              <a:t>	</a:t>
+            </a:r>
+            <a:r>
+              <a:rPr lang="en-US" dirty="0" err="1">
+                <a:sym typeface="Wingdings" panose="05000000000000000000" pitchFamily="2" charset="2"/>
+              </a:rPr>
+              <a:t>Position_Y</a:t>
+            </a:r>
+            <a:r>
+              <a:rPr lang="en-US" dirty="0">
+                <a:sym typeface="Wingdings" panose="05000000000000000000" pitchFamily="2" charset="2"/>
+              </a:rPr>
+              <a:t>: Response </a:t>
+            </a:r>
+            <a:endParaRPr lang="en-US" dirty="0"/>
+          </a:p>
+        </p:txBody>
+      </p:sp>
       <p:pic>
         <p:nvPicPr>
-          <p:cNvPr id="2" name="Picture 1">
-            <a:extLst>
-              <a:ext uri="{FF2B5EF4-FFF2-40B4-BE49-F238E27FC236}">
-                <a16:creationId xmlns:a16="http://schemas.microsoft.com/office/drawing/2014/main" id="{27828901-CAE9-4348-9454-C69DF507DF4B}"/>
-              </a:ext>
-            </a:extLst>
-          </p:cNvPr>
-          <p:cNvPicPr>
-            <a:picLocks noChangeAspect="1"/>
-          </p:cNvPicPr>
-          <p:nvPr/>
-        </p:nvPicPr>
-        <p:blipFill>
-          <a:blip r:embed="rId2"/>
-          <a:stretch>
-            <a:fillRect/>
-          </a:stretch>
-        </p:blipFill>
-        <p:spPr>
-          <a:xfrm>
-            <a:off x="5971067" y="1411770"/>
-            <a:ext cx="6008899" cy="4034459"/>
-          </a:xfrm>
-          <a:prstGeom prst="rect">
-            <a:avLst/>
-          </a:prstGeom>
-        </p:spPr>
-      </p:pic>
-      <p:pic>
-        <p:nvPicPr>
-          <p:cNvPr id="3" name="Picture 2">
-            <a:extLst>
-              <a:ext uri="{FF2B5EF4-FFF2-40B4-BE49-F238E27FC236}">
-                <a16:creationId xmlns:a16="http://schemas.microsoft.com/office/drawing/2014/main" id="{52BBEC6F-86B3-4CD8-8711-AA20F7F70933}"/>
+          <p:cNvPr id="5" name="Picture 4">
+            <a:extLst>
+              <a:ext uri="{FF2B5EF4-FFF2-40B4-BE49-F238E27FC236}">
+                <a16:creationId xmlns:a16="http://schemas.microsoft.com/office/drawing/2014/main" id="{7EAD2A1B-C902-4FC9-A4D1-A80C53AEC7A8}"/>
               </a:ext>
             </a:extLst>
           </p:cNvPr>
@@ -28941,53 +28392,18 @@
         </p:blipFill>
         <p:spPr>
           <a:xfrm>
-            <a:off x="212034" y="1464571"/>
-            <a:ext cx="5755275" cy="3928856"/>
+            <a:off x="2405524" y="1619905"/>
+            <a:ext cx="7380952" cy="5238095"/>
           </a:xfrm>
           <a:prstGeom prst="rect">
             <a:avLst/>
           </a:prstGeom>
         </p:spPr>
       </p:pic>
-      <p:sp>
-        <p:nvSpPr>
-          <p:cNvPr id="4" name="TextBox 3">
-            <a:extLst>
-              <a:ext uri="{FF2B5EF4-FFF2-40B4-BE49-F238E27FC236}">
-                <a16:creationId xmlns:a16="http://schemas.microsoft.com/office/drawing/2014/main" id="{68DC4D32-B5B4-484C-BBB7-11A6EAE4B366}"/>
-              </a:ext>
-            </a:extLst>
-          </p:cNvPr>
-          <p:cNvSpPr txBox="1"/>
-          <p:nvPr/>
-        </p:nvSpPr>
-        <p:spPr>
-          <a:xfrm>
-            <a:off x="1285461" y="6361043"/>
-            <a:ext cx="4046877" cy="369332"/>
-          </a:xfrm>
-          <a:prstGeom prst="rect">
-            <a:avLst/>
-          </a:prstGeom>
-          <a:noFill/>
-        </p:spPr>
-        <p:txBody>
-          <a:bodyPr wrap="none" rtlCol="0">
-            <a:spAutoFit/>
-          </a:bodyPr>
-          <a:lstStyle/>
-          <a:p>
-            <a:r>
-              <a:rPr lang="en-US" dirty="0"/>
-              <a:t>Data source: World Bank, 2010 indicators</a:t>
-            </a:r>
-          </a:p>
-        </p:txBody>
-      </p:sp>
     </p:spTree>
     <p:extLst>
       <p:ext uri="{BB962C8B-B14F-4D97-AF65-F5344CB8AC3E}">
-        <p14:creationId xmlns:p14="http://schemas.microsoft.com/office/powerpoint/2010/main" val="4078838439"/>
+        <p14:creationId xmlns:p14="http://schemas.microsoft.com/office/powerpoint/2010/main" val="1182610117"/>
       </p:ext>
     </p:extLst>
   </p:cSld>
@@ -29016,10 +28432,10 @@
       </p:grpSpPr>
       <p:sp>
         <p:nvSpPr>
-          <p:cNvPr id="2" name="TextBox 1">
-            <a:extLst>
-              <a:ext uri="{FF2B5EF4-FFF2-40B4-BE49-F238E27FC236}">
-                <a16:creationId xmlns:a16="http://schemas.microsoft.com/office/drawing/2014/main" id="{96736D8B-360E-48F1-8866-EBF3372961B2}"/>
+          <p:cNvPr id="4" name="TextBox 3">
+            <a:extLst>
+              <a:ext uri="{FF2B5EF4-FFF2-40B4-BE49-F238E27FC236}">
+                <a16:creationId xmlns:a16="http://schemas.microsoft.com/office/drawing/2014/main" id="{DBFD555B-F022-4FDC-82F5-C3035603420A}"/>
               </a:ext>
             </a:extLst>
           </p:cNvPr>
@@ -29028,8 +28444,8 @@
         </p:nvSpPr>
         <p:spPr>
           <a:xfrm>
-            <a:off x="3245251" y="3119086"/>
-            <a:ext cx="5701497" cy="830997"/>
+            <a:off x="590843" y="154745"/>
+            <a:ext cx="3082511" cy="1477328"/>
           </a:xfrm>
           <a:prstGeom prst="rect">
             <a:avLst/>
@@ -29043,16 +28459,101 @@
           <a:lstStyle/>
           <a:p>
             <a:r>
-              <a:rPr lang="en-US" sz="4800" i="1" dirty="0"/>
-              <a:t>but you can double up</a:t>
-            </a:r>
-          </a:p>
-        </p:txBody>
-      </p:sp>
+              <a:rPr lang="en-US" dirty="0"/>
+              <a:t>Geom: bar</a:t>
+            </a:r>
+          </a:p>
+          <a:p>
+            <a:r>
+              <a:rPr lang="en-US" dirty="0"/>
+              <a:t>	</a:t>
+            </a:r>
+            <a:r>
+              <a:rPr lang="en-US" dirty="0" err="1"/>
+              <a:t>Position_X</a:t>
+            </a:r>
+            <a:r>
+              <a:rPr lang="en-US" dirty="0"/>
+              <a:t>: Factor 1 </a:t>
+            </a:r>
+          </a:p>
+          <a:p>
+            <a:r>
+              <a:rPr lang="en-US" dirty="0"/>
+              <a:t>	Color:</a:t>
+            </a:r>
+            <a:r>
+              <a:rPr lang="en-US" dirty="0">
+                <a:sym typeface="Wingdings" panose="05000000000000000000" pitchFamily="2" charset="2"/>
+              </a:rPr>
+              <a:t> Factor 2</a:t>
+            </a:r>
+          </a:p>
+          <a:p>
+            <a:r>
+              <a:rPr lang="en-US" dirty="0">
+                <a:sym typeface="Wingdings" panose="05000000000000000000" pitchFamily="2" charset="2"/>
+              </a:rPr>
+              <a:t>	</a:t>
+            </a:r>
+            <a:r>
+              <a:rPr lang="en-US" dirty="0" err="1">
+                <a:sym typeface="Wingdings" panose="05000000000000000000" pitchFamily="2" charset="2"/>
+              </a:rPr>
+              <a:t>Position_Y</a:t>
+            </a:r>
+            <a:r>
+              <a:rPr lang="en-US" dirty="0">
+                <a:sym typeface="Wingdings" panose="05000000000000000000" pitchFamily="2" charset="2"/>
+              </a:rPr>
+              <a:t>: Response</a:t>
+            </a:r>
+          </a:p>
+          <a:p>
+            <a:r>
+              <a:rPr lang="en-US" dirty="0">
+                <a:sym typeface="Wingdings" panose="05000000000000000000" pitchFamily="2" charset="2"/>
+              </a:rPr>
+              <a:t>	FACET: Factor 2 </a:t>
+            </a:r>
+            <a:endParaRPr lang="en-US" dirty="0"/>
+          </a:p>
+        </p:txBody>
+      </p:sp>
+      <p:pic>
+        <p:nvPicPr>
+          <p:cNvPr id="3" name="Picture 2">
+            <a:extLst>
+              <a:ext uri="{FF2B5EF4-FFF2-40B4-BE49-F238E27FC236}">
+                <a16:creationId xmlns:a16="http://schemas.microsoft.com/office/drawing/2014/main" id="{04EA2DD0-033C-466B-B35B-A44A2FF4EEA0}"/>
+              </a:ext>
+            </a:extLst>
+          </p:cNvPr>
+          <p:cNvPicPr>
+            <a:picLocks noChangeAspect="1"/>
+          </p:cNvPicPr>
+          <p:nvPr/>
+        </p:nvPicPr>
+        <p:blipFill>
+          <a:blip r:embed="rId3"/>
+          <a:stretch>
+            <a:fillRect/>
+          </a:stretch>
+        </p:blipFill>
+        <p:spPr>
+          <a:xfrm>
+            <a:off x="2405524" y="1619905"/>
+            <a:ext cx="7380952" cy="5238095"/>
+          </a:xfrm>
+          <a:prstGeom prst="rect">
+            <a:avLst/>
+          </a:prstGeom>
+        </p:spPr>
+      </p:pic>
     </p:spTree>
     <p:extLst>
       <p:ext uri="{BB962C8B-B14F-4D97-AF65-F5344CB8AC3E}">
-        <p14:creationId xmlns:p14="http://schemas.microsoft.com/office/powerpoint/2010/main" val="2180707088"/>
+        <p14:creationId xmlns:p14="http://schemas.microsoft.com/office/powerpoint/2010/main" val="4244885627"/>
       </p:ext>
     </p:extLst>
   </p:cSld>
@@ -29079,12 +28580,102 @@
           <a:chExt cx="0" cy="0"/>
         </a:xfrm>
       </p:grpSpPr>
+      <p:sp>
+        <p:nvSpPr>
+          <p:cNvPr id="11" name="TextBox 10">
+            <a:extLst>
+              <a:ext uri="{FF2B5EF4-FFF2-40B4-BE49-F238E27FC236}">
+                <a16:creationId xmlns:a16="http://schemas.microsoft.com/office/drawing/2014/main" id="{2AAE7BA2-2A2B-4D6E-B4F8-2753B13A264A}"/>
+              </a:ext>
+            </a:extLst>
+          </p:cNvPr>
+          <p:cNvSpPr txBox="1"/>
+          <p:nvPr/>
+        </p:nvSpPr>
+        <p:spPr>
+          <a:xfrm>
+            <a:off x="590843" y="154745"/>
+            <a:ext cx="3135410" cy="1477328"/>
+          </a:xfrm>
+          <a:prstGeom prst="rect">
+            <a:avLst/>
+          </a:prstGeom>
+          <a:noFill/>
+        </p:spPr>
+        <p:txBody>
+          <a:bodyPr wrap="none" rtlCol="0">
+            <a:spAutoFit/>
+          </a:bodyPr>
+          <a:lstStyle/>
+          <a:p>
+            <a:r>
+              <a:rPr lang="en-US" dirty="0"/>
+              <a:t>Geom: point</a:t>
+            </a:r>
+          </a:p>
+          <a:p>
+            <a:r>
+              <a:rPr lang="en-US" dirty="0"/>
+              <a:t>	</a:t>
+            </a:r>
+            <a:r>
+              <a:rPr lang="en-US" dirty="0" err="1"/>
+              <a:t>Position_X</a:t>
+            </a:r>
+            <a:r>
+              <a:rPr lang="en-US" dirty="0"/>
+              <a:t>: Factor 1 </a:t>
+            </a:r>
+          </a:p>
+          <a:p>
+            <a:r>
+              <a:rPr lang="en-US" dirty="0"/>
+              <a:t>	Color:</a:t>
+            </a:r>
+            <a:r>
+              <a:rPr lang="en-US" dirty="0">
+                <a:sym typeface="Wingdings" panose="05000000000000000000" pitchFamily="2" charset="2"/>
+              </a:rPr>
+              <a:t> Factor 2</a:t>
+            </a:r>
+          </a:p>
+          <a:p>
+            <a:r>
+              <a:rPr lang="en-US" dirty="0">
+                <a:sym typeface="Wingdings" panose="05000000000000000000" pitchFamily="2" charset="2"/>
+              </a:rPr>
+              <a:t>	Shape: Factor 2</a:t>
+            </a:r>
+          </a:p>
+          <a:p>
+            <a:r>
+              <a:rPr lang="en-US" dirty="0">
+                <a:sym typeface="Wingdings" panose="05000000000000000000" pitchFamily="2" charset="2"/>
+              </a:rPr>
+              <a:t>	</a:t>
+            </a:r>
+            <a:r>
+              <a:rPr lang="en-US" dirty="0" err="1">
+                <a:sym typeface="Wingdings" panose="05000000000000000000" pitchFamily="2" charset="2"/>
+              </a:rPr>
+              <a:t>Position_Y</a:t>
+            </a:r>
+            <a:r>
+              <a:rPr lang="en-US" dirty="0">
+                <a:sym typeface="Wingdings" panose="05000000000000000000" pitchFamily="2" charset="2"/>
+              </a:rPr>
+              <a:t>: Response </a:t>
+            </a:r>
+            <a:endParaRPr lang="en-US" dirty="0"/>
+          </a:p>
+        </p:txBody>
+      </p:sp>
       <p:pic>
         <p:nvPicPr>
-          <p:cNvPr id="3" name="Picture 2">
-            <a:extLst>
-              <a:ext uri="{FF2B5EF4-FFF2-40B4-BE49-F238E27FC236}">
-                <a16:creationId xmlns:a16="http://schemas.microsoft.com/office/drawing/2014/main" id="{E66A79F5-61F3-45F3-82BD-E5FEC081A5F1}"/>
+          <p:cNvPr id="13" name="Picture 12">
+            <a:extLst>
+              <a:ext uri="{FF2B5EF4-FFF2-40B4-BE49-F238E27FC236}">
+                <a16:creationId xmlns:a16="http://schemas.microsoft.com/office/drawing/2014/main" id="{456AACCC-1C67-4695-A32C-D52BA76B1A9E}"/>
               </a:ext>
             </a:extLst>
           </p:cNvPr>
@@ -29094,15 +28685,15 @@
           <p:nvPr/>
         </p:nvPicPr>
         <p:blipFill>
-          <a:blip r:embed="rId2"/>
+          <a:blip r:embed="rId3"/>
           <a:stretch>
             <a:fillRect/>
           </a:stretch>
         </p:blipFill>
         <p:spPr>
           <a:xfrm>
-            <a:off x="1377397" y="556759"/>
-            <a:ext cx="9437205" cy="6068293"/>
+            <a:off x="2405524" y="1619905"/>
+            <a:ext cx="7380952" cy="5238095"/>
           </a:xfrm>
           <a:prstGeom prst="rect">
             <a:avLst/>
@@ -29112,7 +28703,7 @@
     </p:spTree>
     <p:extLst>
       <p:ext uri="{BB962C8B-B14F-4D97-AF65-F5344CB8AC3E}">
-        <p14:creationId xmlns:p14="http://schemas.microsoft.com/office/powerpoint/2010/main" val="1467061427"/>
+        <p14:creationId xmlns:p14="http://schemas.microsoft.com/office/powerpoint/2010/main" val="3092072027"/>
       </p:ext>
     </p:extLst>
   </p:cSld>
@@ -29141,120 +28732,218 @@
       </p:grpSpPr>
       <p:sp>
         <p:nvSpPr>
-          <p:cNvPr id="2" name="Title 1">
-            <a:extLst>
-              <a:ext uri="{FF2B5EF4-FFF2-40B4-BE49-F238E27FC236}">
-                <a16:creationId xmlns:a16="http://schemas.microsoft.com/office/drawing/2014/main" id="{69E87730-EC16-4F2B-A3BB-73CCBD110211}"/>
-              </a:ext>
-            </a:extLst>
-          </p:cNvPr>
-          <p:cNvSpPr>
-            <a:spLocks noGrp="1"/>
-          </p:cNvSpPr>
-          <p:nvPr>
-            <p:ph type="title"/>
-          </p:nvPr>
-        </p:nvSpPr>
-        <p:spPr/>
-        <p:txBody>
-          <a:bodyPr/>
+          <p:cNvPr id="9" name="TextBox 8">
+            <a:extLst>
+              <a:ext uri="{FF2B5EF4-FFF2-40B4-BE49-F238E27FC236}">
+                <a16:creationId xmlns:a16="http://schemas.microsoft.com/office/drawing/2014/main" id="{02D07000-A372-4792-8078-BEB049616B80}"/>
+              </a:ext>
+            </a:extLst>
+          </p:cNvPr>
+          <p:cNvSpPr txBox="1"/>
+          <p:nvPr/>
+        </p:nvSpPr>
+        <p:spPr>
+          <a:xfrm>
+            <a:off x="590843" y="154745"/>
+            <a:ext cx="3135410" cy="1477328"/>
+          </a:xfrm>
+          <a:prstGeom prst="rect">
+            <a:avLst/>
+          </a:prstGeom>
+          <a:noFill/>
+        </p:spPr>
+        <p:txBody>
+          <a:bodyPr wrap="none" rtlCol="0">
+            <a:spAutoFit/>
+          </a:bodyPr>
           <a:lstStyle/>
           <a:p>
             <a:r>
               <a:rPr lang="en-US" dirty="0"/>
-              <a:t>Implications for practice</a:t>
-            </a:r>
-          </a:p>
-        </p:txBody>
-      </p:sp>
-      <p:sp>
-        <p:nvSpPr>
-          <p:cNvPr id="3" name="Content Placeholder 2">
-            <a:extLst>
-              <a:ext uri="{FF2B5EF4-FFF2-40B4-BE49-F238E27FC236}">
-                <a16:creationId xmlns:a16="http://schemas.microsoft.com/office/drawing/2014/main" id="{BEE3C8DC-6B22-42AD-862C-E8168630DA51}"/>
-              </a:ext>
-            </a:extLst>
-          </p:cNvPr>
-          <p:cNvSpPr>
-            <a:spLocks noGrp="1"/>
-          </p:cNvSpPr>
-          <p:nvPr>
-            <p:ph idx="1"/>
-          </p:nvPr>
-        </p:nvSpPr>
-        <p:spPr/>
-        <p:txBody>
-          <a:bodyPr>
-            <a:normAutofit fontScale="77500" lnSpcReduction="20000"/>
+              <a:t>Geom: point</a:t>
+            </a:r>
+          </a:p>
+          <a:p>
+            <a:r>
+              <a:rPr lang="en-US" dirty="0"/>
+              <a:t>	</a:t>
+            </a:r>
+            <a:r>
+              <a:rPr lang="en-US" dirty="0" err="1"/>
+              <a:t>Position_X</a:t>
+            </a:r>
+            <a:r>
+              <a:rPr lang="en-US" dirty="0"/>
+              <a:t>: Factor 1 </a:t>
+            </a:r>
+          </a:p>
+          <a:p>
+            <a:r>
+              <a:rPr lang="en-US" dirty="0"/>
+              <a:t>	Color:</a:t>
+            </a:r>
+            <a:r>
+              <a:rPr lang="en-US" dirty="0">
+                <a:sym typeface="Wingdings" panose="05000000000000000000" pitchFamily="2" charset="2"/>
+              </a:rPr>
+              <a:t> Factor 2</a:t>
+            </a:r>
+          </a:p>
+          <a:p>
+            <a:r>
+              <a:rPr lang="en-US" dirty="0">
+                <a:sym typeface="Wingdings" panose="05000000000000000000" pitchFamily="2" charset="2"/>
+              </a:rPr>
+              <a:t>	Shape: Factor 2</a:t>
+            </a:r>
+          </a:p>
+          <a:p>
+            <a:r>
+              <a:rPr lang="en-US" dirty="0">
+                <a:sym typeface="Wingdings" panose="05000000000000000000" pitchFamily="2" charset="2"/>
+              </a:rPr>
+              <a:t>	</a:t>
+            </a:r>
+            <a:r>
+              <a:rPr lang="en-US" dirty="0" err="1">
+                <a:sym typeface="Wingdings" panose="05000000000000000000" pitchFamily="2" charset="2"/>
+              </a:rPr>
+              <a:t>Position_Y</a:t>
+            </a:r>
+            <a:r>
+              <a:rPr lang="en-US" dirty="0">
+                <a:sym typeface="Wingdings" panose="05000000000000000000" pitchFamily="2" charset="2"/>
+              </a:rPr>
+              <a:t>: Response </a:t>
+            </a:r>
+            <a:endParaRPr lang="en-US" dirty="0"/>
+          </a:p>
+        </p:txBody>
+      </p:sp>
+      <p:sp>
+        <p:nvSpPr>
+          <p:cNvPr id="10" name="TextBox 9">
+            <a:extLst>
+              <a:ext uri="{FF2B5EF4-FFF2-40B4-BE49-F238E27FC236}">
+                <a16:creationId xmlns:a16="http://schemas.microsoft.com/office/drawing/2014/main" id="{01ADEF30-0CD4-468E-92FB-69EAF227480C}"/>
+              </a:ext>
+            </a:extLst>
+          </p:cNvPr>
+          <p:cNvSpPr txBox="1"/>
+          <p:nvPr/>
+        </p:nvSpPr>
+        <p:spPr>
+          <a:xfrm>
+            <a:off x="3726253" y="154745"/>
+            <a:ext cx="3135410" cy="1477328"/>
+          </a:xfrm>
+          <a:prstGeom prst="rect">
+            <a:avLst/>
+          </a:prstGeom>
+          <a:noFill/>
+        </p:spPr>
+        <p:txBody>
+          <a:bodyPr wrap="none" rtlCol="0">
+            <a:spAutoFit/>
           </a:bodyPr>
           <a:lstStyle/>
           <a:p>
-            <a:pPr marL="0" indent="0" algn="ctr">
-              <a:buNone/>
-            </a:pPr>
-            <a:endParaRPr lang="en-US" sz="4000" dirty="0"/>
-          </a:p>
-          <a:p>
-            <a:pPr marL="0" indent="0" algn="ctr">
-              <a:buNone/>
-            </a:pPr>
-            <a:r>
-              <a:rPr lang="en-US" sz="4000" dirty="0"/>
-              <a:t>Know how we compare quantities</a:t>
-            </a:r>
-          </a:p>
-          <a:p>
-            <a:pPr marL="0" indent="0" algn="ctr">
-              <a:buNone/>
-            </a:pPr>
-            <a:endParaRPr lang="en-US" sz="4000" dirty="0"/>
-          </a:p>
-          <a:p>
-            <a:pPr marL="0" indent="0" algn="ctr">
-              <a:buNone/>
-            </a:pPr>
-            <a:r>
-              <a:rPr lang="en-US" sz="4000" dirty="0"/>
-              <a:t>Know how we perceive groups</a:t>
-            </a:r>
-          </a:p>
-          <a:p>
-            <a:pPr marL="0" indent="0" algn="ctr">
-              <a:buNone/>
-            </a:pPr>
-            <a:endParaRPr lang="en-US" sz="4000" dirty="0"/>
-          </a:p>
-          <a:p>
-            <a:pPr marL="0" indent="0" algn="ctr">
-              <a:buNone/>
-            </a:pPr>
-            <a:r>
-              <a:rPr lang="en-US" sz="4000" dirty="0"/>
-              <a:t>Employ these principles to facilitate the most important comparisons</a:t>
-            </a:r>
-          </a:p>
-          <a:p>
-            <a:pPr marL="0" indent="0" algn="ctr">
-              <a:buNone/>
-            </a:pPr>
-            <a:endParaRPr lang="en-US" sz="4000" dirty="0"/>
-          </a:p>
-          <a:p>
-            <a:pPr marL="0" indent="0" algn="ctr">
-              <a:buNone/>
-            </a:pPr>
-            <a:r>
-              <a:rPr lang="en-US" sz="4000" dirty="0"/>
-              <a:t>“The most important comparisons” depend on your message</a:t>
-            </a:r>
-          </a:p>
-        </p:txBody>
-      </p:sp>
+            <a:r>
+              <a:rPr lang="en-US" dirty="0"/>
+              <a:t>Geom: line</a:t>
+            </a:r>
+          </a:p>
+          <a:p>
+            <a:r>
+              <a:rPr lang="en-US" dirty="0"/>
+              <a:t>	</a:t>
+            </a:r>
+            <a:r>
+              <a:rPr lang="en-US" dirty="0" err="1"/>
+              <a:t>Position_X</a:t>
+            </a:r>
+            <a:r>
+              <a:rPr lang="en-US" dirty="0"/>
+              <a:t>: Factor 1 </a:t>
+            </a:r>
+          </a:p>
+          <a:p>
+            <a:r>
+              <a:rPr lang="en-US" dirty="0"/>
+              <a:t>	Color:</a:t>
+            </a:r>
+            <a:r>
+              <a:rPr lang="en-US" dirty="0">
+                <a:sym typeface="Wingdings" panose="05000000000000000000" pitchFamily="2" charset="2"/>
+              </a:rPr>
+              <a:t> Factor 2</a:t>
+            </a:r>
+          </a:p>
+          <a:p>
+            <a:r>
+              <a:rPr lang="en-US" dirty="0">
+                <a:sym typeface="Wingdings" panose="05000000000000000000" pitchFamily="2" charset="2"/>
+              </a:rPr>
+              <a:t>	Group: Factor 2</a:t>
+            </a:r>
+          </a:p>
+          <a:p>
+            <a:r>
+              <a:rPr lang="en-US" dirty="0">
+                <a:sym typeface="Wingdings" panose="05000000000000000000" pitchFamily="2" charset="2"/>
+              </a:rPr>
+              <a:t>	</a:t>
+            </a:r>
+            <a:r>
+              <a:rPr lang="en-US" dirty="0" err="1">
+                <a:sym typeface="Wingdings" panose="05000000000000000000" pitchFamily="2" charset="2"/>
+              </a:rPr>
+              <a:t>Position_Y</a:t>
+            </a:r>
+            <a:r>
+              <a:rPr lang="en-US" dirty="0">
+                <a:sym typeface="Wingdings" panose="05000000000000000000" pitchFamily="2" charset="2"/>
+              </a:rPr>
+              <a:t>: Response </a:t>
+            </a:r>
+            <a:endParaRPr lang="en-US" dirty="0"/>
+          </a:p>
+        </p:txBody>
+      </p:sp>
+      <p:pic>
+        <p:nvPicPr>
+          <p:cNvPr id="11" name="Picture 10">
+            <a:extLst>
+              <a:ext uri="{FF2B5EF4-FFF2-40B4-BE49-F238E27FC236}">
+                <a16:creationId xmlns:a16="http://schemas.microsoft.com/office/drawing/2014/main" id="{3B5C206F-91C4-4A1A-85A1-DC98A516A328}"/>
+              </a:ext>
+            </a:extLst>
+          </p:cNvPr>
+          <p:cNvPicPr>
+            <a:picLocks noChangeAspect="1"/>
+          </p:cNvPicPr>
+          <p:nvPr/>
+        </p:nvPicPr>
+        <p:blipFill>
+          <a:blip r:embed="rId3"/>
+          <a:stretch>
+            <a:fillRect/>
+          </a:stretch>
+        </p:blipFill>
+        <p:spPr>
+          <a:xfrm>
+            <a:off x="2405524" y="1619905"/>
+            <a:ext cx="7380952" cy="5238095"/>
+          </a:xfrm>
+          <a:prstGeom prst="rect">
+            <a:avLst/>
+          </a:prstGeom>
+        </p:spPr>
+      </p:pic>
     </p:spTree>
     <p:extLst>
       <p:ext uri="{BB962C8B-B14F-4D97-AF65-F5344CB8AC3E}">
-        <p14:creationId xmlns:p14="http://schemas.microsoft.com/office/powerpoint/2010/main" val="1885837777"/>
+        <p14:creationId xmlns:p14="http://schemas.microsoft.com/office/powerpoint/2010/main" val="4093746028"/>
       </p:ext>
     </p:extLst>
   </p:cSld>
@@ -29281,141 +28970,238 @@
           <a:chExt cx="0" cy="0"/>
         </a:xfrm>
       </p:grpSpPr>
-      <p:sp>
-        <p:nvSpPr>
-          <p:cNvPr id="3" name="Rectangle 2">
-            <a:extLst>
-              <a:ext uri="{FF2B5EF4-FFF2-40B4-BE49-F238E27FC236}">
-                <a16:creationId xmlns:a16="http://schemas.microsoft.com/office/drawing/2014/main" id="{B368AEA7-F780-4595-A46E-E8FE8A6ABD7C}"/>
-              </a:ext>
-            </a:extLst>
-          </p:cNvPr>
-          <p:cNvSpPr/>
-          <p:nvPr/>
-        </p:nvSpPr>
-        <p:spPr>
-          <a:xfrm>
-            <a:off x="3048000" y="1012954"/>
-            <a:ext cx="6096000" cy="4832092"/>
+      <p:pic>
+        <p:nvPicPr>
+          <p:cNvPr id="2" name="Picture 1">
+            <a:extLst>
+              <a:ext uri="{FF2B5EF4-FFF2-40B4-BE49-F238E27FC236}">
+                <a16:creationId xmlns:a16="http://schemas.microsoft.com/office/drawing/2014/main" id="{16A1A7F3-2A1E-4475-A795-2614162FAB3E}"/>
+              </a:ext>
+            </a:extLst>
+          </p:cNvPr>
+          <p:cNvPicPr>
+            <a:picLocks noChangeAspect="1"/>
+          </p:cNvPicPr>
+          <p:nvPr/>
+        </p:nvPicPr>
+        <p:blipFill>
+          <a:blip r:embed="rId3"/>
+          <a:stretch>
+            <a:fillRect/>
+          </a:stretch>
+        </p:blipFill>
+        <p:spPr>
+          <a:xfrm>
+            <a:off x="2405524" y="1619905"/>
+            <a:ext cx="7380952" cy="5238095"/>
           </a:xfrm>
           <a:prstGeom prst="rect">
             <a:avLst/>
           </a:prstGeom>
         </p:spPr>
-        <p:txBody>
-          <a:bodyPr>
+      </p:pic>
+      <p:sp>
+        <p:nvSpPr>
+          <p:cNvPr id="6" name="TextBox 5">
+            <a:extLst>
+              <a:ext uri="{FF2B5EF4-FFF2-40B4-BE49-F238E27FC236}">
+                <a16:creationId xmlns:a16="http://schemas.microsoft.com/office/drawing/2014/main" id="{11D6045B-A4A5-4B10-A747-9823DBE426CA}"/>
+              </a:ext>
+            </a:extLst>
+          </p:cNvPr>
+          <p:cNvSpPr txBox="1"/>
+          <p:nvPr/>
+        </p:nvSpPr>
+        <p:spPr>
+          <a:xfrm>
+            <a:off x="590843" y="154745"/>
+            <a:ext cx="3135410" cy="1477328"/>
+          </a:xfrm>
+          <a:prstGeom prst="rect">
+            <a:avLst/>
+          </a:prstGeom>
+          <a:noFill/>
+        </p:spPr>
+        <p:txBody>
+          <a:bodyPr wrap="none" rtlCol="0">
             <a:spAutoFit/>
           </a:bodyPr>
           <a:lstStyle/>
           <a:p>
             <a:r>
-              <a:rPr lang="pt-BR" sz="2800" dirty="0">
-                <a:latin typeface="Courier New" panose="02070309020205020404" pitchFamily="49" charset="0"/>
-                <a:cs typeface="Courier New" panose="02070309020205020404" pitchFamily="49" charset="0"/>
+              <a:rPr lang="en-US" dirty="0"/>
+              <a:t>Geom: point</a:t>
+            </a:r>
+          </a:p>
+          <a:p>
+            <a:r>
+              <a:rPr lang="en-US" dirty="0"/>
+              <a:t>	</a:t>
+            </a:r>
+            <a:r>
+              <a:rPr lang="en-US" dirty="0" err="1"/>
+              <a:t>Position_X</a:t>
+            </a:r>
+            <a:r>
+              <a:rPr lang="en-US" dirty="0"/>
+              <a:t>: Factor 1 </a:t>
+            </a:r>
+          </a:p>
+          <a:p>
+            <a:r>
+              <a:rPr lang="en-US" dirty="0"/>
+              <a:t>	Color:</a:t>
+            </a:r>
+            <a:r>
+              <a:rPr lang="en-US" dirty="0">
+                <a:sym typeface="Wingdings" panose="05000000000000000000" pitchFamily="2" charset="2"/>
               </a:rPr>
-              <a:t>&gt; fake_data</a:t>
-            </a:r>
-          </a:p>
-          <a:p>
-            <a:r>
-              <a:rPr lang="pt-BR" sz="2800" dirty="0">
-                <a:latin typeface="Courier New" panose="02070309020205020404" pitchFamily="49" charset="0"/>
-                <a:cs typeface="Courier New" panose="02070309020205020404" pitchFamily="49" charset="0"/>
+              <a:t> </a:t>
+            </a:r>
+            <a:r>
+              <a:rPr lang="en-US" dirty="0" err="1">
+                <a:sym typeface="Wingdings" panose="05000000000000000000" pitchFamily="2" charset="2"/>
               </a:rPr>
-              <a:t>  Factor1 Factor2 Response</a:t>
-            </a:r>
-          </a:p>
-          <a:p>
-            <a:r>
-              <a:rPr lang="pt-BR" sz="2800" dirty="0">
-                <a:latin typeface="Courier New" panose="02070309020205020404" pitchFamily="49" charset="0"/>
-                <a:cs typeface="Courier New" panose="02070309020205020404" pitchFamily="49" charset="0"/>
+              <a:t>Is_neg</a:t>
+            </a:r>
+            <a:endParaRPr lang="en-US" dirty="0">
+              <a:sym typeface="Wingdings" panose="05000000000000000000" pitchFamily="2" charset="2"/>
+            </a:endParaRPr>
+          </a:p>
+          <a:p>
+            <a:r>
+              <a:rPr lang="en-US" dirty="0">
+                <a:sym typeface="Wingdings" panose="05000000000000000000" pitchFamily="2" charset="2"/>
               </a:rPr>
-              <a:t>1       A       I       15</a:t>
-            </a:r>
-          </a:p>
-          <a:p>
-            <a:r>
-              <a:rPr lang="pt-BR" sz="2800" dirty="0">
-                <a:latin typeface="Courier New" panose="02070309020205020404" pitchFamily="49" charset="0"/>
-                <a:cs typeface="Courier New" panose="02070309020205020404" pitchFamily="49" charset="0"/>
+              <a:t>	Shape: Factor 2</a:t>
+            </a:r>
+          </a:p>
+          <a:p>
+            <a:r>
+              <a:rPr lang="en-US" dirty="0">
+                <a:sym typeface="Wingdings" panose="05000000000000000000" pitchFamily="2" charset="2"/>
               </a:rPr>
-              <a:t>2       A      II        5</a:t>
-            </a:r>
-          </a:p>
-          <a:p>
-            <a:r>
-              <a:rPr lang="pt-BR" sz="2800" dirty="0">
-                <a:latin typeface="Courier New" panose="02070309020205020404" pitchFamily="49" charset="0"/>
-                <a:cs typeface="Courier New" panose="02070309020205020404" pitchFamily="49" charset="0"/>
+              <a:t>	</a:t>
+            </a:r>
+            <a:r>
+              <a:rPr lang="en-US" dirty="0" err="1">
+                <a:sym typeface="Wingdings" panose="05000000000000000000" pitchFamily="2" charset="2"/>
               </a:rPr>
-              <a:t>3       A     III        5</a:t>
-            </a:r>
-          </a:p>
-          <a:p>
-            <a:r>
-              <a:rPr lang="pt-BR" sz="2800" dirty="0">
-                <a:latin typeface="Courier New" panose="02070309020205020404" pitchFamily="49" charset="0"/>
-                <a:cs typeface="Courier New" panose="02070309020205020404" pitchFamily="49" charset="0"/>
+              <a:t>Position_Y</a:t>
+            </a:r>
+            <a:r>
+              <a:rPr lang="en-US" dirty="0">
+                <a:sym typeface="Wingdings" panose="05000000000000000000" pitchFamily="2" charset="2"/>
               </a:rPr>
-              <a:t>4       B       I       10</a:t>
-            </a:r>
-          </a:p>
-          <a:p>
-            <a:r>
-              <a:rPr lang="pt-BR" sz="2800" dirty="0">
-                <a:latin typeface="Courier New" panose="02070309020205020404" pitchFamily="49" charset="0"/>
-                <a:cs typeface="Courier New" panose="02070309020205020404" pitchFamily="49" charset="0"/>
+              <a:t>: Response </a:t>
+            </a:r>
+            <a:endParaRPr lang="en-US" dirty="0"/>
+          </a:p>
+        </p:txBody>
+      </p:sp>
+      <p:sp>
+        <p:nvSpPr>
+          <p:cNvPr id="9" name="TextBox 8">
+            <a:extLst>
+              <a:ext uri="{FF2B5EF4-FFF2-40B4-BE49-F238E27FC236}">
+                <a16:creationId xmlns:a16="http://schemas.microsoft.com/office/drawing/2014/main" id="{3857CB4D-53FF-445E-8D0C-E688FFB41288}"/>
+              </a:ext>
+            </a:extLst>
+          </p:cNvPr>
+          <p:cNvSpPr txBox="1"/>
+          <p:nvPr/>
+        </p:nvSpPr>
+        <p:spPr>
+          <a:xfrm>
+            <a:off x="3726253" y="154745"/>
+            <a:ext cx="3135410" cy="1477328"/>
+          </a:xfrm>
+          <a:prstGeom prst="rect">
+            <a:avLst/>
+          </a:prstGeom>
+          <a:noFill/>
+        </p:spPr>
+        <p:txBody>
+          <a:bodyPr wrap="none" rtlCol="0">
+            <a:spAutoFit/>
+          </a:bodyPr>
+          <a:lstStyle/>
+          <a:p>
+            <a:r>
+              <a:rPr lang="en-US" dirty="0"/>
+              <a:t>Geom: line</a:t>
+            </a:r>
+          </a:p>
+          <a:p>
+            <a:r>
+              <a:rPr lang="en-US" dirty="0"/>
+              <a:t>	</a:t>
+            </a:r>
+            <a:r>
+              <a:rPr lang="en-US" dirty="0" err="1"/>
+              <a:t>Position_X</a:t>
+            </a:r>
+            <a:r>
+              <a:rPr lang="en-US" dirty="0"/>
+              <a:t>: Factor 1 </a:t>
+            </a:r>
+          </a:p>
+          <a:p>
+            <a:r>
+              <a:rPr lang="en-US" dirty="0"/>
+              <a:t>	Color:</a:t>
+            </a:r>
+            <a:r>
+              <a:rPr lang="en-US" dirty="0">
+                <a:sym typeface="Wingdings" panose="05000000000000000000" pitchFamily="2" charset="2"/>
               </a:rPr>
-              <a:t>5       B      II       15</a:t>
-            </a:r>
-          </a:p>
-          <a:p>
-            <a:r>
-              <a:rPr lang="pt-BR" sz="2800" dirty="0">
-                <a:latin typeface="Courier New" panose="02070309020205020404" pitchFamily="49" charset="0"/>
-                <a:cs typeface="Courier New" panose="02070309020205020404" pitchFamily="49" charset="0"/>
+              <a:t> </a:t>
+            </a:r>
+            <a:r>
+              <a:rPr lang="en-US" dirty="0" err="1">
+                <a:sym typeface="Wingdings" panose="05000000000000000000" pitchFamily="2" charset="2"/>
               </a:rPr>
-              <a:t>6       B     III       15</a:t>
-            </a:r>
-          </a:p>
-          <a:p>
-            <a:r>
-              <a:rPr lang="pt-BR" sz="2800" dirty="0">
-                <a:latin typeface="Courier New" panose="02070309020205020404" pitchFamily="49" charset="0"/>
-                <a:cs typeface="Courier New" panose="02070309020205020404" pitchFamily="49" charset="0"/>
+              <a:t>Is_neg</a:t>
+            </a:r>
+            <a:endParaRPr lang="en-US" dirty="0">
+              <a:sym typeface="Wingdings" panose="05000000000000000000" pitchFamily="2" charset="2"/>
+            </a:endParaRPr>
+          </a:p>
+          <a:p>
+            <a:r>
+              <a:rPr lang="en-US" dirty="0">
+                <a:sym typeface="Wingdings" panose="05000000000000000000" pitchFamily="2" charset="2"/>
               </a:rPr>
-              <a:t>7       C       I        5</a:t>
-            </a:r>
-          </a:p>
-          <a:p>
-            <a:r>
-              <a:rPr lang="pt-BR" sz="2800" dirty="0">
-                <a:latin typeface="Courier New" panose="02070309020205020404" pitchFamily="49" charset="0"/>
-                <a:cs typeface="Courier New" panose="02070309020205020404" pitchFamily="49" charset="0"/>
+              <a:t>	Group: Factor 2</a:t>
+            </a:r>
+          </a:p>
+          <a:p>
+            <a:r>
+              <a:rPr lang="en-US" dirty="0">
+                <a:sym typeface="Wingdings" panose="05000000000000000000" pitchFamily="2" charset="2"/>
               </a:rPr>
-              <a:t>8       C      II       10</a:t>
-            </a:r>
-          </a:p>
-          <a:p>
-            <a:r>
-              <a:rPr lang="pt-BR" sz="2800" dirty="0">
-                <a:latin typeface="Courier New" panose="02070309020205020404" pitchFamily="49" charset="0"/>
-                <a:cs typeface="Courier New" panose="02070309020205020404" pitchFamily="49" charset="0"/>
+              <a:t>	</a:t>
+            </a:r>
+            <a:r>
+              <a:rPr lang="en-US" dirty="0" err="1">
+                <a:sym typeface="Wingdings" panose="05000000000000000000" pitchFamily="2" charset="2"/>
               </a:rPr>
-              <a:t>9       C     III       10</a:t>
-            </a:r>
-            <a:endParaRPr lang="en-US" sz="2800" dirty="0">
-              <a:latin typeface="Courier New" panose="02070309020205020404" pitchFamily="49" charset="0"/>
-              <a:cs typeface="Courier New" panose="02070309020205020404" pitchFamily="49" charset="0"/>
-            </a:endParaRPr>
+              <a:t>Position_Y</a:t>
+            </a:r>
+            <a:r>
+              <a:rPr lang="en-US" dirty="0">
+                <a:sym typeface="Wingdings" panose="05000000000000000000" pitchFamily="2" charset="2"/>
+              </a:rPr>
+              <a:t>: Response </a:t>
+            </a:r>
+            <a:endParaRPr lang="en-US" dirty="0"/>
           </a:p>
         </p:txBody>
       </p:sp>
     </p:spTree>
     <p:extLst>
       <p:ext uri="{BB962C8B-B14F-4D97-AF65-F5344CB8AC3E}">
-        <p14:creationId xmlns:p14="http://schemas.microsoft.com/office/powerpoint/2010/main" val="3377884992"/>
+        <p14:creationId xmlns:p14="http://schemas.microsoft.com/office/powerpoint/2010/main" val="614601908"/>
       </p:ext>
     </p:extLst>
   </p:cSld>
@@ -29442,1150 +29228,6 @@
           <a:chExt cx="0" cy="0"/>
         </a:xfrm>
       </p:grpSpPr>
-      <p:sp>
-        <p:nvSpPr>
-          <p:cNvPr id="4" name="TextBox 3">
-            <a:extLst>
-              <a:ext uri="{FF2B5EF4-FFF2-40B4-BE49-F238E27FC236}">
-                <a16:creationId xmlns:a16="http://schemas.microsoft.com/office/drawing/2014/main" id="{DBFD555B-F022-4FDC-82F5-C3035603420A}"/>
-              </a:ext>
-            </a:extLst>
-          </p:cNvPr>
-          <p:cNvSpPr txBox="1"/>
-          <p:nvPr/>
-        </p:nvSpPr>
-        <p:spPr>
-          <a:xfrm>
-            <a:off x="590843" y="154745"/>
-            <a:ext cx="3135410" cy="1200329"/>
-          </a:xfrm>
-          <a:prstGeom prst="rect">
-            <a:avLst/>
-          </a:prstGeom>
-          <a:noFill/>
-        </p:spPr>
-        <p:txBody>
-          <a:bodyPr wrap="none" rtlCol="0">
-            <a:spAutoFit/>
-          </a:bodyPr>
-          <a:lstStyle/>
-          <a:p>
-            <a:r>
-              <a:rPr lang="en-US" dirty="0" err="1"/>
-              <a:t>Geom</a:t>
-            </a:r>
-            <a:r>
-              <a:rPr lang="en-US" dirty="0"/>
-              <a:t>: bar</a:t>
-            </a:r>
-          </a:p>
-          <a:p>
-            <a:r>
-              <a:rPr lang="en-US" dirty="0"/>
-              <a:t>	</a:t>
-            </a:r>
-            <a:r>
-              <a:rPr lang="en-US" dirty="0" err="1"/>
-              <a:t>Position_X</a:t>
-            </a:r>
-            <a:r>
-              <a:rPr lang="en-US" dirty="0"/>
-              <a:t>: Factor 1 </a:t>
-            </a:r>
-          </a:p>
-          <a:p>
-            <a:r>
-              <a:rPr lang="en-US" dirty="0"/>
-              <a:t>	Color:</a:t>
-            </a:r>
-            <a:r>
-              <a:rPr lang="en-US" dirty="0">
-                <a:sym typeface="Wingdings" panose="05000000000000000000" pitchFamily="2" charset="2"/>
-              </a:rPr>
-              <a:t> Factor 2</a:t>
-            </a:r>
-          </a:p>
-          <a:p>
-            <a:r>
-              <a:rPr lang="en-US" dirty="0">
-                <a:sym typeface="Wingdings" panose="05000000000000000000" pitchFamily="2" charset="2"/>
-              </a:rPr>
-              <a:t>	</a:t>
-            </a:r>
-            <a:r>
-              <a:rPr lang="en-US" dirty="0" err="1">
-                <a:sym typeface="Wingdings" panose="05000000000000000000" pitchFamily="2" charset="2"/>
-              </a:rPr>
-              <a:t>Position_Y</a:t>
-            </a:r>
-            <a:r>
-              <a:rPr lang="en-US" dirty="0">
-                <a:sym typeface="Wingdings" panose="05000000000000000000" pitchFamily="2" charset="2"/>
-              </a:rPr>
-              <a:t>: Response </a:t>
-            </a:r>
-            <a:endParaRPr lang="en-US" dirty="0"/>
-          </a:p>
-        </p:txBody>
-      </p:sp>
-      <p:pic>
-        <p:nvPicPr>
-          <p:cNvPr id="5" name="Picture 4">
-            <a:extLst>
-              <a:ext uri="{FF2B5EF4-FFF2-40B4-BE49-F238E27FC236}">
-                <a16:creationId xmlns:a16="http://schemas.microsoft.com/office/drawing/2014/main" id="{7EAD2A1B-C902-4FC9-A4D1-A80C53AEC7A8}"/>
-              </a:ext>
-            </a:extLst>
-          </p:cNvPr>
-          <p:cNvPicPr>
-            <a:picLocks noChangeAspect="1"/>
-          </p:cNvPicPr>
-          <p:nvPr/>
-        </p:nvPicPr>
-        <p:blipFill>
-          <a:blip r:embed="rId3"/>
-          <a:stretch>
-            <a:fillRect/>
-          </a:stretch>
-        </p:blipFill>
-        <p:spPr>
-          <a:xfrm>
-            <a:off x="2405524" y="1619905"/>
-            <a:ext cx="7380952" cy="5238095"/>
-          </a:xfrm>
-          <a:prstGeom prst="rect">
-            <a:avLst/>
-          </a:prstGeom>
-        </p:spPr>
-      </p:pic>
-    </p:spTree>
-    <p:extLst>
-      <p:ext uri="{BB962C8B-B14F-4D97-AF65-F5344CB8AC3E}">
-        <p14:creationId xmlns:p14="http://schemas.microsoft.com/office/powerpoint/2010/main" val="1182610117"/>
-      </p:ext>
-    </p:extLst>
-  </p:cSld>
-  <p:clrMapOvr>
-    <a:masterClrMapping/>
-  </p:clrMapOvr>
-</p:sld>
-</file>
-
-<file path=ppt/slides/slide5.xml><?xml version="1.0" encoding="utf-8"?>
-<p:sld xmlns:a="http://schemas.openxmlformats.org/drawingml/2006/main" xmlns:r="http://schemas.openxmlformats.org/officeDocument/2006/relationships" xmlns:p="http://schemas.openxmlformats.org/presentationml/2006/main">
-  <p:cSld>
-    <p:spTree>
-      <p:nvGrpSpPr>
-        <p:cNvPr id="1" name=""/>
-        <p:cNvGrpSpPr/>
-        <p:nvPr/>
-      </p:nvGrpSpPr>
-      <p:grpSpPr>
-        <a:xfrm>
-          <a:off x="0" y="0"/>
-          <a:ext cx="0" cy="0"/>
-          <a:chOff x="0" y="0"/>
-          <a:chExt cx="0" cy="0"/>
-        </a:xfrm>
-      </p:grpSpPr>
-      <p:sp>
-        <p:nvSpPr>
-          <p:cNvPr id="2" name="Title 1">
-            <a:extLst>
-              <a:ext uri="{FF2B5EF4-FFF2-40B4-BE49-F238E27FC236}">
-                <a16:creationId xmlns:a16="http://schemas.microsoft.com/office/drawing/2014/main" id="{A47921F9-46AB-4AFF-BB95-19524D7A0A1C}"/>
-              </a:ext>
-            </a:extLst>
-          </p:cNvPr>
-          <p:cNvSpPr>
-            <a:spLocks noGrp="1"/>
-          </p:cNvSpPr>
-          <p:nvPr>
-            <p:ph type="title"/>
-          </p:nvPr>
-        </p:nvSpPr>
-        <p:spPr>
-          <a:xfrm>
-            <a:off x="1219201" y="274638"/>
-            <a:ext cx="10296937" cy="715962"/>
-          </a:xfrm>
-        </p:spPr>
-        <p:txBody>
-          <a:bodyPr>
-            <a:noAutofit/>
-          </a:bodyPr>
-          <a:lstStyle/>
-          <a:p>
-            <a:r>
-              <a:rPr lang="en-US" sz="3600" dirty="0"/>
-              <a:t>IHME disability adjusted life years (DALYs) visualization</a:t>
-            </a:r>
-          </a:p>
-        </p:txBody>
-      </p:sp>
-      <p:pic>
-        <p:nvPicPr>
-          <p:cNvPr id="3" name="Picture 2">
-            <a:extLst>
-              <a:ext uri="{FF2B5EF4-FFF2-40B4-BE49-F238E27FC236}">
-                <a16:creationId xmlns:a16="http://schemas.microsoft.com/office/drawing/2014/main" id="{4FF94BDC-46B1-4213-BBEC-1E677C6EBFDB}"/>
-              </a:ext>
-            </a:extLst>
-          </p:cNvPr>
-          <p:cNvPicPr>
-            <a:picLocks noChangeAspect="1"/>
-          </p:cNvPicPr>
-          <p:nvPr/>
-        </p:nvPicPr>
-        <p:blipFill>
-          <a:blip r:embed="rId2"/>
-          <a:stretch>
-            <a:fillRect/>
-          </a:stretch>
-        </p:blipFill>
-        <p:spPr>
-          <a:xfrm>
-            <a:off x="1420433" y="1235848"/>
-            <a:ext cx="9351134" cy="4969142"/>
-          </a:xfrm>
-          <a:prstGeom prst="rect">
-            <a:avLst/>
-          </a:prstGeom>
-        </p:spPr>
-      </p:pic>
-      <p:sp>
-        <p:nvSpPr>
-          <p:cNvPr id="5" name="Rectangle 4">
-            <a:extLst>
-              <a:ext uri="{FF2B5EF4-FFF2-40B4-BE49-F238E27FC236}">
-                <a16:creationId xmlns:a16="http://schemas.microsoft.com/office/drawing/2014/main" id="{3D8D6BAB-C4D3-46D9-8C62-70C703FFD3AE}"/>
-              </a:ext>
-            </a:extLst>
-          </p:cNvPr>
-          <p:cNvSpPr/>
-          <p:nvPr/>
-        </p:nvSpPr>
-        <p:spPr>
-          <a:xfrm>
-            <a:off x="3581400" y="6398696"/>
-            <a:ext cx="4446154" cy="369332"/>
-          </a:xfrm>
-          <a:prstGeom prst="rect">
-            <a:avLst/>
-          </a:prstGeom>
-        </p:spPr>
-        <p:txBody>
-          <a:bodyPr wrap="none">
-            <a:spAutoFit/>
-          </a:bodyPr>
-          <a:lstStyle/>
-          <a:p>
-            <a:r>
-              <a:rPr lang="en-US" dirty="0">
-                <a:hlinkClick r:id="rId3"/>
-              </a:rPr>
-              <a:t>https://vizhub.healthdata.org/gbd-compare/</a:t>
-            </a:r>
-            <a:r>
-              <a:rPr lang="en-US" dirty="0"/>
-              <a:t> </a:t>
-            </a:r>
-          </a:p>
-        </p:txBody>
-      </p:sp>
-      <p:sp>
-        <p:nvSpPr>
-          <p:cNvPr id="6" name="Slide Number Placeholder 5">
-            <a:extLst>
-              <a:ext uri="{FF2B5EF4-FFF2-40B4-BE49-F238E27FC236}">
-                <a16:creationId xmlns:a16="http://schemas.microsoft.com/office/drawing/2014/main" id="{C4AC634C-75D1-460A-946C-0A315609FB4C}"/>
-              </a:ext>
-            </a:extLst>
-          </p:cNvPr>
-          <p:cNvSpPr>
-            <a:spLocks noGrp="1"/>
-          </p:cNvSpPr>
-          <p:nvPr>
-            <p:ph type="sldNum" sz="quarter" idx="12"/>
-          </p:nvPr>
-        </p:nvSpPr>
-        <p:spPr/>
-        <p:txBody>
-          <a:bodyPr/>
-          <a:lstStyle/>
-          <a:p>
-            <a:fld id="{F36C87F6-986D-49E6-AF40-1B3A1EE8064D}" type="slidenum">
-              <a:rPr lang="en-US" smtClean="0"/>
-              <a:t>5</a:t>
-            </a:fld>
-            <a:endParaRPr lang="en-US"/>
-          </a:p>
-        </p:txBody>
-      </p:sp>
-    </p:spTree>
-    <p:extLst>
-      <p:ext uri="{BB962C8B-B14F-4D97-AF65-F5344CB8AC3E}">
-        <p14:creationId xmlns:p14="http://schemas.microsoft.com/office/powerpoint/2010/main" val="289583947"/>
-      </p:ext>
-    </p:extLst>
-  </p:cSld>
-  <p:clrMapOvr>
-    <a:masterClrMapping/>
-  </p:clrMapOvr>
-  <mc:AlternateContent xmlns:mc="http://schemas.openxmlformats.org/markup-compatibility/2006" xmlns:p14="http://schemas.microsoft.com/office/powerpoint/2010/main">
-    <mc:Choice Requires="p14">
-      <p:transition spd="med" p14:dur="700">
-        <p:fade/>
-      </p:transition>
-    </mc:Choice>
-    <mc:Fallback xmlns="">
-      <p:transition spd="med">
-        <p:fade/>
-      </p:transition>
-    </mc:Fallback>
-  </mc:AlternateContent>
-</p:sld>
-</file>
-
-<file path=ppt/slides/slide50.xml><?xml version="1.0" encoding="utf-8"?>
-<p:sld xmlns:a="http://schemas.openxmlformats.org/drawingml/2006/main" xmlns:r="http://schemas.openxmlformats.org/officeDocument/2006/relationships" xmlns:p="http://schemas.openxmlformats.org/presentationml/2006/main">
-  <p:cSld>
-    <p:spTree>
-      <p:nvGrpSpPr>
-        <p:cNvPr id="1" name=""/>
-        <p:cNvGrpSpPr/>
-        <p:nvPr/>
-      </p:nvGrpSpPr>
-      <p:grpSpPr>
-        <a:xfrm>
-          <a:off x="0" y="0"/>
-          <a:ext cx="0" cy="0"/>
-          <a:chOff x="0" y="0"/>
-          <a:chExt cx="0" cy="0"/>
-        </a:xfrm>
-      </p:grpSpPr>
-      <p:sp>
-        <p:nvSpPr>
-          <p:cNvPr id="4" name="TextBox 3">
-            <a:extLst>
-              <a:ext uri="{FF2B5EF4-FFF2-40B4-BE49-F238E27FC236}">
-                <a16:creationId xmlns:a16="http://schemas.microsoft.com/office/drawing/2014/main" id="{DBFD555B-F022-4FDC-82F5-C3035603420A}"/>
-              </a:ext>
-            </a:extLst>
-          </p:cNvPr>
-          <p:cNvSpPr txBox="1"/>
-          <p:nvPr/>
-        </p:nvSpPr>
-        <p:spPr>
-          <a:xfrm>
-            <a:off x="590843" y="154745"/>
-            <a:ext cx="3082511" cy="1477328"/>
-          </a:xfrm>
-          <a:prstGeom prst="rect">
-            <a:avLst/>
-          </a:prstGeom>
-          <a:noFill/>
-        </p:spPr>
-        <p:txBody>
-          <a:bodyPr wrap="none" rtlCol="0">
-            <a:spAutoFit/>
-          </a:bodyPr>
-          <a:lstStyle/>
-          <a:p>
-            <a:r>
-              <a:rPr lang="en-US" dirty="0" err="1"/>
-              <a:t>Geom</a:t>
-            </a:r>
-            <a:r>
-              <a:rPr lang="en-US" dirty="0"/>
-              <a:t>: bar</a:t>
-            </a:r>
-          </a:p>
-          <a:p>
-            <a:r>
-              <a:rPr lang="en-US" dirty="0"/>
-              <a:t>	</a:t>
-            </a:r>
-            <a:r>
-              <a:rPr lang="en-US" dirty="0" err="1"/>
-              <a:t>Position_X</a:t>
-            </a:r>
-            <a:r>
-              <a:rPr lang="en-US" dirty="0"/>
-              <a:t>: Factor 1 </a:t>
-            </a:r>
-          </a:p>
-          <a:p>
-            <a:r>
-              <a:rPr lang="en-US" dirty="0"/>
-              <a:t>	Color:</a:t>
-            </a:r>
-            <a:r>
-              <a:rPr lang="en-US" dirty="0">
-                <a:sym typeface="Wingdings" panose="05000000000000000000" pitchFamily="2" charset="2"/>
-              </a:rPr>
-              <a:t> Factor 2</a:t>
-            </a:r>
-          </a:p>
-          <a:p>
-            <a:r>
-              <a:rPr lang="en-US" dirty="0">
-                <a:sym typeface="Wingdings" panose="05000000000000000000" pitchFamily="2" charset="2"/>
-              </a:rPr>
-              <a:t>	</a:t>
-            </a:r>
-            <a:r>
-              <a:rPr lang="en-US" dirty="0" err="1">
-                <a:sym typeface="Wingdings" panose="05000000000000000000" pitchFamily="2" charset="2"/>
-              </a:rPr>
-              <a:t>Position_Y</a:t>
-            </a:r>
-            <a:r>
-              <a:rPr lang="en-US" dirty="0">
-                <a:sym typeface="Wingdings" panose="05000000000000000000" pitchFamily="2" charset="2"/>
-              </a:rPr>
-              <a:t>: Response</a:t>
-            </a:r>
-          </a:p>
-          <a:p>
-            <a:r>
-              <a:rPr lang="en-US" dirty="0">
-                <a:sym typeface="Wingdings" panose="05000000000000000000" pitchFamily="2" charset="2"/>
-              </a:rPr>
-              <a:t>	FACET: Factor 2 </a:t>
-            </a:r>
-            <a:endParaRPr lang="en-US" dirty="0"/>
-          </a:p>
-        </p:txBody>
-      </p:sp>
-      <p:pic>
-        <p:nvPicPr>
-          <p:cNvPr id="3" name="Picture 2">
-            <a:extLst>
-              <a:ext uri="{FF2B5EF4-FFF2-40B4-BE49-F238E27FC236}">
-                <a16:creationId xmlns:a16="http://schemas.microsoft.com/office/drawing/2014/main" id="{04EA2DD0-033C-466B-B35B-A44A2FF4EEA0}"/>
-              </a:ext>
-            </a:extLst>
-          </p:cNvPr>
-          <p:cNvPicPr>
-            <a:picLocks noChangeAspect="1"/>
-          </p:cNvPicPr>
-          <p:nvPr/>
-        </p:nvPicPr>
-        <p:blipFill>
-          <a:blip r:embed="rId3"/>
-          <a:stretch>
-            <a:fillRect/>
-          </a:stretch>
-        </p:blipFill>
-        <p:spPr>
-          <a:xfrm>
-            <a:off x="2405524" y="1619905"/>
-            <a:ext cx="7380952" cy="5238095"/>
-          </a:xfrm>
-          <a:prstGeom prst="rect">
-            <a:avLst/>
-          </a:prstGeom>
-        </p:spPr>
-      </p:pic>
-    </p:spTree>
-    <p:extLst>
-      <p:ext uri="{BB962C8B-B14F-4D97-AF65-F5344CB8AC3E}">
-        <p14:creationId xmlns:p14="http://schemas.microsoft.com/office/powerpoint/2010/main" val="4244885627"/>
-      </p:ext>
-    </p:extLst>
-  </p:cSld>
-  <p:clrMapOvr>
-    <a:masterClrMapping/>
-  </p:clrMapOvr>
-</p:sld>
-</file>
-
-<file path=ppt/slides/slide51.xml><?xml version="1.0" encoding="utf-8"?>
-<p:sld xmlns:a="http://schemas.openxmlformats.org/drawingml/2006/main" xmlns:r="http://schemas.openxmlformats.org/officeDocument/2006/relationships" xmlns:p="http://schemas.openxmlformats.org/presentationml/2006/main">
-  <p:cSld>
-    <p:spTree>
-      <p:nvGrpSpPr>
-        <p:cNvPr id="1" name=""/>
-        <p:cNvGrpSpPr/>
-        <p:nvPr/>
-      </p:nvGrpSpPr>
-      <p:grpSpPr>
-        <a:xfrm>
-          <a:off x="0" y="0"/>
-          <a:ext cx="0" cy="0"/>
-          <a:chOff x="0" y="0"/>
-          <a:chExt cx="0" cy="0"/>
-        </a:xfrm>
-      </p:grpSpPr>
-      <p:sp>
-        <p:nvSpPr>
-          <p:cNvPr id="11" name="TextBox 10">
-            <a:extLst>
-              <a:ext uri="{FF2B5EF4-FFF2-40B4-BE49-F238E27FC236}">
-                <a16:creationId xmlns:a16="http://schemas.microsoft.com/office/drawing/2014/main" id="{2AAE7BA2-2A2B-4D6E-B4F8-2753B13A264A}"/>
-              </a:ext>
-            </a:extLst>
-          </p:cNvPr>
-          <p:cNvSpPr txBox="1"/>
-          <p:nvPr/>
-        </p:nvSpPr>
-        <p:spPr>
-          <a:xfrm>
-            <a:off x="590843" y="154745"/>
-            <a:ext cx="3135410" cy="1477328"/>
-          </a:xfrm>
-          <a:prstGeom prst="rect">
-            <a:avLst/>
-          </a:prstGeom>
-          <a:noFill/>
-        </p:spPr>
-        <p:txBody>
-          <a:bodyPr wrap="none" rtlCol="0">
-            <a:spAutoFit/>
-          </a:bodyPr>
-          <a:lstStyle/>
-          <a:p>
-            <a:r>
-              <a:rPr lang="en-US" dirty="0" err="1"/>
-              <a:t>Geom</a:t>
-            </a:r>
-            <a:r>
-              <a:rPr lang="en-US" dirty="0"/>
-              <a:t>: point</a:t>
-            </a:r>
-          </a:p>
-          <a:p>
-            <a:r>
-              <a:rPr lang="en-US" dirty="0"/>
-              <a:t>	</a:t>
-            </a:r>
-            <a:r>
-              <a:rPr lang="en-US" dirty="0" err="1"/>
-              <a:t>Position_X</a:t>
-            </a:r>
-            <a:r>
-              <a:rPr lang="en-US" dirty="0"/>
-              <a:t>: Factor 1 </a:t>
-            </a:r>
-          </a:p>
-          <a:p>
-            <a:r>
-              <a:rPr lang="en-US" dirty="0"/>
-              <a:t>	Color:</a:t>
-            </a:r>
-            <a:r>
-              <a:rPr lang="en-US" dirty="0">
-                <a:sym typeface="Wingdings" panose="05000000000000000000" pitchFamily="2" charset="2"/>
-              </a:rPr>
-              <a:t> Factor 2</a:t>
-            </a:r>
-          </a:p>
-          <a:p>
-            <a:r>
-              <a:rPr lang="en-US" dirty="0">
-                <a:sym typeface="Wingdings" panose="05000000000000000000" pitchFamily="2" charset="2"/>
-              </a:rPr>
-              <a:t>	Shape: Factor 2</a:t>
-            </a:r>
-          </a:p>
-          <a:p>
-            <a:r>
-              <a:rPr lang="en-US" dirty="0">
-                <a:sym typeface="Wingdings" panose="05000000000000000000" pitchFamily="2" charset="2"/>
-              </a:rPr>
-              <a:t>	</a:t>
-            </a:r>
-            <a:r>
-              <a:rPr lang="en-US" dirty="0" err="1">
-                <a:sym typeface="Wingdings" panose="05000000000000000000" pitchFamily="2" charset="2"/>
-              </a:rPr>
-              <a:t>Position_Y</a:t>
-            </a:r>
-            <a:r>
-              <a:rPr lang="en-US" dirty="0">
-                <a:sym typeface="Wingdings" panose="05000000000000000000" pitchFamily="2" charset="2"/>
-              </a:rPr>
-              <a:t>: Response </a:t>
-            </a:r>
-            <a:endParaRPr lang="en-US" dirty="0"/>
-          </a:p>
-        </p:txBody>
-      </p:sp>
-      <p:pic>
-        <p:nvPicPr>
-          <p:cNvPr id="13" name="Picture 12">
-            <a:extLst>
-              <a:ext uri="{FF2B5EF4-FFF2-40B4-BE49-F238E27FC236}">
-                <a16:creationId xmlns:a16="http://schemas.microsoft.com/office/drawing/2014/main" id="{456AACCC-1C67-4695-A32C-D52BA76B1A9E}"/>
-              </a:ext>
-            </a:extLst>
-          </p:cNvPr>
-          <p:cNvPicPr>
-            <a:picLocks noChangeAspect="1"/>
-          </p:cNvPicPr>
-          <p:nvPr/>
-        </p:nvPicPr>
-        <p:blipFill>
-          <a:blip r:embed="rId3"/>
-          <a:stretch>
-            <a:fillRect/>
-          </a:stretch>
-        </p:blipFill>
-        <p:spPr>
-          <a:xfrm>
-            <a:off x="2405524" y="1619905"/>
-            <a:ext cx="7380952" cy="5238095"/>
-          </a:xfrm>
-          <a:prstGeom prst="rect">
-            <a:avLst/>
-          </a:prstGeom>
-        </p:spPr>
-      </p:pic>
-    </p:spTree>
-    <p:extLst>
-      <p:ext uri="{BB962C8B-B14F-4D97-AF65-F5344CB8AC3E}">
-        <p14:creationId xmlns:p14="http://schemas.microsoft.com/office/powerpoint/2010/main" val="3092072027"/>
-      </p:ext>
-    </p:extLst>
-  </p:cSld>
-  <p:clrMapOvr>
-    <a:masterClrMapping/>
-  </p:clrMapOvr>
-</p:sld>
-</file>
-
-<file path=ppt/slides/slide52.xml><?xml version="1.0" encoding="utf-8"?>
-<p:sld xmlns:a="http://schemas.openxmlformats.org/drawingml/2006/main" xmlns:r="http://schemas.openxmlformats.org/officeDocument/2006/relationships" xmlns:p="http://schemas.openxmlformats.org/presentationml/2006/main">
-  <p:cSld>
-    <p:spTree>
-      <p:nvGrpSpPr>
-        <p:cNvPr id="1" name=""/>
-        <p:cNvGrpSpPr/>
-        <p:nvPr/>
-      </p:nvGrpSpPr>
-      <p:grpSpPr>
-        <a:xfrm>
-          <a:off x="0" y="0"/>
-          <a:ext cx="0" cy="0"/>
-          <a:chOff x="0" y="0"/>
-          <a:chExt cx="0" cy="0"/>
-        </a:xfrm>
-      </p:grpSpPr>
-      <p:sp>
-        <p:nvSpPr>
-          <p:cNvPr id="9" name="TextBox 8">
-            <a:extLst>
-              <a:ext uri="{FF2B5EF4-FFF2-40B4-BE49-F238E27FC236}">
-                <a16:creationId xmlns:a16="http://schemas.microsoft.com/office/drawing/2014/main" id="{02D07000-A372-4792-8078-BEB049616B80}"/>
-              </a:ext>
-            </a:extLst>
-          </p:cNvPr>
-          <p:cNvSpPr txBox="1"/>
-          <p:nvPr/>
-        </p:nvSpPr>
-        <p:spPr>
-          <a:xfrm>
-            <a:off x="590843" y="154745"/>
-            <a:ext cx="3135410" cy="1477328"/>
-          </a:xfrm>
-          <a:prstGeom prst="rect">
-            <a:avLst/>
-          </a:prstGeom>
-          <a:noFill/>
-        </p:spPr>
-        <p:txBody>
-          <a:bodyPr wrap="none" rtlCol="0">
-            <a:spAutoFit/>
-          </a:bodyPr>
-          <a:lstStyle/>
-          <a:p>
-            <a:r>
-              <a:rPr lang="en-US" dirty="0" err="1"/>
-              <a:t>Geom</a:t>
-            </a:r>
-            <a:r>
-              <a:rPr lang="en-US" dirty="0"/>
-              <a:t>: point</a:t>
-            </a:r>
-          </a:p>
-          <a:p>
-            <a:r>
-              <a:rPr lang="en-US" dirty="0"/>
-              <a:t>	</a:t>
-            </a:r>
-            <a:r>
-              <a:rPr lang="en-US" dirty="0" err="1"/>
-              <a:t>Position_X</a:t>
-            </a:r>
-            <a:r>
-              <a:rPr lang="en-US" dirty="0"/>
-              <a:t>: Factor 1 </a:t>
-            </a:r>
-          </a:p>
-          <a:p>
-            <a:r>
-              <a:rPr lang="en-US" dirty="0"/>
-              <a:t>	Color:</a:t>
-            </a:r>
-            <a:r>
-              <a:rPr lang="en-US" dirty="0">
-                <a:sym typeface="Wingdings" panose="05000000000000000000" pitchFamily="2" charset="2"/>
-              </a:rPr>
-              <a:t> Factor 2</a:t>
-            </a:r>
-          </a:p>
-          <a:p>
-            <a:r>
-              <a:rPr lang="en-US" dirty="0">
-                <a:sym typeface="Wingdings" panose="05000000000000000000" pitchFamily="2" charset="2"/>
-              </a:rPr>
-              <a:t>	Shape: Factor 2</a:t>
-            </a:r>
-          </a:p>
-          <a:p>
-            <a:r>
-              <a:rPr lang="en-US" dirty="0">
-                <a:sym typeface="Wingdings" panose="05000000000000000000" pitchFamily="2" charset="2"/>
-              </a:rPr>
-              <a:t>	</a:t>
-            </a:r>
-            <a:r>
-              <a:rPr lang="en-US" dirty="0" err="1">
-                <a:sym typeface="Wingdings" panose="05000000000000000000" pitchFamily="2" charset="2"/>
-              </a:rPr>
-              <a:t>Position_Y</a:t>
-            </a:r>
-            <a:r>
-              <a:rPr lang="en-US" dirty="0">
-                <a:sym typeface="Wingdings" panose="05000000000000000000" pitchFamily="2" charset="2"/>
-              </a:rPr>
-              <a:t>: Response </a:t>
-            </a:r>
-            <a:endParaRPr lang="en-US" dirty="0"/>
-          </a:p>
-        </p:txBody>
-      </p:sp>
-      <p:sp>
-        <p:nvSpPr>
-          <p:cNvPr id="10" name="TextBox 9">
-            <a:extLst>
-              <a:ext uri="{FF2B5EF4-FFF2-40B4-BE49-F238E27FC236}">
-                <a16:creationId xmlns:a16="http://schemas.microsoft.com/office/drawing/2014/main" id="{01ADEF30-0CD4-468E-92FB-69EAF227480C}"/>
-              </a:ext>
-            </a:extLst>
-          </p:cNvPr>
-          <p:cNvSpPr txBox="1"/>
-          <p:nvPr/>
-        </p:nvSpPr>
-        <p:spPr>
-          <a:xfrm>
-            <a:off x="3726253" y="154745"/>
-            <a:ext cx="3135410" cy="1477328"/>
-          </a:xfrm>
-          <a:prstGeom prst="rect">
-            <a:avLst/>
-          </a:prstGeom>
-          <a:noFill/>
-        </p:spPr>
-        <p:txBody>
-          <a:bodyPr wrap="none" rtlCol="0">
-            <a:spAutoFit/>
-          </a:bodyPr>
-          <a:lstStyle/>
-          <a:p>
-            <a:r>
-              <a:rPr lang="en-US" dirty="0" err="1"/>
-              <a:t>Geom</a:t>
-            </a:r>
-            <a:r>
-              <a:rPr lang="en-US" dirty="0"/>
-              <a:t>: line</a:t>
-            </a:r>
-          </a:p>
-          <a:p>
-            <a:r>
-              <a:rPr lang="en-US" dirty="0"/>
-              <a:t>	</a:t>
-            </a:r>
-            <a:r>
-              <a:rPr lang="en-US" dirty="0" err="1"/>
-              <a:t>Position_X</a:t>
-            </a:r>
-            <a:r>
-              <a:rPr lang="en-US" dirty="0"/>
-              <a:t>: Factor 1 </a:t>
-            </a:r>
-          </a:p>
-          <a:p>
-            <a:r>
-              <a:rPr lang="en-US" dirty="0"/>
-              <a:t>	Color:</a:t>
-            </a:r>
-            <a:r>
-              <a:rPr lang="en-US" dirty="0">
-                <a:sym typeface="Wingdings" panose="05000000000000000000" pitchFamily="2" charset="2"/>
-              </a:rPr>
-              <a:t> Factor 2</a:t>
-            </a:r>
-          </a:p>
-          <a:p>
-            <a:r>
-              <a:rPr lang="en-US" dirty="0">
-                <a:sym typeface="Wingdings" panose="05000000000000000000" pitchFamily="2" charset="2"/>
-              </a:rPr>
-              <a:t>	Group: Factor 2</a:t>
-            </a:r>
-          </a:p>
-          <a:p>
-            <a:r>
-              <a:rPr lang="en-US" dirty="0">
-                <a:sym typeface="Wingdings" panose="05000000000000000000" pitchFamily="2" charset="2"/>
-              </a:rPr>
-              <a:t>	</a:t>
-            </a:r>
-            <a:r>
-              <a:rPr lang="en-US" dirty="0" err="1">
-                <a:sym typeface="Wingdings" panose="05000000000000000000" pitchFamily="2" charset="2"/>
-              </a:rPr>
-              <a:t>Position_Y</a:t>
-            </a:r>
-            <a:r>
-              <a:rPr lang="en-US" dirty="0">
-                <a:sym typeface="Wingdings" panose="05000000000000000000" pitchFamily="2" charset="2"/>
-              </a:rPr>
-              <a:t>: Response </a:t>
-            </a:r>
-            <a:endParaRPr lang="en-US" dirty="0"/>
-          </a:p>
-        </p:txBody>
-      </p:sp>
-      <p:pic>
-        <p:nvPicPr>
-          <p:cNvPr id="11" name="Picture 10">
-            <a:extLst>
-              <a:ext uri="{FF2B5EF4-FFF2-40B4-BE49-F238E27FC236}">
-                <a16:creationId xmlns:a16="http://schemas.microsoft.com/office/drawing/2014/main" id="{3B5C206F-91C4-4A1A-85A1-DC98A516A328}"/>
-              </a:ext>
-            </a:extLst>
-          </p:cNvPr>
-          <p:cNvPicPr>
-            <a:picLocks noChangeAspect="1"/>
-          </p:cNvPicPr>
-          <p:nvPr/>
-        </p:nvPicPr>
-        <p:blipFill>
-          <a:blip r:embed="rId3"/>
-          <a:stretch>
-            <a:fillRect/>
-          </a:stretch>
-        </p:blipFill>
-        <p:spPr>
-          <a:xfrm>
-            <a:off x="2405524" y="1619905"/>
-            <a:ext cx="7380952" cy="5238095"/>
-          </a:xfrm>
-          <a:prstGeom prst="rect">
-            <a:avLst/>
-          </a:prstGeom>
-        </p:spPr>
-      </p:pic>
-    </p:spTree>
-    <p:extLst>
-      <p:ext uri="{BB962C8B-B14F-4D97-AF65-F5344CB8AC3E}">
-        <p14:creationId xmlns:p14="http://schemas.microsoft.com/office/powerpoint/2010/main" val="4093746028"/>
-      </p:ext>
-    </p:extLst>
-  </p:cSld>
-  <p:clrMapOvr>
-    <a:masterClrMapping/>
-  </p:clrMapOvr>
-</p:sld>
-</file>
-
-<file path=ppt/slides/slide53.xml><?xml version="1.0" encoding="utf-8"?>
-<p:sld xmlns:a="http://schemas.openxmlformats.org/drawingml/2006/main" xmlns:r="http://schemas.openxmlformats.org/officeDocument/2006/relationships" xmlns:p="http://schemas.openxmlformats.org/presentationml/2006/main">
-  <p:cSld>
-    <p:spTree>
-      <p:nvGrpSpPr>
-        <p:cNvPr id="1" name=""/>
-        <p:cNvGrpSpPr/>
-        <p:nvPr/>
-      </p:nvGrpSpPr>
-      <p:grpSpPr>
-        <a:xfrm>
-          <a:off x="0" y="0"/>
-          <a:ext cx="0" cy="0"/>
-          <a:chOff x="0" y="0"/>
-          <a:chExt cx="0" cy="0"/>
-        </a:xfrm>
-      </p:grpSpPr>
-      <p:pic>
-        <p:nvPicPr>
-          <p:cNvPr id="2" name="Picture 1">
-            <a:extLst>
-              <a:ext uri="{FF2B5EF4-FFF2-40B4-BE49-F238E27FC236}">
-                <a16:creationId xmlns:a16="http://schemas.microsoft.com/office/drawing/2014/main" id="{16A1A7F3-2A1E-4475-A795-2614162FAB3E}"/>
-              </a:ext>
-            </a:extLst>
-          </p:cNvPr>
-          <p:cNvPicPr>
-            <a:picLocks noChangeAspect="1"/>
-          </p:cNvPicPr>
-          <p:nvPr/>
-        </p:nvPicPr>
-        <p:blipFill>
-          <a:blip r:embed="rId3"/>
-          <a:stretch>
-            <a:fillRect/>
-          </a:stretch>
-        </p:blipFill>
-        <p:spPr>
-          <a:xfrm>
-            <a:off x="2405524" y="1619905"/>
-            <a:ext cx="7380952" cy="5238095"/>
-          </a:xfrm>
-          <a:prstGeom prst="rect">
-            <a:avLst/>
-          </a:prstGeom>
-        </p:spPr>
-      </p:pic>
-      <p:sp>
-        <p:nvSpPr>
-          <p:cNvPr id="6" name="TextBox 5">
-            <a:extLst>
-              <a:ext uri="{FF2B5EF4-FFF2-40B4-BE49-F238E27FC236}">
-                <a16:creationId xmlns:a16="http://schemas.microsoft.com/office/drawing/2014/main" id="{11D6045B-A4A5-4B10-A747-9823DBE426CA}"/>
-              </a:ext>
-            </a:extLst>
-          </p:cNvPr>
-          <p:cNvSpPr txBox="1"/>
-          <p:nvPr/>
-        </p:nvSpPr>
-        <p:spPr>
-          <a:xfrm>
-            <a:off x="590843" y="154745"/>
-            <a:ext cx="3135410" cy="1477328"/>
-          </a:xfrm>
-          <a:prstGeom prst="rect">
-            <a:avLst/>
-          </a:prstGeom>
-          <a:noFill/>
-        </p:spPr>
-        <p:txBody>
-          <a:bodyPr wrap="none" rtlCol="0">
-            <a:spAutoFit/>
-          </a:bodyPr>
-          <a:lstStyle/>
-          <a:p>
-            <a:r>
-              <a:rPr lang="en-US" dirty="0" err="1"/>
-              <a:t>Geom</a:t>
-            </a:r>
-            <a:r>
-              <a:rPr lang="en-US" dirty="0"/>
-              <a:t>: point</a:t>
-            </a:r>
-          </a:p>
-          <a:p>
-            <a:r>
-              <a:rPr lang="en-US" dirty="0"/>
-              <a:t>	</a:t>
-            </a:r>
-            <a:r>
-              <a:rPr lang="en-US" dirty="0" err="1"/>
-              <a:t>Position_X</a:t>
-            </a:r>
-            <a:r>
-              <a:rPr lang="en-US" dirty="0"/>
-              <a:t>: Factor 1 </a:t>
-            </a:r>
-          </a:p>
-          <a:p>
-            <a:r>
-              <a:rPr lang="en-US" dirty="0"/>
-              <a:t>	Color:</a:t>
-            </a:r>
-            <a:r>
-              <a:rPr lang="en-US" dirty="0">
-                <a:sym typeface="Wingdings" panose="05000000000000000000" pitchFamily="2" charset="2"/>
-              </a:rPr>
-              <a:t> </a:t>
-            </a:r>
-            <a:r>
-              <a:rPr lang="en-US" dirty="0" err="1">
-                <a:sym typeface="Wingdings" panose="05000000000000000000" pitchFamily="2" charset="2"/>
-              </a:rPr>
-              <a:t>Is_neg</a:t>
-            </a:r>
-            <a:endParaRPr lang="en-US" dirty="0">
-              <a:sym typeface="Wingdings" panose="05000000000000000000" pitchFamily="2" charset="2"/>
-            </a:endParaRPr>
-          </a:p>
-          <a:p>
-            <a:r>
-              <a:rPr lang="en-US" dirty="0">
-                <a:sym typeface="Wingdings" panose="05000000000000000000" pitchFamily="2" charset="2"/>
-              </a:rPr>
-              <a:t>	Shape: Factor 2</a:t>
-            </a:r>
-          </a:p>
-          <a:p>
-            <a:r>
-              <a:rPr lang="en-US" dirty="0">
-                <a:sym typeface="Wingdings" panose="05000000000000000000" pitchFamily="2" charset="2"/>
-              </a:rPr>
-              <a:t>	</a:t>
-            </a:r>
-            <a:r>
-              <a:rPr lang="en-US" dirty="0" err="1">
-                <a:sym typeface="Wingdings" panose="05000000000000000000" pitchFamily="2" charset="2"/>
-              </a:rPr>
-              <a:t>Position_Y</a:t>
-            </a:r>
-            <a:r>
-              <a:rPr lang="en-US" dirty="0">
-                <a:sym typeface="Wingdings" panose="05000000000000000000" pitchFamily="2" charset="2"/>
-              </a:rPr>
-              <a:t>: Response </a:t>
-            </a:r>
-            <a:endParaRPr lang="en-US" dirty="0"/>
-          </a:p>
-        </p:txBody>
-      </p:sp>
-      <p:sp>
-        <p:nvSpPr>
-          <p:cNvPr id="9" name="TextBox 8">
-            <a:extLst>
-              <a:ext uri="{FF2B5EF4-FFF2-40B4-BE49-F238E27FC236}">
-                <a16:creationId xmlns:a16="http://schemas.microsoft.com/office/drawing/2014/main" id="{3857CB4D-53FF-445E-8D0C-E688FFB41288}"/>
-              </a:ext>
-            </a:extLst>
-          </p:cNvPr>
-          <p:cNvSpPr txBox="1"/>
-          <p:nvPr/>
-        </p:nvSpPr>
-        <p:spPr>
-          <a:xfrm>
-            <a:off x="3726253" y="154745"/>
-            <a:ext cx="3135410" cy="1477328"/>
-          </a:xfrm>
-          <a:prstGeom prst="rect">
-            <a:avLst/>
-          </a:prstGeom>
-          <a:noFill/>
-        </p:spPr>
-        <p:txBody>
-          <a:bodyPr wrap="none" rtlCol="0">
-            <a:spAutoFit/>
-          </a:bodyPr>
-          <a:lstStyle/>
-          <a:p>
-            <a:r>
-              <a:rPr lang="en-US" dirty="0" err="1"/>
-              <a:t>Geom</a:t>
-            </a:r>
-            <a:r>
-              <a:rPr lang="en-US" dirty="0"/>
-              <a:t>: line</a:t>
-            </a:r>
-          </a:p>
-          <a:p>
-            <a:r>
-              <a:rPr lang="en-US" dirty="0"/>
-              <a:t>	</a:t>
-            </a:r>
-            <a:r>
-              <a:rPr lang="en-US" dirty="0" err="1"/>
-              <a:t>Position_X</a:t>
-            </a:r>
-            <a:r>
-              <a:rPr lang="en-US" dirty="0"/>
-              <a:t>: Factor 1 </a:t>
-            </a:r>
-          </a:p>
-          <a:p>
-            <a:r>
-              <a:rPr lang="en-US" dirty="0"/>
-              <a:t>	Color:</a:t>
-            </a:r>
-            <a:r>
-              <a:rPr lang="en-US" dirty="0">
-                <a:sym typeface="Wingdings" panose="05000000000000000000" pitchFamily="2" charset="2"/>
-              </a:rPr>
-              <a:t> </a:t>
-            </a:r>
-            <a:r>
-              <a:rPr lang="en-US" dirty="0" err="1">
-                <a:sym typeface="Wingdings" panose="05000000000000000000" pitchFamily="2" charset="2"/>
-              </a:rPr>
-              <a:t>Is_neg</a:t>
-            </a:r>
-            <a:endParaRPr lang="en-US" dirty="0">
-              <a:sym typeface="Wingdings" panose="05000000000000000000" pitchFamily="2" charset="2"/>
-            </a:endParaRPr>
-          </a:p>
-          <a:p>
-            <a:r>
-              <a:rPr lang="en-US" dirty="0">
-                <a:sym typeface="Wingdings" panose="05000000000000000000" pitchFamily="2" charset="2"/>
-              </a:rPr>
-              <a:t>	Group: Factor 2</a:t>
-            </a:r>
-          </a:p>
-          <a:p>
-            <a:r>
-              <a:rPr lang="en-US" dirty="0">
-                <a:sym typeface="Wingdings" panose="05000000000000000000" pitchFamily="2" charset="2"/>
-              </a:rPr>
-              <a:t>	</a:t>
-            </a:r>
-            <a:r>
-              <a:rPr lang="en-US" dirty="0" err="1">
-                <a:sym typeface="Wingdings" panose="05000000000000000000" pitchFamily="2" charset="2"/>
-              </a:rPr>
-              <a:t>Position_Y</a:t>
-            </a:r>
-            <a:r>
-              <a:rPr lang="en-US" dirty="0">
-                <a:sym typeface="Wingdings" panose="05000000000000000000" pitchFamily="2" charset="2"/>
-              </a:rPr>
-              <a:t>: Response </a:t>
-            </a:r>
-            <a:endParaRPr lang="en-US" dirty="0"/>
-          </a:p>
-        </p:txBody>
-      </p:sp>
-    </p:spTree>
-    <p:extLst>
-      <p:ext uri="{BB962C8B-B14F-4D97-AF65-F5344CB8AC3E}">
-        <p14:creationId xmlns:p14="http://schemas.microsoft.com/office/powerpoint/2010/main" val="614601908"/>
-      </p:ext>
-    </p:extLst>
-  </p:cSld>
-  <p:clrMapOvr>
-    <a:masterClrMapping/>
-  </p:clrMapOvr>
-</p:sld>
-</file>
-
-<file path=ppt/slides/slide54.xml><?xml version="1.0" encoding="utf-8"?>
-<p:sld xmlns:a="http://schemas.openxmlformats.org/drawingml/2006/main" xmlns:r="http://schemas.openxmlformats.org/officeDocument/2006/relationships" xmlns:p="http://schemas.openxmlformats.org/presentationml/2006/main">
-  <p:cSld>
-    <p:spTree>
-      <p:nvGrpSpPr>
-        <p:cNvPr id="1" name=""/>
-        <p:cNvGrpSpPr/>
-        <p:nvPr/>
-      </p:nvGrpSpPr>
-      <p:grpSpPr>
-        <a:xfrm>
-          <a:off x="0" y="0"/>
-          <a:ext cx="0" cy="0"/>
-          <a:chOff x="0" y="0"/>
-          <a:chExt cx="0" cy="0"/>
-        </a:xfrm>
-      </p:grpSpPr>
       <p:pic>
         <p:nvPicPr>
           <p:cNvPr id="7" name="Picture 6">
@@ -30757,12 +29399,8 @@
           <a:lstStyle/>
           <a:p>
             <a:r>
-              <a:rPr lang="en-US" dirty="0" err="1"/>
-              <a:t>Geom</a:t>
-            </a:r>
-            <a:r>
               <a:rPr lang="en-US" dirty="0"/>
-              <a:t>: point</a:t>
+              <a:t>Geom: point</a:t>
             </a:r>
           </a:p>
           <a:p>
@@ -30860,12 +29498,8 @@
           <a:lstStyle/>
           <a:p>
             <a:r>
-              <a:rPr lang="en-US" dirty="0" err="1"/>
-              <a:t>Geom</a:t>
-            </a:r>
-            <a:r>
               <a:rPr lang="en-US" dirty="0"/>
-              <a:t>: line</a:t>
+              <a:t>Geom: line</a:t>
             </a:r>
           </a:p>
           <a:p>
@@ -31025,6 +29659,1130 @@
 </p:sld>
 </file>
 
+<file path=ppt/slides/slide5.xml><?xml version="1.0" encoding="utf-8"?>
+<p:sld xmlns:a="http://schemas.openxmlformats.org/drawingml/2006/main" xmlns:r="http://schemas.openxmlformats.org/officeDocument/2006/relationships" xmlns:p="http://schemas.openxmlformats.org/presentationml/2006/main">
+  <p:cSld>
+    <p:spTree>
+      <p:nvGrpSpPr>
+        <p:cNvPr id="1" name=""/>
+        <p:cNvGrpSpPr/>
+        <p:nvPr/>
+      </p:nvGrpSpPr>
+      <p:grpSpPr>
+        <a:xfrm>
+          <a:off x="0" y="0"/>
+          <a:ext cx="0" cy="0"/>
+          <a:chOff x="0" y="0"/>
+          <a:chExt cx="0" cy="0"/>
+        </a:xfrm>
+      </p:grpSpPr>
+      <p:sp>
+        <p:nvSpPr>
+          <p:cNvPr id="2" name="Title 1">
+            <a:extLst>
+              <a:ext uri="{FF2B5EF4-FFF2-40B4-BE49-F238E27FC236}">
+                <a16:creationId xmlns:a16="http://schemas.microsoft.com/office/drawing/2014/main" id="{A47921F9-46AB-4AFF-BB95-19524D7A0A1C}"/>
+              </a:ext>
+            </a:extLst>
+          </p:cNvPr>
+          <p:cNvSpPr>
+            <a:spLocks noGrp="1"/>
+          </p:cNvSpPr>
+          <p:nvPr>
+            <p:ph type="title"/>
+          </p:nvPr>
+        </p:nvSpPr>
+        <p:spPr>
+          <a:xfrm>
+            <a:off x="1219201" y="274638"/>
+            <a:ext cx="10296937" cy="715962"/>
+          </a:xfrm>
+        </p:spPr>
+        <p:txBody>
+          <a:bodyPr>
+            <a:noAutofit/>
+          </a:bodyPr>
+          <a:lstStyle/>
+          <a:p>
+            <a:r>
+              <a:rPr lang="en-US" sz="3600" dirty="0"/>
+              <a:t>IHME disability adjusted life years (DALYs) visualization</a:t>
+            </a:r>
+          </a:p>
+        </p:txBody>
+      </p:sp>
+      <p:pic>
+        <p:nvPicPr>
+          <p:cNvPr id="3" name="Picture 2">
+            <a:extLst>
+              <a:ext uri="{FF2B5EF4-FFF2-40B4-BE49-F238E27FC236}">
+                <a16:creationId xmlns:a16="http://schemas.microsoft.com/office/drawing/2014/main" id="{4FF94BDC-46B1-4213-BBEC-1E677C6EBFDB}"/>
+              </a:ext>
+            </a:extLst>
+          </p:cNvPr>
+          <p:cNvPicPr>
+            <a:picLocks noChangeAspect="1"/>
+          </p:cNvPicPr>
+          <p:nvPr/>
+        </p:nvPicPr>
+        <p:blipFill>
+          <a:blip r:embed="rId2"/>
+          <a:stretch>
+            <a:fillRect/>
+          </a:stretch>
+        </p:blipFill>
+        <p:spPr>
+          <a:xfrm>
+            <a:off x="1420433" y="1235848"/>
+            <a:ext cx="9351134" cy="4969142"/>
+          </a:xfrm>
+          <a:prstGeom prst="rect">
+            <a:avLst/>
+          </a:prstGeom>
+        </p:spPr>
+      </p:pic>
+      <p:sp>
+        <p:nvSpPr>
+          <p:cNvPr id="5" name="Rectangle 4">
+            <a:extLst>
+              <a:ext uri="{FF2B5EF4-FFF2-40B4-BE49-F238E27FC236}">
+                <a16:creationId xmlns:a16="http://schemas.microsoft.com/office/drawing/2014/main" id="{3D8D6BAB-C4D3-46D9-8C62-70C703FFD3AE}"/>
+              </a:ext>
+            </a:extLst>
+          </p:cNvPr>
+          <p:cNvSpPr/>
+          <p:nvPr/>
+        </p:nvSpPr>
+        <p:spPr>
+          <a:xfrm>
+            <a:off x="3581400" y="6398696"/>
+            <a:ext cx="4446154" cy="369332"/>
+          </a:xfrm>
+          <a:prstGeom prst="rect">
+            <a:avLst/>
+          </a:prstGeom>
+        </p:spPr>
+        <p:txBody>
+          <a:bodyPr wrap="none">
+            <a:spAutoFit/>
+          </a:bodyPr>
+          <a:lstStyle/>
+          <a:p>
+            <a:r>
+              <a:rPr lang="en-US" dirty="0">
+                <a:hlinkClick r:id="rId3"/>
+              </a:rPr>
+              <a:t>https://vizhub.healthdata.org/gbd-compare/</a:t>
+            </a:r>
+            <a:r>
+              <a:rPr lang="en-US" dirty="0"/>
+              <a:t> </a:t>
+            </a:r>
+          </a:p>
+        </p:txBody>
+      </p:sp>
+      <p:sp>
+        <p:nvSpPr>
+          <p:cNvPr id="6" name="Slide Number Placeholder 5">
+            <a:extLst>
+              <a:ext uri="{FF2B5EF4-FFF2-40B4-BE49-F238E27FC236}">
+                <a16:creationId xmlns:a16="http://schemas.microsoft.com/office/drawing/2014/main" id="{C4AC634C-75D1-460A-946C-0A315609FB4C}"/>
+              </a:ext>
+            </a:extLst>
+          </p:cNvPr>
+          <p:cNvSpPr>
+            <a:spLocks noGrp="1"/>
+          </p:cNvSpPr>
+          <p:nvPr>
+            <p:ph type="sldNum" sz="quarter" idx="12"/>
+          </p:nvPr>
+        </p:nvSpPr>
+        <p:spPr/>
+        <p:txBody>
+          <a:bodyPr/>
+          <a:lstStyle/>
+          <a:p>
+            <a:fld id="{F36C87F6-986D-49E6-AF40-1B3A1EE8064D}" type="slidenum">
+              <a:rPr lang="en-US" smtClean="0"/>
+              <a:t>5</a:t>
+            </a:fld>
+            <a:endParaRPr lang="en-US"/>
+          </a:p>
+        </p:txBody>
+      </p:sp>
+    </p:spTree>
+    <p:extLst>
+      <p:ext uri="{BB962C8B-B14F-4D97-AF65-F5344CB8AC3E}">
+        <p14:creationId xmlns:p14="http://schemas.microsoft.com/office/powerpoint/2010/main" val="289583947"/>
+      </p:ext>
+    </p:extLst>
+  </p:cSld>
+  <p:clrMapOvr>
+    <a:masterClrMapping/>
+  </p:clrMapOvr>
+</p:sld>
+</file>
+
+<file path=ppt/slides/slide50.xml><?xml version="1.0" encoding="utf-8"?>
+<p:sld xmlns:a="http://schemas.openxmlformats.org/drawingml/2006/main" xmlns:r="http://schemas.openxmlformats.org/officeDocument/2006/relationships" xmlns:p="http://schemas.openxmlformats.org/presentationml/2006/main">
+  <p:cSld>
+    <p:spTree>
+      <p:nvGrpSpPr>
+        <p:cNvPr id="1" name=""/>
+        <p:cNvGrpSpPr/>
+        <p:nvPr/>
+      </p:nvGrpSpPr>
+      <p:grpSpPr>
+        <a:xfrm>
+          <a:off x="0" y="0"/>
+          <a:ext cx="0" cy="0"/>
+          <a:chOff x="0" y="0"/>
+          <a:chExt cx="0" cy="0"/>
+        </a:xfrm>
+      </p:grpSpPr>
+      <p:sp>
+        <p:nvSpPr>
+          <p:cNvPr id="2" name="Title 1">
+            <a:extLst>
+              <a:ext uri="{FF2B5EF4-FFF2-40B4-BE49-F238E27FC236}">
+                <a16:creationId xmlns:a16="http://schemas.microsoft.com/office/drawing/2014/main" id="{82AB1497-E140-4B80-9EBD-6CA8D6BEDD30}"/>
+              </a:ext>
+            </a:extLst>
+          </p:cNvPr>
+          <p:cNvSpPr>
+            <a:spLocks noGrp="1"/>
+          </p:cNvSpPr>
+          <p:nvPr>
+            <p:ph type="title"/>
+          </p:nvPr>
+        </p:nvSpPr>
+        <p:spPr/>
+        <p:txBody>
+          <a:bodyPr/>
+          <a:lstStyle/>
+          <a:p>
+            <a:r>
+              <a:rPr lang="en-US" dirty="0"/>
+              <a:t>Goals of data visualization</a:t>
+            </a:r>
+          </a:p>
+        </p:txBody>
+      </p:sp>
+    </p:spTree>
+    <p:extLst>
+      <p:ext uri="{BB962C8B-B14F-4D97-AF65-F5344CB8AC3E}">
+        <p14:creationId xmlns:p14="http://schemas.microsoft.com/office/powerpoint/2010/main" val="3656515200"/>
+      </p:ext>
+    </p:extLst>
+  </p:cSld>
+  <p:clrMapOvr>
+    <a:masterClrMapping/>
+  </p:clrMapOvr>
+</p:sld>
+</file>
+
+<file path=ppt/slides/slide51.xml><?xml version="1.0" encoding="utf-8"?>
+<p:sld xmlns:a="http://schemas.openxmlformats.org/drawingml/2006/main" xmlns:r="http://schemas.openxmlformats.org/officeDocument/2006/relationships" xmlns:p="http://schemas.openxmlformats.org/presentationml/2006/main">
+  <p:cSld>
+    <p:spTree>
+      <p:nvGrpSpPr>
+        <p:cNvPr id="1" name=""/>
+        <p:cNvGrpSpPr/>
+        <p:nvPr/>
+      </p:nvGrpSpPr>
+      <p:grpSpPr>
+        <a:xfrm>
+          <a:off x="0" y="0"/>
+          <a:ext cx="0" cy="0"/>
+          <a:chOff x="0" y="0"/>
+          <a:chExt cx="0" cy="0"/>
+        </a:xfrm>
+      </p:grpSpPr>
+      <p:sp>
+        <p:nvSpPr>
+          <p:cNvPr id="2" name="Title 1">
+            <a:extLst>
+              <a:ext uri="{FF2B5EF4-FFF2-40B4-BE49-F238E27FC236}">
+                <a16:creationId xmlns:a16="http://schemas.microsoft.com/office/drawing/2014/main" id="{18EFFD7A-B603-43D7-AC8E-7A9D64F4D334}"/>
+              </a:ext>
+            </a:extLst>
+          </p:cNvPr>
+          <p:cNvSpPr>
+            <a:spLocks noGrp="1"/>
+          </p:cNvSpPr>
+          <p:nvPr>
+            <p:ph type="title"/>
+          </p:nvPr>
+        </p:nvSpPr>
+        <p:spPr/>
+        <p:txBody>
+          <a:bodyPr/>
+          <a:lstStyle/>
+          <a:p>
+            <a:r>
+              <a:rPr lang="en-US" dirty="0"/>
+              <a:t>Explanatory</a:t>
+            </a:r>
+          </a:p>
+        </p:txBody>
+      </p:sp>
+      <p:sp>
+        <p:nvSpPr>
+          <p:cNvPr id="3" name="Content Placeholder 2">
+            <a:extLst>
+              <a:ext uri="{FF2B5EF4-FFF2-40B4-BE49-F238E27FC236}">
+                <a16:creationId xmlns:a16="http://schemas.microsoft.com/office/drawing/2014/main" id="{CF2A5BB6-5E88-4CE5-B1ED-B0D03765D51E}"/>
+              </a:ext>
+            </a:extLst>
+          </p:cNvPr>
+          <p:cNvSpPr>
+            <a:spLocks noGrp="1"/>
+          </p:cNvSpPr>
+          <p:nvPr>
+            <p:ph idx="1"/>
+          </p:nvPr>
+        </p:nvSpPr>
+        <p:spPr/>
+        <p:txBody>
+          <a:bodyPr/>
+          <a:lstStyle/>
+          <a:p>
+            <a:r>
+              <a:rPr lang="en-US" dirty="0"/>
+              <a:t>Designer has primary message to convey</a:t>
+            </a:r>
+          </a:p>
+          <a:p>
+            <a:pPr marL="0" indent="0">
+              <a:buNone/>
+            </a:pPr>
+            <a:endParaRPr lang="en-US" dirty="0"/>
+          </a:p>
+          <a:p>
+            <a:r>
+              <a:rPr lang="en-US" dirty="0"/>
+              <a:t>Visualization designed to convey this message</a:t>
+            </a:r>
+          </a:p>
+        </p:txBody>
+      </p:sp>
+      <p:sp>
+        <p:nvSpPr>
+          <p:cNvPr id="4" name="TextBox 3">
+            <a:extLst>
+              <a:ext uri="{FF2B5EF4-FFF2-40B4-BE49-F238E27FC236}">
+                <a16:creationId xmlns:a16="http://schemas.microsoft.com/office/drawing/2014/main" id="{BE364446-8EE3-4024-A019-161A8090322B}"/>
+              </a:ext>
+            </a:extLst>
+          </p:cNvPr>
+          <p:cNvSpPr txBox="1"/>
+          <p:nvPr/>
+        </p:nvSpPr>
+        <p:spPr>
+          <a:xfrm>
+            <a:off x="2711116" y="4265656"/>
+            <a:ext cx="755335" cy="1569660"/>
+          </a:xfrm>
+          <a:prstGeom prst="rect">
+            <a:avLst/>
+          </a:prstGeom>
+          <a:noFill/>
+        </p:spPr>
+        <p:txBody>
+          <a:bodyPr wrap="none" rtlCol="0">
+            <a:spAutoFit/>
+          </a:bodyPr>
+          <a:lstStyle/>
+          <a:p>
+            <a:r>
+              <a:rPr lang="en-US" sz="9600" b="1" dirty="0"/>
+              <a:t>?</a:t>
+            </a:r>
+            <a:endParaRPr lang="en-US" b="1" dirty="0"/>
+          </a:p>
+        </p:txBody>
+      </p:sp>
+      <p:pic>
+        <p:nvPicPr>
+          <p:cNvPr id="6" name="Graphic 5" descr="Eye">
+            <a:extLst>
+              <a:ext uri="{FF2B5EF4-FFF2-40B4-BE49-F238E27FC236}">
+                <a16:creationId xmlns:a16="http://schemas.microsoft.com/office/drawing/2014/main" id="{4F7F7D57-4C20-44A4-AF81-1DC0E95BDA17}"/>
+              </a:ext>
+            </a:extLst>
+          </p:cNvPr>
+          <p:cNvPicPr>
+            <a:picLocks noChangeAspect="1"/>
+          </p:cNvPicPr>
+          <p:nvPr/>
+        </p:nvPicPr>
+        <p:blipFill>
+          <a:blip r:embed="rId2">
+            <a:extLst>
+              <a:ext uri="{28A0092B-C50C-407E-A947-70E740481C1C}">
+                <a14:useLocalDpi xmlns:a14="http://schemas.microsoft.com/office/drawing/2010/main" val="0"/>
+              </a:ext>
+              <a:ext uri="{96DAC541-7B7A-43D3-8B79-37D633B846F1}">
+                <asvg:svgBlip xmlns:asvg="http://schemas.microsoft.com/office/drawing/2016/SVG/main" r:embed="rId3"/>
+              </a:ext>
+            </a:extLst>
+          </a:blip>
+          <a:stretch>
+            <a:fillRect/>
+          </a:stretch>
+        </p:blipFill>
+        <p:spPr>
+          <a:xfrm>
+            <a:off x="4580021" y="4265656"/>
+            <a:ext cx="1515979" cy="1515979"/>
+          </a:xfrm>
+          <a:prstGeom prst="rect">
+            <a:avLst/>
+          </a:prstGeom>
+        </p:spPr>
+      </p:pic>
+      <p:pic>
+        <p:nvPicPr>
+          <p:cNvPr id="1028" name="Picture 4" descr="Image result for insight light bulb">
+            <a:extLst>
+              <a:ext uri="{FF2B5EF4-FFF2-40B4-BE49-F238E27FC236}">
+                <a16:creationId xmlns:a16="http://schemas.microsoft.com/office/drawing/2014/main" id="{7DC9CA74-F2C1-4C0E-8314-9DFD31F6F423}"/>
+              </a:ext>
+            </a:extLst>
+          </p:cNvPr>
+          <p:cNvPicPr>
+            <a:picLocks noChangeAspect="1" noChangeArrowheads="1"/>
+          </p:cNvPicPr>
+          <p:nvPr/>
+        </p:nvPicPr>
+        <p:blipFill>
+          <a:blip r:embed="rId4">
+            <a:extLst>
+              <a:ext uri="{28A0092B-C50C-407E-A947-70E740481C1C}">
+                <a14:useLocalDpi xmlns:a14="http://schemas.microsoft.com/office/drawing/2010/main" val="0"/>
+              </a:ext>
+            </a:extLst>
+          </a:blip>
+          <a:srcRect/>
+          <a:stretch>
+            <a:fillRect/>
+          </a:stretch>
+        </p:blipFill>
+        <p:spPr bwMode="auto">
+          <a:xfrm>
+            <a:off x="7090610" y="4122150"/>
+            <a:ext cx="1789196" cy="1856672"/>
+          </a:xfrm>
+          <a:prstGeom prst="rect">
+            <a:avLst/>
+          </a:prstGeom>
+          <a:noFill/>
+          <a:extLst>
+            <a:ext uri="{909E8E84-426E-40DD-AFC4-6F175D3DCCD1}">
+              <a14:hiddenFill xmlns:a14="http://schemas.microsoft.com/office/drawing/2010/main">
+                <a:solidFill>
+                  <a:srgbClr val="FFFFFF"/>
+                </a:solidFill>
+              </a14:hiddenFill>
+            </a:ext>
+          </a:extLst>
+        </p:spPr>
+      </p:pic>
+      <p:sp>
+        <p:nvSpPr>
+          <p:cNvPr id="11" name="Arrow: Right 10">
+            <a:extLst>
+              <a:ext uri="{FF2B5EF4-FFF2-40B4-BE49-F238E27FC236}">
+                <a16:creationId xmlns:a16="http://schemas.microsoft.com/office/drawing/2014/main" id="{B944AC9A-4C63-4E9F-AD93-3832C552B792}"/>
+              </a:ext>
+            </a:extLst>
+          </p:cNvPr>
+          <p:cNvSpPr/>
+          <p:nvPr/>
+        </p:nvSpPr>
+        <p:spPr>
+          <a:xfrm>
+            <a:off x="3743177" y="4871245"/>
+            <a:ext cx="553453" cy="304800"/>
+          </a:xfrm>
+          <a:prstGeom prst="rightArrow">
+            <a:avLst/>
+          </a:prstGeom>
+          <a:solidFill>
+            <a:schemeClr val="tx1"/>
+          </a:solidFill>
+          <a:ln>
+            <a:noFill/>
+          </a:ln>
+        </p:spPr>
+        <p:style>
+          <a:lnRef idx="2">
+            <a:schemeClr val="accent1">
+              <a:shade val="50000"/>
+            </a:schemeClr>
+          </a:lnRef>
+          <a:fillRef idx="1">
+            <a:schemeClr val="accent1"/>
+          </a:fillRef>
+          <a:effectRef idx="0">
+            <a:schemeClr val="accent1"/>
+          </a:effectRef>
+          <a:fontRef idx="minor">
+            <a:schemeClr val="lt1"/>
+          </a:fontRef>
+        </p:style>
+        <p:txBody>
+          <a:bodyPr rtlCol="0" anchor="ctr"/>
+          <a:lstStyle/>
+          <a:p>
+            <a:pPr algn="ctr"/>
+            <a:endParaRPr lang="en-US"/>
+          </a:p>
+        </p:txBody>
+      </p:sp>
+      <p:sp>
+        <p:nvSpPr>
+          <p:cNvPr id="14" name="Arrow: Right 13">
+            <a:extLst>
+              <a:ext uri="{FF2B5EF4-FFF2-40B4-BE49-F238E27FC236}">
+                <a16:creationId xmlns:a16="http://schemas.microsoft.com/office/drawing/2014/main" id="{76277D7A-A84B-48F8-BB4F-308C8E178C07}"/>
+              </a:ext>
+            </a:extLst>
+          </p:cNvPr>
+          <p:cNvSpPr/>
+          <p:nvPr/>
+        </p:nvSpPr>
+        <p:spPr>
+          <a:xfrm>
+            <a:off x="6316578" y="4898086"/>
+            <a:ext cx="553453" cy="304800"/>
+          </a:xfrm>
+          <a:prstGeom prst="rightArrow">
+            <a:avLst/>
+          </a:prstGeom>
+          <a:solidFill>
+            <a:schemeClr val="tx1"/>
+          </a:solidFill>
+          <a:ln>
+            <a:noFill/>
+          </a:ln>
+        </p:spPr>
+        <p:style>
+          <a:lnRef idx="2">
+            <a:schemeClr val="accent1">
+              <a:shade val="50000"/>
+            </a:schemeClr>
+          </a:lnRef>
+          <a:fillRef idx="1">
+            <a:schemeClr val="accent1"/>
+          </a:fillRef>
+          <a:effectRef idx="0">
+            <a:schemeClr val="accent1"/>
+          </a:effectRef>
+          <a:fontRef idx="minor">
+            <a:schemeClr val="lt1"/>
+          </a:fontRef>
+        </p:style>
+        <p:txBody>
+          <a:bodyPr rtlCol="0" anchor="ctr"/>
+          <a:lstStyle/>
+          <a:p>
+            <a:pPr algn="ctr"/>
+            <a:endParaRPr lang="en-US"/>
+          </a:p>
+        </p:txBody>
+      </p:sp>
+    </p:spTree>
+    <p:extLst>
+      <p:ext uri="{BB962C8B-B14F-4D97-AF65-F5344CB8AC3E}">
+        <p14:creationId xmlns:p14="http://schemas.microsoft.com/office/powerpoint/2010/main" val="1627923381"/>
+      </p:ext>
+    </p:extLst>
+  </p:cSld>
+  <p:clrMapOvr>
+    <a:masterClrMapping/>
+  </p:clrMapOvr>
+</p:sld>
+</file>
+
+<file path=ppt/slides/slide52.xml><?xml version="1.0" encoding="utf-8"?>
+<p:sld xmlns:a="http://schemas.openxmlformats.org/drawingml/2006/main" xmlns:r="http://schemas.openxmlformats.org/officeDocument/2006/relationships" xmlns:p="http://schemas.openxmlformats.org/presentationml/2006/main">
+  <p:cSld>
+    <p:spTree>
+      <p:nvGrpSpPr>
+        <p:cNvPr id="1" name=""/>
+        <p:cNvGrpSpPr/>
+        <p:nvPr/>
+      </p:nvGrpSpPr>
+      <p:grpSpPr>
+        <a:xfrm>
+          <a:off x="0" y="0"/>
+          <a:ext cx="0" cy="0"/>
+          <a:chOff x="0" y="0"/>
+          <a:chExt cx="0" cy="0"/>
+        </a:xfrm>
+      </p:grpSpPr>
+      <p:pic>
+        <p:nvPicPr>
+          <p:cNvPr id="2" name="Picture 1">
+            <a:extLst>
+              <a:ext uri="{FF2B5EF4-FFF2-40B4-BE49-F238E27FC236}">
+                <a16:creationId xmlns:a16="http://schemas.microsoft.com/office/drawing/2014/main" id="{6A6F2A9B-F90F-4503-91CB-F606E0A44057}"/>
+              </a:ext>
+            </a:extLst>
+          </p:cNvPr>
+          <p:cNvPicPr>
+            <a:picLocks noChangeAspect="1"/>
+          </p:cNvPicPr>
+          <p:nvPr/>
+        </p:nvPicPr>
+        <p:blipFill>
+          <a:blip r:embed="rId2"/>
+          <a:stretch>
+            <a:fillRect/>
+          </a:stretch>
+        </p:blipFill>
+        <p:spPr>
+          <a:xfrm>
+            <a:off x="1390650" y="1042987"/>
+            <a:ext cx="9410700" cy="4772025"/>
+          </a:xfrm>
+          <a:prstGeom prst="rect">
+            <a:avLst/>
+          </a:prstGeom>
+        </p:spPr>
+      </p:pic>
+    </p:spTree>
+    <p:extLst>
+      <p:ext uri="{BB962C8B-B14F-4D97-AF65-F5344CB8AC3E}">
+        <p14:creationId xmlns:p14="http://schemas.microsoft.com/office/powerpoint/2010/main" val="2165224022"/>
+      </p:ext>
+    </p:extLst>
+  </p:cSld>
+  <p:clrMapOvr>
+    <a:masterClrMapping/>
+  </p:clrMapOvr>
+</p:sld>
+</file>
+
+<file path=ppt/slides/slide53.xml><?xml version="1.0" encoding="utf-8"?>
+<p:sld xmlns:a="http://schemas.openxmlformats.org/drawingml/2006/main" xmlns:r="http://schemas.openxmlformats.org/officeDocument/2006/relationships" xmlns:p="http://schemas.openxmlformats.org/presentationml/2006/main">
+  <p:cSld>
+    <p:spTree>
+      <p:nvGrpSpPr>
+        <p:cNvPr id="1" name=""/>
+        <p:cNvGrpSpPr/>
+        <p:nvPr/>
+      </p:nvGrpSpPr>
+      <p:grpSpPr>
+        <a:xfrm>
+          <a:off x="0" y="0"/>
+          <a:ext cx="0" cy="0"/>
+          <a:chOff x="0" y="0"/>
+          <a:chExt cx="0" cy="0"/>
+        </a:xfrm>
+      </p:grpSpPr>
+      <p:pic>
+        <p:nvPicPr>
+          <p:cNvPr id="3" name="Picture 2">
+            <a:extLst>
+              <a:ext uri="{FF2B5EF4-FFF2-40B4-BE49-F238E27FC236}">
+                <a16:creationId xmlns:a16="http://schemas.microsoft.com/office/drawing/2014/main" id="{70DA4B9D-C674-43B3-AA3E-E3B6AB31B6F0}"/>
+              </a:ext>
+            </a:extLst>
+          </p:cNvPr>
+          <p:cNvPicPr>
+            <a:picLocks noChangeAspect="1"/>
+          </p:cNvPicPr>
+          <p:nvPr/>
+        </p:nvPicPr>
+        <p:blipFill>
+          <a:blip r:embed="rId2"/>
+          <a:stretch>
+            <a:fillRect/>
+          </a:stretch>
+        </p:blipFill>
+        <p:spPr>
+          <a:xfrm>
+            <a:off x="1869782" y="329581"/>
+            <a:ext cx="8750091" cy="5647415"/>
+          </a:xfrm>
+          <a:prstGeom prst="rect">
+            <a:avLst/>
+          </a:prstGeom>
+        </p:spPr>
+      </p:pic>
+      <p:sp>
+        <p:nvSpPr>
+          <p:cNvPr id="4" name="Rectangle 3">
+            <a:extLst>
+              <a:ext uri="{FF2B5EF4-FFF2-40B4-BE49-F238E27FC236}">
+                <a16:creationId xmlns:a16="http://schemas.microsoft.com/office/drawing/2014/main" id="{EECEC5A1-21F3-43E0-9EA9-128D3264E1A9}"/>
+              </a:ext>
+            </a:extLst>
+          </p:cNvPr>
+          <p:cNvSpPr/>
+          <p:nvPr/>
+        </p:nvSpPr>
+        <p:spPr>
+          <a:xfrm>
+            <a:off x="3048000" y="5976996"/>
+            <a:ext cx="6096000" cy="646331"/>
+          </a:xfrm>
+          <a:prstGeom prst="rect">
+            <a:avLst/>
+          </a:prstGeom>
+        </p:spPr>
+        <p:txBody>
+          <a:bodyPr>
+            <a:spAutoFit/>
+          </a:bodyPr>
+          <a:lstStyle/>
+          <a:p>
+            <a:r>
+              <a:rPr lang="en-US" dirty="0">
+                <a:hlinkClick r:id="rId3"/>
+              </a:rPr>
+              <a:t>https://www.nytimes.com/2019/05/13/upshot/illegal-immigration-crime-rates-research.html</a:t>
+            </a:r>
+            <a:endParaRPr lang="en-US" dirty="0"/>
+          </a:p>
+        </p:txBody>
+      </p:sp>
+    </p:spTree>
+    <p:extLst>
+      <p:ext uri="{BB962C8B-B14F-4D97-AF65-F5344CB8AC3E}">
+        <p14:creationId xmlns:p14="http://schemas.microsoft.com/office/powerpoint/2010/main" val="1356798351"/>
+      </p:ext>
+    </p:extLst>
+  </p:cSld>
+  <p:clrMapOvr>
+    <a:masterClrMapping/>
+  </p:clrMapOvr>
+</p:sld>
+</file>
+
+<file path=ppt/slides/slide54.xml><?xml version="1.0" encoding="utf-8"?>
+<p:sld xmlns:a="http://schemas.openxmlformats.org/drawingml/2006/main" xmlns:r="http://schemas.openxmlformats.org/officeDocument/2006/relationships" xmlns:p="http://schemas.openxmlformats.org/presentationml/2006/main">
+  <p:cSld>
+    <p:spTree>
+      <p:nvGrpSpPr>
+        <p:cNvPr id="1" name=""/>
+        <p:cNvGrpSpPr/>
+        <p:nvPr/>
+      </p:nvGrpSpPr>
+      <p:grpSpPr>
+        <a:xfrm>
+          <a:off x="0" y="0"/>
+          <a:ext cx="0" cy="0"/>
+          <a:chOff x="0" y="0"/>
+          <a:chExt cx="0" cy="0"/>
+        </a:xfrm>
+      </p:grpSpPr>
+      <p:sp>
+        <p:nvSpPr>
+          <p:cNvPr id="2" name="Title 1">
+            <a:extLst>
+              <a:ext uri="{FF2B5EF4-FFF2-40B4-BE49-F238E27FC236}">
+                <a16:creationId xmlns:a16="http://schemas.microsoft.com/office/drawing/2014/main" id="{18EFFD7A-B603-43D7-AC8E-7A9D64F4D334}"/>
+              </a:ext>
+            </a:extLst>
+          </p:cNvPr>
+          <p:cNvSpPr>
+            <a:spLocks noGrp="1"/>
+          </p:cNvSpPr>
+          <p:nvPr>
+            <p:ph type="title"/>
+          </p:nvPr>
+        </p:nvSpPr>
+        <p:spPr/>
+        <p:txBody>
+          <a:bodyPr/>
+          <a:lstStyle/>
+          <a:p>
+            <a:r>
+              <a:rPr lang="en-US" dirty="0"/>
+              <a:t>Exploratory</a:t>
+            </a:r>
+          </a:p>
+        </p:txBody>
+      </p:sp>
+      <p:sp>
+        <p:nvSpPr>
+          <p:cNvPr id="3" name="Content Placeholder 2">
+            <a:extLst>
+              <a:ext uri="{FF2B5EF4-FFF2-40B4-BE49-F238E27FC236}">
+                <a16:creationId xmlns:a16="http://schemas.microsoft.com/office/drawing/2014/main" id="{CF2A5BB6-5E88-4CE5-B1ED-B0D03765D51E}"/>
+              </a:ext>
+            </a:extLst>
+          </p:cNvPr>
+          <p:cNvSpPr>
+            <a:spLocks noGrp="1"/>
+          </p:cNvSpPr>
+          <p:nvPr>
+            <p:ph idx="1"/>
+          </p:nvPr>
+        </p:nvSpPr>
+        <p:spPr/>
+        <p:txBody>
+          <a:bodyPr/>
+          <a:lstStyle/>
+          <a:p>
+            <a:r>
+              <a:rPr lang="en-US" dirty="0"/>
+              <a:t>Designer facilitates exploration</a:t>
+            </a:r>
+          </a:p>
+          <a:p>
+            <a:endParaRPr lang="en-US" dirty="0"/>
+          </a:p>
+          <a:p>
+            <a:r>
+              <a:rPr lang="en-US" dirty="0"/>
+              <a:t>Viewer familiarizes herself with visualization, asks questions, gains insight</a:t>
+            </a:r>
+          </a:p>
+          <a:p>
+            <a:endParaRPr lang="en-US" dirty="0"/>
+          </a:p>
+          <a:p>
+            <a:r>
+              <a:rPr lang="en-US" dirty="0"/>
+              <a:t>Often involves interactivity</a:t>
+            </a:r>
+          </a:p>
+        </p:txBody>
+      </p:sp>
+      <p:sp>
+        <p:nvSpPr>
+          <p:cNvPr id="4" name="TextBox 3">
+            <a:extLst>
+              <a:ext uri="{FF2B5EF4-FFF2-40B4-BE49-F238E27FC236}">
+                <a16:creationId xmlns:a16="http://schemas.microsoft.com/office/drawing/2014/main" id="{BE364446-8EE3-4024-A019-161A8090322B}"/>
+              </a:ext>
+            </a:extLst>
+          </p:cNvPr>
+          <p:cNvSpPr txBox="1"/>
+          <p:nvPr/>
+        </p:nvSpPr>
+        <p:spPr>
+          <a:xfrm>
+            <a:off x="4188345" y="4779709"/>
+            <a:ext cx="755335" cy="1569660"/>
+          </a:xfrm>
+          <a:prstGeom prst="rect">
+            <a:avLst/>
+          </a:prstGeom>
+          <a:noFill/>
+        </p:spPr>
+        <p:txBody>
+          <a:bodyPr wrap="none" rtlCol="0">
+            <a:spAutoFit/>
+          </a:bodyPr>
+          <a:lstStyle/>
+          <a:p>
+            <a:r>
+              <a:rPr lang="en-US" sz="9600" b="1" dirty="0"/>
+              <a:t>?</a:t>
+            </a:r>
+            <a:endParaRPr lang="en-US" b="1" dirty="0"/>
+          </a:p>
+        </p:txBody>
+      </p:sp>
+      <p:pic>
+        <p:nvPicPr>
+          <p:cNvPr id="6" name="Graphic 5" descr="Eye">
+            <a:extLst>
+              <a:ext uri="{FF2B5EF4-FFF2-40B4-BE49-F238E27FC236}">
+                <a16:creationId xmlns:a16="http://schemas.microsoft.com/office/drawing/2014/main" id="{4F7F7D57-4C20-44A4-AF81-1DC0E95BDA17}"/>
+              </a:ext>
+            </a:extLst>
+          </p:cNvPr>
+          <p:cNvPicPr>
+            <a:picLocks noChangeAspect="1"/>
+          </p:cNvPicPr>
+          <p:nvPr/>
+        </p:nvPicPr>
+        <p:blipFill>
+          <a:blip r:embed="rId2">
+            <a:extLst>
+              <a:ext uri="{28A0092B-C50C-407E-A947-70E740481C1C}">
+                <a14:useLocalDpi xmlns:a14="http://schemas.microsoft.com/office/drawing/2010/main" val="0"/>
+              </a:ext>
+              <a:ext uri="{96DAC541-7B7A-43D3-8B79-37D633B846F1}">
+                <asvg:svgBlip xmlns:asvg="http://schemas.microsoft.com/office/drawing/2016/SVG/main" r:embed="rId3"/>
+              </a:ext>
+            </a:extLst>
+          </a:blip>
+          <a:stretch>
+            <a:fillRect/>
+          </a:stretch>
+        </p:blipFill>
+        <p:spPr>
+          <a:xfrm>
+            <a:off x="5927557" y="4779709"/>
+            <a:ext cx="1515979" cy="1515979"/>
+          </a:xfrm>
+          <a:prstGeom prst="rect">
+            <a:avLst/>
+          </a:prstGeom>
+        </p:spPr>
+      </p:pic>
+      <p:pic>
+        <p:nvPicPr>
+          <p:cNvPr id="1028" name="Picture 4" descr="Image result for insight light bulb">
+            <a:extLst>
+              <a:ext uri="{FF2B5EF4-FFF2-40B4-BE49-F238E27FC236}">
+                <a16:creationId xmlns:a16="http://schemas.microsoft.com/office/drawing/2014/main" id="{7DC9CA74-F2C1-4C0E-8314-9DFD31F6F423}"/>
+              </a:ext>
+            </a:extLst>
+          </p:cNvPr>
+          <p:cNvPicPr>
+            <a:picLocks noChangeAspect="1" noChangeArrowheads="1"/>
+          </p:cNvPicPr>
+          <p:nvPr/>
+        </p:nvPicPr>
+        <p:blipFill>
+          <a:blip r:embed="rId4">
+            <a:extLst>
+              <a:ext uri="{28A0092B-C50C-407E-A947-70E740481C1C}">
+                <a14:useLocalDpi xmlns:a14="http://schemas.microsoft.com/office/drawing/2010/main" val="0"/>
+              </a:ext>
+            </a:extLst>
+          </a:blip>
+          <a:srcRect/>
+          <a:stretch>
+            <a:fillRect/>
+          </a:stretch>
+        </p:blipFill>
+        <p:spPr bwMode="auto">
+          <a:xfrm>
+            <a:off x="8438146" y="4636203"/>
+            <a:ext cx="1789196" cy="1856672"/>
+          </a:xfrm>
+          <a:prstGeom prst="rect">
+            <a:avLst/>
+          </a:prstGeom>
+          <a:noFill/>
+          <a:extLst>
+            <a:ext uri="{909E8E84-426E-40DD-AFC4-6F175D3DCCD1}">
+              <a14:hiddenFill xmlns:a14="http://schemas.microsoft.com/office/drawing/2010/main">
+                <a:solidFill>
+                  <a:srgbClr val="FFFFFF"/>
+                </a:solidFill>
+              </a14:hiddenFill>
+            </a:ext>
+          </a:extLst>
+        </p:spPr>
+      </p:pic>
+      <p:sp>
+        <p:nvSpPr>
+          <p:cNvPr id="11" name="Arrow: Right 10">
+            <a:extLst>
+              <a:ext uri="{FF2B5EF4-FFF2-40B4-BE49-F238E27FC236}">
+                <a16:creationId xmlns:a16="http://schemas.microsoft.com/office/drawing/2014/main" id="{B944AC9A-4C63-4E9F-AD93-3832C552B792}"/>
+              </a:ext>
+            </a:extLst>
+          </p:cNvPr>
+          <p:cNvSpPr/>
+          <p:nvPr/>
+        </p:nvSpPr>
+        <p:spPr>
+          <a:xfrm>
+            <a:off x="5090713" y="5385298"/>
+            <a:ext cx="553453" cy="304800"/>
+          </a:xfrm>
+          <a:prstGeom prst="rightArrow">
+            <a:avLst/>
+          </a:prstGeom>
+          <a:solidFill>
+            <a:schemeClr val="tx1"/>
+          </a:solidFill>
+          <a:ln>
+            <a:noFill/>
+          </a:ln>
+        </p:spPr>
+        <p:style>
+          <a:lnRef idx="2">
+            <a:schemeClr val="accent1">
+              <a:shade val="50000"/>
+            </a:schemeClr>
+          </a:lnRef>
+          <a:fillRef idx="1">
+            <a:schemeClr val="accent1"/>
+          </a:fillRef>
+          <a:effectRef idx="0">
+            <a:schemeClr val="accent1"/>
+          </a:effectRef>
+          <a:fontRef idx="minor">
+            <a:schemeClr val="lt1"/>
+          </a:fontRef>
+        </p:style>
+        <p:txBody>
+          <a:bodyPr rtlCol="0" anchor="ctr"/>
+          <a:lstStyle/>
+          <a:p>
+            <a:pPr algn="ctr"/>
+            <a:endParaRPr lang="en-US"/>
+          </a:p>
+        </p:txBody>
+      </p:sp>
+      <p:sp>
+        <p:nvSpPr>
+          <p:cNvPr id="14" name="Arrow: Right 13">
+            <a:extLst>
+              <a:ext uri="{FF2B5EF4-FFF2-40B4-BE49-F238E27FC236}">
+                <a16:creationId xmlns:a16="http://schemas.microsoft.com/office/drawing/2014/main" id="{76277D7A-A84B-48F8-BB4F-308C8E178C07}"/>
+              </a:ext>
+            </a:extLst>
+          </p:cNvPr>
+          <p:cNvSpPr/>
+          <p:nvPr/>
+        </p:nvSpPr>
+        <p:spPr>
+          <a:xfrm>
+            <a:off x="7664114" y="5412139"/>
+            <a:ext cx="553453" cy="304800"/>
+          </a:xfrm>
+          <a:prstGeom prst="rightArrow">
+            <a:avLst/>
+          </a:prstGeom>
+          <a:solidFill>
+            <a:schemeClr val="tx1"/>
+          </a:solidFill>
+          <a:ln>
+            <a:noFill/>
+          </a:ln>
+        </p:spPr>
+        <p:style>
+          <a:lnRef idx="2">
+            <a:schemeClr val="accent1">
+              <a:shade val="50000"/>
+            </a:schemeClr>
+          </a:lnRef>
+          <a:fillRef idx="1">
+            <a:schemeClr val="accent1"/>
+          </a:fillRef>
+          <a:effectRef idx="0">
+            <a:schemeClr val="accent1"/>
+          </a:effectRef>
+          <a:fontRef idx="minor">
+            <a:schemeClr val="lt1"/>
+          </a:fontRef>
+        </p:style>
+        <p:txBody>
+          <a:bodyPr rtlCol="0" anchor="ctr"/>
+          <a:lstStyle/>
+          <a:p>
+            <a:pPr algn="ctr"/>
+            <a:endParaRPr lang="en-US"/>
+          </a:p>
+        </p:txBody>
+      </p:sp>
+      <p:pic>
+        <p:nvPicPr>
+          <p:cNvPr id="9" name="Graphic 8" descr="Eye">
+            <a:extLst>
+              <a:ext uri="{FF2B5EF4-FFF2-40B4-BE49-F238E27FC236}">
+                <a16:creationId xmlns:a16="http://schemas.microsoft.com/office/drawing/2014/main" id="{E54C7F2A-6DEE-45C9-A33E-FE90161D792E}"/>
+              </a:ext>
+            </a:extLst>
+          </p:cNvPr>
+          <p:cNvPicPr>
+            <a:picLocks noChangeAspect="1"/>
+          </p:cNvPicPr>
+          <p:nvPr/>
+        </p:nvPicPr>
+        <p:blipFill>
+          <a:blip r:embed="rId2">
+            <a:extLst>
+              <a:ext uri="{28A0092B-C50C-407E-A947-70E740481C1C}">
+                <a14:useLocalDpi xmlns:a14="http://schemas.microsoft.com/office/drawing/2010/main" val="0"/>
+              </a:ext>
+              <a:ext uri="{96DAC541-7B7A-43D3-8B79-37D633B846F1}">
+                <asvg:svgBlip xmlns:asvg="http://schemas.microsoft.com/office/drawing/2016/SVG/main" r:embed="rId3"/>
+              </a:ext>
+            </a:extLst>
+          </a:blip>
+          <a:stretch>
+            <a:fillRect/>
+          </a:stretch>
+        </p:blipFill>
+        <p:spPr>
+          <a:xfrm>
+            <a:off x="1985888" y="4790195"/>
+            <a:ext cx="1515979" cy="1515979"/>
+          </a:xfrm>
+          <a:prstGeom prst="rect">
+            <a:avLst/>
+          </a:prstGeom>
+        </p:spPr>
+      </p:pic>
+      <p:sp>
+        <p:nvSpPr>
+          <p:cNvPr id="10" name="Arrow: Right 9">
+            <a:extLst>
+              <a:ext uri="{FF2B5EF4-FFF2-40B4-BE49-F238E27FC236}">
+                <a16:creationId xmlns:a16="http://schemas.microsoft.com/office/drawing/2014/main" id="{8007E43C-FF48-4E4E-8336-A6BFA049AEFB}"/>
+              </a:ext>
+            </a:extLst>
+          </p:cNvPr>
+          <p:cNvSpPr/>
+          <p:nvPr/>
+        </p:nvSpPr>
+        <p:spPr>
+          <a:xfrm>
+            <a:off x="3542650" y="5395784"/>
+            <a:ext cx="553453" cy="304800"/>
+          </a:xfrm>
+          <a:prstGeom prst="rightArrow">
+            <a:avLst/>
+          </a:prstGeom>
+          <a:solidFill>
+            <a:schemeClr val="tx1"/>
+          </a:solidFill>
+          <a:ln>
+            <a:noFill/>
+          </a:ln>
+        </p:spPr>
+        <p:style>
+          <a:lnRef idx="2">
+            <a:schemeClr val="accent1">
+              <a:shade val="50000"/>
+            </a:schemeClr>
+          </a:lnRef>
+          <a:fillRef idx="1">
+            <a:schemeClr val="accent1"/>
+          </a:fillRef>
+          <a:effectRef idx="0">
+            <a:schemeClr val="accent1"/>
+          </a:effectRef>
+          <a:fontRef idx="minor">
+            <a:schemeClr val="lt1"/>
+          </a:fontRef>
+        </p:style>
+        <p:txBody>
+          <a:bodyPr rtlCol="0" anchor="ctr"/>
+          <a:lstStyle/>
+          <a:p>
+            <a:pPr algn="ctr"/>
+            <a:endParaRPr lang="en-US"/>
+          </a:p>
+        </p:txBody>
+      </p:sp>
+    </p:spTree>
+    <p:extLst>
+      <p:ext uri="{BB962C8B-B14F-4D97-AF65-F5344CB8AC3E}">
+        <p14:creationId xmlns:p14="http://schemas.microsoft.com/office/powerpoint/2010/main" val="2728997989"/>
+      </p:ext>
+    </p:extLst>
+  </p:cSld>
+  <p:clrMapOvr>
+    <a:masterClrMapping/>
+  </p:clrMapOvr>
+</p:sld>
+</file>
+
 <file path=ppt/slides/slide55.xml><?xml version="1.0" encoding="utf-8"?>
 <p:sld xmlns:a="http://schemas.openxmlformats.org/drawingml/2006/main" xmlns:r="http://schemas.openxmlformats.org/officeDocument/2006/relationships" xmlns:p="http://schemas.openxmlformats.org/presentationml/2006/main">
   <p:cSld>
@@ -31042,38 +30800,76 @@
           <a:chExt cx="0" cy="0"/>
         </a:xfrm>
       </p:grpSpPr>
-      <p:sp>
-        <p:nvSpPr>
-          <p:cNvPr id="2" name="Title 1">
-            <a:extLst>
-              <a:ext uri="{FF2B5EF4-FFF2-40B4-BE49-F238E27FC236}">
-                <a16:creationId xmlns:a16="http://schemas.microsoft.com/office/drawing/2014/main" id="{82AB1497-E140-4B80-9EBD-6CA8D6BEDD30}"/>
-              </a:ext>
-            </a:extLst>
-          </p:cNvPr>
-          <p:cNvSpPr>
-            <a:spLocks noGrp="1"/>
-          </p:cNvSpPr>
-          <p:nvPr>
-            <p:ph type="title"/>
-          </p:nvPr>
-        </p:nvSpPr>
-        <p:spPr/>
-        <p:txBody>
-          <a:bodyPr/>
-          <a:lstStyle/>
-          <a:p>
-            <a:r>
-              <a:rPr lang="en-US" dirty="0"/>
-              <a:t>Design</a:t>
-            </a:r>
+      <p:pic>
+        <p:nvPicPr>
+          <p:cNvPr id="2" name="Picture 1">
+            <a:extLst>
+              <a:ext uri="{FF2B5EF4-FFF2-40B4-BE49-F238E27FC236}">
+                <a16:creationId xmlns:a16="http://schemas.microsoft.com/office/drawing/2014/main" id="{D710912B-0F91-4352-A32A-345AA367D537}"/>
+              </a:ext>
+            </a:extLst>
+          </p:cNvPr>
+          <p:cNvPicPr>
+            <a:picLocks noChangeAspect="1"/>
+          </p:cNvPicPr>
+          <p:nvPr/>
+        </p:nvPicPr>
+        <p:blipFill rotWithShape="1">
+          <a:blip r:embed="rId2"/>
+          <a:srcRect b="47836"/>
+          <a:stretch/>
+        </p:blipFill>
+        <p:spPr>
+          <a:xfrm>
+            <a:off x="1444358" y="240631"/>
+            <a:ext cx="9303284" cy="5582653"/>
+          </a:xfrm>
+          <a:prstGeom prst="rect">
+            <a:avLst/>
+          </a:prstGeom>
+        </p:spPr>
+      </p:pic>
+      <p:sp>
+        <p:nvSpPr>
+          <p:cNvPr id="3" name="Rectangle 2">
+            <a:extLst>
+              <a:ext uri="{FF2B5EF4-FFF2-40B4-BE49-F238E27FC236}">
+                <a16:creationId xmlns:a16="http://schemas.microsoft.com/office/drawing/2014/main" id="{7DF01BE6-1DEB-4DA9-9239-7A89483986A8}"/>
+              </a:ext>
+            </a:extLst>
+          </p:cNvPr>
+          <p:cNvSpPr/>
+          <p:nvPr/>
+        </p:nvSpPr>
+        <p:spPr>
+          <a:xfrm>
+            <a:off x="577514" y="6432703"/>
+            <a:ext cx="11983453" cy="369332"/>
+          </a:xfrm>
+          <a:prstGeom prst="rect">
+            <a:avLst/>
+          </a:prstGeom>
+        </p:spPr>
+        <p:txBody>
+          <a:bodyPr wrap="square">
+            <a:spAutoFit/>
+          </a:bodyPr>
+          <a:lstStyle/>
+          <a:p>
+            <a:r>
+              <a:rPr lang="en-US" dirty="0">
+                <a:hlinkClick r:id="rId3"/>
+              </a:rPr>
+              <a:t>https://www.nytimes.com/interactive/2017/09/01/upshot/cost-of-hurricane-harvey-only-one-storm-comes-close.html</a:t>
+            </a:r>
+            <a:endParaRPr lang="en-US" dirty="0"/>
           </a:p>
         </p:txBody>
       </p:sp>
     </p:spTree>
     <p:extLst>
       <p:ext uri="{BB962C8B-B14F-4D97-AF65-F5344CB8AC3E}">
-        <p14:creationId xmlns:p14="http://schemas.microsoft.com/office/powerpoint/2010/main" val="3656515200"/>
+        <p14:creationId xmlns:p14="http://schemas.microsoft.com/office/powerpoint/2010/main" val="1259201215"/>
       </p:ext>
     </p:extLst>
   </p:cSld>
@@ -31102,152 +30898,78 @@
       </p:grpSpPr>
       <p:pic>
         <p:nvPicPr>
-          <p:cNvPr id="1026" name="Picture 2" descr="Image result for alberto cairo">
-            <a:extLst>
-              <a:ext uri="{FF2B5EF4-FFF2-40B4-BE49-F238E27FC236}">
-                <a16:creationId xmlns:a16="http://schemas.microsoft.com/office/drawing/2014/main" id="{A3806546-6400-4C99-998E-325A1D689DED}"/>
+          <p:cNvPr id="2" name="Picture 1">
+            <a:extLst>
+              <a:ext uri="{FF2B5EF4-FFF2-40B4-BE49-F238E27FC236}">
+                <a16:creationId xmlns:a16="http://schemas.microsoft.com/office/drawing/2014/main" id="{711BFF6A-4E97-4D42-8C7C-17AA57100245}"/>
               </a:ext>
             </a:extLst>
           </p:cNvPr>
           <p:cNvPicPr>
-            <a:picLocks noChangeAspect="1" noChangeArrowheads="1"/>
+            <a:picLocks noChangeAspect="1"/>
           </p:cNvPicPr>
           <p:nvPr/>
         </p:nvPicPr>
         <p:blipFill>
-          <a:blip r:embed="rId2">
-            <a:extLst>
-              <a:ext uri="{28A0092B-C50C-407E-A947-70E740481C1C}">
-                <a14:useLocalDpi xmlns:a14="http://schemas.microsoft.com/office/drawing/2010/main" val="0"/>
-              </a:ext>
-            </a:extLst>
-          </a:blip>
-          <a:srcRect/>
+          <a:blip r:embed="rId2"/>
           <a:stretch>
             <a:fillRect/>
           </a:stretch>
         </p:blipFill>
-        <p:spPr bwMode="auto">
-          <a:xfrm>
-            <a:off x="1853657" y="1062935"/>
-            <a:ext cx="3251200" cy="3251200"/>
+        <p:spPr>
+          <a:xfrm>
+            <a:off x="2686785" y="126285"/>
+            <a:ext cx="6324213" cy="6047874"/>
           </a:xfrm>
           <a:prstGeom prst="rect">
             <a:avLst/>
           </a:prstGeom>
-          <a:noFill/>
-          <a:extLst>
-            <a:ext uri="{909E8E84-426E-40DD-AFC4-6F175D3DCCD1}">
-              <a14:hiddenFill xmlns:a14="http://schemas.microsoft.com/office/drawing/2010/main">
-                <a:solidFill>
-                  <a:srgbClr val="FFFFFF"/>
-                </a:solidFill>
-              </a14:hiddenFill>
-            </a:ext>
-          </a:extLst>
         </p:spPr>
       </p:pic>
       <p:sp>
         <p:nvSpPr>
-          <p:cNvPr id="2" name="TextBox 1">
-            <a:extLst>
-              <a:ext uri="{FF2B5EF4-FFF2-40B4-BE49-F238E27FC236}">
-                <a16:creationId xmlns:a16="http://schemas.microsoft.com/office/drawing/2014/main" id="{1EC3A14A-A137-4D8D-A0F1-C90B271FC582}"/>
-              </a:ext>
-            </a:extLst>
-          </p:cNvPr>
-          <p:cNvSpPr txBox="1"/>
-          <p:nvPr/>
-        </p:nvSpPr>
-        <p:spPr>
-          <a:xfrm>
-            <a:off x="862515" y="4479235"/>
-            <a:ext cx="5233485" cy="1231106"/>
+          <p:cNvPr id="3" name="Rectangle 2">
+            <a:extLst>
+              <a:ext uri="{FF2B5EF4-FFF2-40B4-BE49-F238E27FC236}">
+                <a16:creationId xmlns:a16="http://schemas.microsoft.com/office/drawing/2014/main" id="{A98D4577-E2BA-4CA7-BEF7-C61B6E59F11E}"/>
+              </a:ext>
+            </a:extLst>
+          </p:cNvPr>
+          <p:cNvSpPr/>
+          <p:nvPr/>
+        </p:nvSpPr>
+        <p:spPr>
+          <a:xfrm>
+            <a:off x="1620252" y="6362383"/>
+            <a:ext cx="11197389" cy="369332"/>
           </a:xfrm>
           <a:prstGeom prst="rect">
             <a:avLst/>
           </a:prstGeom>
-          <a:noFill/>
-        </p:spPr>
-        <p:txBody>
-          <a:bodyPr wrap="none" rtlCol="0">
+        </p:spPr>
+        <p:txBody>
+          <a:bodyPr wrap="square">
             <a:spAutoFit/>
           </a:bodyPr>
           <a:lstStyle/>
           <a:p>
-            <a:pPr algn="ctr"/>
-            <a:r>
-              <a:rPr lang="en-US" sz="2800" dirty="0"/>
-              <a:t>Alberto Cairo</a:t>
-            </a:r>
-          </a:p>
-          <a:p>
-            <a:pPr algn="ctr"/>
-            <a:r>
-              <a:rPr lang="en-US" sz="2800" dirty="0">
+            <a:r>
+              <a:rPr lang="en-US" dirty="0">
                 <a:hlinkClick r:id="rId3"/>
               </a:rPr>
-              <a:t>http://www.thefunctionalart.com/</a:t>
-            </a:r>
-            <a:endParaRPr lang="en-US" sz="2800" dirty="0"/>
-          </a:p>
-          <a:p>
-            <a:pPr algn="ctr"/>
-            <a:endParaRPr lang="en-US" dirty="0"/>
-          </a:p>
-        </p:txBody>
-      </p:sp>
-      <p:pic>
-        <p:nvPicPr>
-          <p:cNvPr id="4" name="Picture 8" descr="Image result for alberto cairo truthful art">
-            <a:extLst>
-              <a:ext uri="{FF2B5EF4-FFF2-40B4-BE49-F238E27FC236}">
-                <a16:creationId xmlns:a16="http://schemas.microsoft.com/office/drawing/2014/main" id="{B4661703-AFE8-414F-A243-BF74ECE8F28B}"/>
-              </a:ext>
-            </a:extLst>
-          </p:cNvPr>
-          <p:cNvPicPr>
-            <a:picLocks noChangeAspect="1" noChangeArrowheads="1"/>
-          </p:cNvPicPr>
-          <p:nvPr/>
-        </p:nvPicPr>
-        <p:blipFill>
-          <a:blip r:embed="rId4">
-            <a:extLst>
-              <a:ext uri="{28A0092B-C50C-407E-A947-70E740481C1C}">
-                <a14:useLocalDpi xmlns:a14="http://schemas.microsoft.com/office/drawing/2010/main" val="0"/>
-              </a:ext>
-            </a:extLst>
-          </a:blip>
-          <a:srcRect/>
-          <a:stretch>
-            <a:fillRect/>
-          </a:stretch>
-        </p:blipFill>
-        <p:spPr bwMode="auto">
-          <a:xfrm>
-            <a:off x="8071796" y="1062935"/>
-            <a:ext cx="2967266" cy="3806338"/>
-          </a:xfrm>
-          <a:prstGeom prst="rect">
-            <a:avLst/>
-          </a:prstGeom>
-          <a:noFill/>
-          <a:extLst>
-            <a:ext uri="{909E8E84-426E-40DD-AFC4-6F175D3DCCD1}">
-              <a14:hiddenFill xmlns:a14="http://schemas.microsoft.com/office/drawing/2010/main">
-                <a:solidFill>
-                  <a:srgbClr val="FFFFFF"/>
-                </a:solidFill>
-              </a14:hiddenFill>
-            </a:ext>
-          </a:extLst>
-        </p:spPr>
-      </p:pic>
+              <a:t>https://www.nytimes.com/interactive/2017/your-money/student-loan-repayment-calculator.html</a:t>
+            </a:r>
+            <a:r>
+              <a:rPr lang="en-US" dirty="0"/>
+              <a:t> </a:t>
+            </a:r>
+          </a:p>
+        </p:txBody>
+      </p:sp>
     </p:spTree>
     <p:extLst>
       <p:ext uri="{BB962C8B-B14F-4D97-AF65-F5344CB8AC3E}">
-        <p14:creationId xmlns:p14="http://schemas.microsoft.com/office/powerpoint/2010/main" val="4034176637"/>
+        <p14:creationId xmlns:p14="http://schemas.microsoft.com/office/powerpoint/2010/main" val="3949031893"/>
       </p:ext>
     </p:extLst>
   </p:cSld>
@@ -31276,123 +30998,159 @@
       </p:grpSpPr>
       <p:sp>
         <p:nvSpPr>
-          <p:cNvPr id="2" name="Title 1">
-            <a:extLst>
-              <a:ext uri="{FF2B5EF4-FFF2-40B4-BE49-F238E27FC236}">
-                <a16:creationId xmlns:a16="http://schemas.microsoft.com/office/drawing/2014/main" id="{9E9C84F2-FDAE-43D0-A4E2-63C25373933F}"/>
-              </a:ext>
-            </a:extLst>
-          </p:cNvPr>
-          <p:cNvSpPr>
-            <a:spLocks noGrp="1"/>
-          </p:cNvSpPr>
-          <p:nvPr>
-            <p:ph type="title"/>
-          </p:nvPr>
-        </p:nvSpPr>
-        <p:spPr/>
-        <p:txBody>
-          <a:bodyPr/>
-          <a:lstStyle/>
-          <a:p>
-            <a:r>
-              <a:rPr lang="en-US" dirty="0"/>
-              <a:t>The five qualities of great visualizations</a:t>
-            </a:r>
-          </a:p>
-        </p:txBody>
-      </p:sp>
-      <p:sp>
-        <p:nvSpPr>
-          <p:cNvPr id="3" name="Content Placeholder 2">
-            <a:extLst>
-              <a:ext uri="{FF2B5EF4-FFF2-40B4-BE49-F238E27FC236}">
-                <a16:creationId xmlns:a16="http://schemas.microsoft.com/office/drawing/2014/main" id="{6B770A2D-33DC-4E3E-BB45-4C6082D4E55C}"/>
-              </a:ext>
-            </a:extLst>
-          </p:cNvPr>
-          <p:cNvSpPr>
-            <a:spLocks noGrp="1"/>
-          </p:cNvSpPr>
-          <p:nvPr>
-            <p:ph idx="1"/>
-          </p:nvPr>
-        </p:nvSpPr>
-        <p:spPr/>
-        <p:txBody>
-          <a:bodyPr/>
-          <a:lstStyle/>
-          <a:p>
-            <a:pPr marL="0" indent="0">
-              <a:buNone/>
+          <p:cNvPr id="2" name="Rectangle 1">
+            <a:extLst>
+              <a:ext uri="{FF2B5EF4-FFF2-40B4-BE49-F238E27FC236}">
+                <a16:creationId xmlns:a16="http://schemas.microsoft.com/office/drawing/2014/main" id="{61A853AD-B42A-417A-81ED-6E8EEBB5C73A}"/>
+              </a:ext>
+            </a:extLst>
+          </p:cNvPr>
+          <p:cNvSpPr/>
+          <p:nvPr/>
+        </p:nvSpPr>
+        <p:spPr>
+          <a:xfrm>
+            <a:off x="641684" y="997350"/>
+            <a:ext cx="7876674" cy="4524315"/>
+          </a:xfrm>
+          <a:prstGeom prst="rect">
+            <a:avLst/>
+          </a:prstGeom>
+        </p:spPr>
+        <p:txBody>
+          <a:bodyPr wrap="square">
+            <a:spAutoFit/>
+          </a:bodyPr>
+          <a:lstStyle/>
+          <a:p>
+            <a:pPr fontAlgn="base"/>
+            <a:r>
+              <a:rPr lang="en-US" sz="3600" i="1" dirty="0"/>
+              <a:t>What do you do when you have a lot of data? What if you don’t have a lot of time to poke at a dataset? How should you visualize your data? Here’s what you can do.</a:t>
+            </a:r>
+          </a:p>
+          <a:p>
+            <a:pPr marL="571500" indent="-571500" fontAlgn="base">
+              <a:buFont typeface="Arial" panose="020B0604020202020204" pitchFamily="34" charset="0"/>
+              <a:buChar char="•"/>
             </a:pPr>
+            <a:r>
+              <a:rPr lang="en-US" sz="3600" i="1" dirty="0"/>
+              <a:t>Ask the data questions.</a:t>
+            </a:r>
+          </a:p>
+          <a:p>
+            <a:pPr marL="571500" indent="-571500" fontAlgn="base">
+              <a:buFont typeface="Arial" panose="020B0604020202020204" pitchFamily="34" charset="0"/>
+              <a:buChar char="•"/>
+            </a:pPr>
+            <a:r>
+              <a:rPr lang="en-US" sz="3600" i="1" dirty="0"/>
+              <a:t>Start with the visualization basics.</a:t>
+            </a:r>
+          </a:p>
+          <a:p>
+            <a:pPr marL="571500" indent="-571500" fontAlgn="base">
+              <a:buFont typeface="Arial" panose="020B0604020202020204" pitchFamily="34" charset="0"/>
+              <a:buChar char="•"/>
+            </a:pPr>
+            <a:r>
+              <a:rPr lang="en-US" sz="3600" i="1" dirty="0"/>
+              <a:t>Focus.</a:t>
+            </a:r>
+          </a:p>
+        </p:txBody>
+      </p:sp>
+      <p:sp>
+        <p:nvSpPr>
+          <p:cNvPr id="3" name="Rectangle 2">
+            <a:extLst>
+              <a:ext uri="{FF2B5EF4-FFF2-40B4-BE49-F238E27FC236}">
+                <a16:creationId xmlns:a16="http://schemas.microsoft.com/office/drawing/2014/main" id="{7406271C-A618-4172-B77E-B0DCCD9C5F73}"/>
+              </a:ext>
+            </a:extLst>
+          </p:cNvPr>
+          <p:cNvSpPr/>
+          <p:nvPr/>
+        </p:nvSpPr>
+        <p:spPr>
+          <a:xfrm>
+            <a:off x="2791325" y="5913203"/>
+            <a:ext cx="6866021" cy="369332"/>
+          </a:xfrm>
+          <a:prstGeom prst="rect">
+            <a:avLst/>
+          </a:prstGeom>
+        </p:spPr>
+        <p:txBody>
+          <a:bodyPr wrap="square">
+            <a:spAutoFit/>
+          </a:bodyPr>
+          <a:lstStyle/>
+          <a:p>
+            <a:r>
+              <a:rPr lang="en-US" dirty="0">
+                <a:hlinkClick r:id="rId2"/>
+              </a:rPr>
+              <a:t>https://flowingdata.com/2017/01/24/one-dataset-visualized-25-ways/</a:t>
+            </a:r>
             <a:endParaRPr lang="en-US" dirty="0"/>
           </a:p>
-          <a:p>
-            <a:pPr marL="0" indent="0">
-              <a:buNone/>
-            </a:pPr>
-            <a:endParaRPr lang="en-US" dirty="0"/>
-          </a:p>
-          <a:p>
-            <a:pPr marL="514350" indent="-514350">
-              <a:buAutoNum type="arabicPeriod"/>
-            </a:pPr>
-            <a:r>
-              <a:rPr lang="en-US" dirty="0"/>
-              <a:t>Truthful</a:t>
-            </a:r>
-          </a:p>
-          <a:p>
-            <a:pPr marL="514350" indent="-514350">
-              <a:buAutoNum type="arabicPeriod"/>
-            </a:pPr>
-            <a:r>
-              <a:rPr lang="en-US" dirty="0"/>
-              <a:t>Functional</a:t>
-            </a:r>
-          </a:p>
-          <a:p>
-            <a:pPr marL="514350" indent="-514350">
-              <a:buAutoNum type="arabicPeriod"/>
-            </a:pPr>
-            <a:r>
-              <a:rPr lang="en-US" dirty="0"/>
-              <a:t>Beautiful</a:t>
-            </a:r>
-          </a:p>
-          <a:p>
-            <a:pPr marL="514350" indent="-514350">
-              <a:buAutoNum type="arabicPeriod"/>
-            </a:pPr>
-            <a:r>
-              <a:rPr lang="en-US" dirty="0"/>
-              <a:t>Insightful</a:t>
-            </a:r>
-          </a:p>
-          <a:p>
-            <a:pPr marL="514350" indent="-514350">
-              <a:buAutoNum type="arabicPeriod"/>
-            </a:pPr>
-            <a:r>
-              <a:rPr lang="en-US" dirty="0"/>
-              <a:t>Enlightening</a:t>
-            </a:r>
-          </a:p>
-          <a:p>
-            <a:pPr marL="0" indent="0">
-              <a:buNone/>
-            </a:pPr>
-            <a:endParaRPr lang="en-US" dirty="0"/>
-          </a:p>
-        </p:txBody>
-      </p:sp>
+        </p:txBody>
+      </p:sp>
+      <p:pic>
+        <p:nvPicPr>
+          <p:cNvPr id="2050" name="Picture 2" descr="Image result for nathan yau">
+            <a:extLst>
+              <a:ext uri="{FF2B5EF4-FFF2-40B4-BE49-F238E27FC236}">
+                <a16:creationId xmlns:a16="http://schemas.microsoft.com/office/drawing/2014/main" id="{7C9C2FED-63E2-4EEC-8ECC-95D467A848DC}"/>
+              </a:ext>
+            </a:extLst>
+          </p:cNvPr>
+          <p:cNvPicPr>
+            <a:picLocks noChangeAspect="1" noChangeArrowheads="1"/>
+          </p:cNvPicPr>
+          <p:nvPr/>
+        </p:nvPicPr>
+        <p:blipFill>
+          <a:blip r:embed="rId3">
+            <a:extLst>
+              <a:ext uri="{28A0092B-C50C-407E-A947-70E740481C1C}">
+                <a14:useLocalDpi xmlns:a14="http://schemas.microsoft.com/office/drawing/2010/main" val="0"/>
+              </a:ext>
+            </a:extLst>
+          </a:blip>
+          <a:srcRect/>
+          <a:stretch>
+            <a:fillRect/>
+          </a:stretch>
+        </p:blipFill>
+        <p:spPr bwMode="auto">
+          <a:xfrm>
+            <a:off x="8793831" y="1267325"/>
+            <a:ext cx="2903622" cy="2903622"/>
+          </a:xfrm>
+          <a:prstGeom prst="rect">
+            <a:avLst/>
+          </a:prstGeom>
+          <a:noFill/>
+          <a:extLst>
+            <a:ext uri="{909E8E84-426E-40DD-AFC4-6F175D3DCCD1}">
+              <a14:hiddenFill xmlns:a14="http://schemas.microsoft.com/office/drawing/2010/main">
+                <a:solidFill>
+                  <a:srgbClr val="FFFFFF"/>
+                </a:solidFill>
+              </a14:hiddenFill>
+            </a:ext>
+          </a:extLst>
+        </p:spPr>
+      </p:pic>
       <p:sp>
         <p:nvSpPr>
           <p:cNvPr id="4" name="TextBox 3">
             <a:extLst>
               <a:ext uri="{FF2B5EF4-FFF2-40B4-BE49-F238E27FC236}">
-                <a16:creationId xmlns:a16="http://schemas.microsoft.com/office/drawing/2014/main" id="{25D1F1AF-A87D-481F-ADA0-68FAB58E4F98}"/>
+                <a16:creationId xmlns:a16="http://schemas.microsoft.com/office/drawing/2014/main" id="{4FB20CA6-74E0-4F45-99D9-2DE7BD09FA52}"/>
               </a:ext>
             </a:extLst>
           </p:cNvPr>
@@ -31401,8 +31159,8 @@
         </p:nvSpPr>
         <p:spPr>
           <a:xfrm>
-            <a:off x="838200" y="6123543"/>
-            <a:ext cx="3584315" cy="369332"/>
+            <a:off x="9617713" y="4377819"/>
+            <a:ext cx="1255857" cy="369332"/>
           </a:xfrm>
           <a:prstGeom prst="rect">
             <a:avLst/>
@@ -31417,15 +31175,7 @@
           <a:p>
             <a:r>
               <a:rPr lang="en-US" dirty="0"/>
-              <a:t>Alberto Cairo, </a:t>
-            </a:r>
-            <a:r>
-              <a:rPr lang="en-US" i="1" dirty="0"/>
-              <a:t>The Truthful Art, </a:t>
-            </a:r>
-            <a:r>
-              <a:rPr lang="en-US" dirty="0"/>
-              <a:t>Ch 2.</a:t>
+              <a:t>Nathan Yau</a:t>
             </a:r>
           </a:p>
         </p:txBody>
@@ -31433,7 +31183,7 @@
     </p:spTree>
     <p:extLst>
       <p:ext uri="{BB962C8B-B14F-4D97-AF65-F5344CB8AC3E}">
-        <p14:creationId xmlns:p14="http://schemas.microsoft.com/office/powerpoint/2010/main" val="3195362655"/>
+        <p14:creationId xmlns:p14="http://schemas.microsoft.com/office/powerpoint/2010/main" val="1601921137"/>
       </p:ext>
     </p:extLst>
   </p:cSld>
@@ -31462,188 +31212,212 @@
       </p:grpSpPr>
       <p:sp>
         <p:nvSpPr>
-          <p:cNvPr id="2" name="Title 1">
-            <a:extLst>
-              <a:ext uri="{FF2B5EF4-FFF2-40B4-BE49-F238E27FC236}">
-                <a16:creationId xmlns:a16="http://schemas.microsoft.com/office/drawing/2014/main" id="{9563BD25-A977-4572-8AFB-D37F6F35ACF0}"/>
-              </a:ext>
-            </a:extLst>
-          </p:cNvPr>
-          <p:cNvSpPr>
-            <a:spLocks noGrp="1"/>
-          </p:cNvSpPr>
-          <p:nvPr>
-            <p:ph type="title"/>
-          </p:nvPr>
-        </p:nvSpPr>
-        <p:spPr/>
-        <p:txBody>
-          <a:bodyPr>
-            <a:normAutofit/>
+          <p:cNvPr id="2" name="Rectangle 1">
+            <a:extLst>
+              <a:ext uri="{FF2B5EF4-FFF2-40B4-BE49-F238E27FC236}">
+                <a16:creationId xmlns:a16="http://schemas.microsoft.com/office/drawing/2014/main" id="{61A853AD-B42A-417A-81ED-6E8EEBB5C73A}"/>
+              </a:ext>
+            </a:extLst>
+          </p:cNvPr>
+          <p:cNvSpPr/>
+          <p:nvPr/>
+        </p:nvSpPr>
+        <p:spPr>
+          <a:xfrm>
+            <a:off x="641684" y="997350"/>
+            <a:ext cx="7652084" cy="5262979"/>
+          </a:xfrm>
+          <a:prstGeom prst="rect">
+            <a:avLst/>
+          </a:prstGeom>
+        </p:spPr>
+        <p:txBody>
+          <a:bodyPr wrap="square">
+            <a:spAutoFit/>
           </a:bodyPr>
           <a:lstStyle/>
           <a:p>
-            <a:r>
-              <a:rPr lang="en-US" sz="5400" dirty="0"/>
-              <a:t>1. Truthful</a:t>
-            </a:r>
-          </a:p>
-        </p:txBody>
-      </p:sp>
-      <p:sp>
-        <p:nvSpPr>
-          <p:cNvPr id="3" name="Content Placeholder 2">
-            <a:extLst>
-              <a:ext uri="{FF2B5EF4-FFF2-40B4-BE49-F238E27FC236}">
-                <a16:creationId xmlns:a16="http://schemas.microsoft.com/office/drawing/2014/main" id="{8B0DBFB5-F5BD-456B-A22D-7BA52F038458}"/>
-              </a:ext>
-            </a:extLst>
-          </p:cNvPr>
-          <p:cNvSpPr>
-            <a:spLocks noGrp="1"/>
-          </p:cNvSpPr>
-          <p:nvPr>
-            <p:ph idx="1"/>
-          </p:nvPr>
-        </p:nvSpPr>
-        <p:spPr/>
-        <p:txBody>
-          <a:bodyPr>
-            <a:normAutofit/>
+            <a:pPr fontAlgn="base"/>
+            <a:r>
+              <a:rPr lang="en-US" sz="2400" i="1" dirty="0">
+                <a:solidFill>
+                  <a:srgbClr val="333333"/>
+                </a:solidFill>
+                <a:latin typeface="Mercury SSm A"/>
+              </a:rPr>
+              <a:t>As you learn more, you get more choices, which in itself can be a challenge. Resist the temptation to add so many things to your visualization that it obscures the original purpose.</a:t>
+            </a:r>
+          </a:p>
+          <a:p>
+            <a:pPr fontAlgn="base"/>
+            <a:r>
+              <a:rPr lang="en-US" sz="2400" i="1" dirty="0">
+                <a:solidFill>
+                  <a:srgbClr val="333333"/>
+                </a:solidFill>
+                <a:latin typeface="Mercury SSm A"/>
+              </a:rPr>
+              <a:t>That said, don’t use this as an excuse to resist trying new things. You won’t know how far you should go until you’ve gone too far.</a:t>
+            </a:r>
+          </a:p>
+          <a:p>
+            <a:pPr fontAlgn="base"/>
+            <a:endParaRPr lang="en-US" sz="2400" i="1" dirty="0">
+              <a:solidFill>
+                <a:srgbClr val="333333"/>
+              </a:solidFill>
+              <a:latin typeface="Mercury SSm A"/>
+            </a:endParaRPr>
+          </a:p>
+          <a:p>
+            <a:pPr fontAlgn="base"/>
+            <a:r>
+              <a:rPr lang="en-US" sz="2400" i="1" dirty="0">
+                <a:solidFill>
+                  <a:srgbClr val="333333"/>
+                </a:solidFill>
+                <a:latin typeface="Mercury SSm A"/>
+              </a:rPr>
+              <a:t>Iterate.</a:t>
+            </a:r>
+          </a:p>
+          <a:p>
+            <a:pPr fontAlgn="base"/>
+            <a:endParaRPr lang="en-US" sz="2400" i="1" dirty="0">
+              <a:solidFill>
+                <a:srgbClr val="333333"/>
+              </a:solidFill>
+              <a:latin typeface="Mercury SSm A"/>
+            </a:endParaRPr>
+          </a:p>
+          <a:p>
+            <a:pPr fontAlgn="base"/>
+            <a:r>
+              <a:rPr lang="en-US" sz="2400" i="1" dirty="0">
+                <a:solidFill>
+                  <a:srgbClr val="333333"/>
+                </a:solidFill>
+                <a:latin typeface="Mercury SSm A"/>
+              </a:rPr>
+              <a:t>Practice.</a:t>
+            </a:r>
+          </a:p>
+          <a:p>
+            <a:pPr fontAlgn="base"/>
+            <a:endParaRPr lang="en-US" sz="2400" i="1" dirty="0">
+              <a:solidFill>
+                <a:srgbClr val="333333"/>
+              </a:solidFill>
+              <a:latin typeface="Mercury SSm A"/>
+            </a:endParaRPr>
+          </a:p>
+          <a:p>
+            <a:pPr fontAlgn="base"/>
+            <a:r>
+              <a:rPr lang="en-US" sz="2400" i="1" dirty="0">
+                <a:solidFill>
+                  <a:srgbClr val="333333"/>
+                </a:solidFill>
+                <a:latin typeface="Mercury SSm A"/>
+              </a:rPr>
+              <a:t>Then let the data speak.</a:t>
+            </a:r>
+          </a:p>
+          <a:p>
+            <a:pPr fontAlgn="base"/>
+            <a:endParaRPr lang="en-US" sz="2400" i="1" dirty="0">
+              <a:solidFill>
+                <a:srgbClr val="333333"/>
+              </a:solidFill>
+              <a:latin typeface="Mercury SSm A"/>
+            </a:endParaRPr>
+          </a:p>
+          <a:p>
+            <a:pPr fontAlgn="base"/>
+            <a:r>
+              <a:rPr lang="en-US" sz="2400" b="0" dirty="0">
+                <a:solidFill>
+                  <a:srgbClr val="333333"/>
+                </a:solidFill>
+                <a:effectLst/>
+                <a:latin typeface="Mercury SSm A"/>
+              </a:rPr>
+              <a:t>-Nathan Yau</a:t>
+            </a:r>
+          </a:p>
+        </p:txBody>
+      </p:sp>
+      <p:sp>
+        <p:nvSpPr>
+          <p:cNvPr id="3" name="Rectangle 2">
+            <a:extLst>
+              <a:ext uri="{FF2B5EF4-FFF2-40B4-BE49-F238E27FC236}">
+                <a16:creationId xmlns:a16="http://schemas.microsoft.com/office/drawing/2014/main" id="{7406271C-A618-4172-B77E-B0DCCD9C5F73}"/>
+              </a:ext>
+            </a:extLst>
+          </p:cNvPr>
+          <p:cNvSpPr/>
+          <p:nvPr/>
+        </p:nvSpPr>
+        <p:spPr>
+          <a:xfrm>
+            <a:off x="2823409" y="6260329"/>
+            <a:ext cx="6866021" cy="369332"/>
+          </a:xfrm>
+          <a:prstGeom prst="rect">
+            <a:avLst/>
+          </a:prstGeom>
+        </p:spPr>
+        <p:txBody>
+          <a:bodyPr wrap="square">
+            <a:spAutoFit/>
           </a:bodyPr>
           <a:lstStyle/>
           <a:p>
-            <a:pPr marL="0" indent="0">
-              <a:buNone/>
-            </a:pPr>
-            <a:endParaRPr lang="en-US" sz="3600" dirty="0"/>
-          </a:p>
-          <a:p>
-            <a:pPr marL="0" indent="0">
-              <a:buNone/>
-            </a:pPr>
-            <a:endParaRPr lang="en-US" sz="3600" dirty="0"/>
-          </a:p>
-          <a:p>
-            <a:pPr marL="0" indent="0" algn="ctr">
-              <a:buNone/>
-            </a:pPr>
-            <a:r>
-              <a:rPr lang="en-US" sz="4800" dirty="0"/>
-              <a:t>Is the visualization based on thorough and honest research?</a:t>
-            </a:r>
-          </a:p>
-        </p:txBody>
-      </p:sp>
+            <a:r>
+              <a:rPr lang="en-US" dirty="0">
+                <a:hlinkClick r:id="rId2"/>
+              </a:rPr>
+              <a:t>https://flowingdata.com/2017/01/24/one-dataset-visualized-25-ways/</a:t>
+            </a:r>
+            <a:endParaRPr lang="en-US" dirty="0"/>
+          </a:p>
+        </p:txBody>
+      </p:sp>
+      <p:pic>
+        <p:nvPicPr>
+          <p:cNvPr id="5" name="Picture 4">
+            <a:extLst>
+              <a:ext uri="{FF2B5EF4-FFF2-40B4-BE49-F238E27FC236}">
+                <a16:creationId xmlns:a16="http://schemas.microsoft.com/office/drawing/2014/main" id="{F2F66502-2C02-456E-B08A-C5579D93A781}"/>
+              </a:ext>
+            </a:extLst>
+          </p:cNvPr>
+          <p:cNvPicPr>
+            <a:picLocks noChangeAspect="1"/>
+          </p:cNvPicPr>
+          <p:nvPr/>
+        </p:nvPicPr>
+        <p:blipFill>
+          <a:blip r:embed="rId3"/>
+          <a:stretch>
+            <a:fillRect/>
+          </a:stretch>
+        </p:blipFill>
+        <p:spPr>
+          <a:xfrm>
+            <a:off x="8518358" y="997350"/>
+            <a:ext cx="3485992" cy="3366103"/>
+          </a:xfrm>
+          <a:prstGeom prst="rect">
+            <a:avLst/>
+          </a:prstGeom>
+        </p:spPr>
+      </p:pic>
     </p:spTree>
     <p:extLst>
       <p:ext uri="{BB962C8B-B14F-4D97-AF65-F5344CB8AC3E}">
-        <p14:creationId xmlns:p14="http://schemas.microsoft.com/office/powerpoint/2010/main" val="2426318119"/>
-      </p:ext>
-    </p:extLst>
-  </p:cSld>
-  <p:clrMapOvr>
-    <a:masterClrMapping/>
-  </p:clrMapOvr>
-</p:sld>
-</file>
-
-<file path=ppt/slides/slide59.xml><?xml version="1.0" encoding="utf-8"?>
-<p:sld xmlns:a="http://schemas.openxmlformats.org/drawingml/2006/main" xmlns:r="http://schemas.openxmlformats.org/officeDocument/2006/relationships" xmlns:p="http://schemas.openxmlformats.org/presentationml/2006/main">
-  <p:cSld>
-    <p:spTree>
-      <p:nvGrpSpPr>
-        <p:cNvPr id="1" name=""/>
-        <p:cNvGrpSpPr/>
-        <p:nvPr/>
-      </p:nvGrpSpPr>
-      <p:grpSpPr>
-        <a:xfrm>
-          <a:off x="0" y="0"/>
-          <a:ext cx="0" cy="0"/>
-          <a:chOff x="0" y="0"/>
-          <a:chExt cx="0" cy="0"/>
-        </a:xfrm>
-      </p:grpSpPr>
-      <p:sp>
-        <p:nvSpPr>
-          <p:cNvPr id="2" name="Title 1">
-            <a:extLst>
-              <a:ext uri="{FF2B5EF4-FFF2-40B4-BE49-F238E27FC236}">
-                <a16:creationId xmlns:a16="http://schemas.microsoft.com/office/drawing/2014/main" id="{9563BD25-A977-4572-8AFB-D37F6F35ACF0}"/>
-              </a:ext>
-            </a:extLst>
-          </p:cNvPr>
-          <p:cNvSpPr>
-            <a:spLocks noGrp="1"/>
-          </p:cNvSpPr>
-          <p:nvPr>
-            <p:ph type="title"/>
-          </p:nvPr>
-        </p:nvSpPr>
-        <p:spPr/>
-        <p:txBody>
-          <a:bodyPr>
-            <a:normAutofit/>
-          </a:bodyPr>
-          <a:lstStyle/>
-          <a:p>
-            <a:r>
-              <a:rPr lang="en-US" sz="5400" dirty="0"/>
-              <a:t>2. Functional</a:t>
-            </a:r>
-          </a:p>
-        </p:txBody>
-      </p:sp>
-      <p:sp>
-        <p:nvSpPr>
-          <p:cNvPr id="3" name="Content Placeholder 2">
-            <a:extLst>
-              <a:ext uri="{FF2B5EF4-FFF2-40B4-BE49-F238E27FC236}">
-                <a16:creationId xmlns:a16="http://schemas.microsoft.com/office/drawing/2014/main" id="{8B0DBFB5-F5BD-456B-A22D-7BA52F038458}"/>
-              </a:ext>
-            </a:extLst>
-          </p:cNvPr>
-          <p:cNvSpPr>
-            <a:spLocks noGrp="1"/>
-          </p:cNvSpPr>
-          <p:nvPr>
-            <p:ph idx="1"/>
-          </p:nvPr>
-        </p:nvSpPr>
-        <p:spPr/>
-        <p:txBody>
-          <a:bodyPr>
-            <a:normAutofit/>
-          </a:bodyPr>
-          <a:lstStyle/>
-          <a:p>
-            <a:pPr marL="0" indent="0">
-              <a:buNone/>
-            </a:pPr>
-            <a:endParaRPr lang="en-US" sz="3600" dirty="0"/>
-          </a:p>
-          <a:p>
-            <a:pPr marL="0" indent="0">
-              <a:buNone/>
-            </a:pPr>
-            <a:endParaRPr lang="en-US" sz="3600" dirty="0"/>
-          </a:p>
-          <a:p>
-            <a:pPr marL="0" indent="0" algn="ctr">
-              <a:buNone/>
-            </a:pPr>
-            <a:r>
-              <a:rPr lang="en-US" sz="4800" dirty="0"/>
-              <a:t>Does the visualization facilitate meaningful comparisons?</a:t>
-            </a:r>
-          </a:p>
-        </p:txBody>
-      </p:sp>
-    </p:spTree>
-    <p:extLst>
-      <p:ext uri="{BB962C8B-B14F-4D97-AF65-F5344CB8AC3E}">
-        <p14:creationId xmlns:p14="http://schemas.microsoft.com/office/powerpoint/2010/main" val="1894806552"/>
+        <p14:creationId xmlns:p14="http://schemas.microsoft.com/office/powerpoint/2010/main" val="4060304696"/>
       </p:ext>
     </p:extLst>
   </p:cSld>
@@ -31863,1193 +31637,6 @@
   <p:clrMapOvr>
     <a:masterClrMapping/>
   </p:clrMapOvr>
-  <mc:AlternateContent xmlns:mc="http://schemas.openxmlformats.org/markup-compatibility/2006" xmlns:p14="http://schemas.microsoft.com/office/powerpoint/2010/main">
-    <mc:Choice Requires="p14">
-      <p:transition spd="med" p14:dur="700">
-        <p:fade/>
-      </p:transition>
-    </mc:Choice>
-    <mc:Fallback xmlns="">
-      <p:transition spd="med">
-        <p:fade/>
-      </p:transition>
-    </mc:Fallback>
-  </mc:AlternateContent>
-</p:sld>
-</file>
-
-<file path=ppt/slides/slide60.xml><?xml version="1.0" encoding="utf-8"?>
-<p:sld xmlns:a="http://schemas.openxmlformats.org/drawingml/2006/main" xmlns:r="http://schemas.openxmlformats.org/officeDocument/2006/relationships" xmlns:p="http://schemas.openxmlformats.org/presentationml/2006/main">
-  <p:cSld>
-    <p:spTree>
-      <p:nvGrpSpPr>
-        <p:cNvPr id="1" name=""/>
-        <p:cNvGrpSpPr/>
-        <p:nvPr/>
-      </p:nvGrpSpPr>
-      <p:grpSpPr>
-        <a:xfrm>
-          <a:off x="0" y="0"/>
-          <a:ext cx="0" cy="0"/>
-          <a:chOff x="0" y="0"/>
-          <a:chExt cx="0" cy="0"/>
-        </a:xfrm>
-      </p:grpSpPr>
-      <p:sp>
-        <p:nvSpPr>
-          <p:cNvPr id="2" name="Title 1">
-            <a:extLst>
-              <a:ext uri="{FF2B5EF4-FFF2-40B4-BE49-F238E27FC236}">
-                <a16:creationId xmlns:a16="http://schemas.microsoft.com/office/drawing/2014/main" id="{9563BD25-A977-4572-8AFB-D37F6F35ACF0}"/>
-              </a:ext>
-            </a:extLst>
-          </p:cNvPr>
-          <p:cNvSpPr>
-            <a:spLocks noGrp="1"/>
-          </p:cNvSpPr>
-          <p:nvPr>
-            <p:ph type="title"/>
-          </p:nvPr>
-        </p:nvSpPr>
-        <p:spPr/>
-        <p:txBody>
-          <a:bodyPr>
-            <a:normAutofit/>
-          </a:bodyPr>
-          <a:lstStyle/>
-          <a:p>
-            <a:r>
-              <a:rPr lang="en-US" sz="5400" dirty="0"/>
-              <a:t>3.  Beautiful</a:t>
-            </a:r>
-          </a:p>
-        </p:txBody>
-      </p:sp>
-      <p:sp>
-        <p:nvSpPr>
-          <p:cNvPr id="3" name="Content Placeholder 2">
-            <a:extLst>
-              <a:ext uri="{FF2B5EF4-FFF2-40B4-BE49-F238E27FC236}">
-                <a16:creationId xmlns:a16="http://schemas.microsoft.com/office/drawing/2014/main" id="{8B0DBFB5-F5BD-456B-A22D-7BA52F038458}"/>
-              </a:ext>
-            </a:extLst>
-          </p:cNvPr>
-          <p:cNvSpPr>
-            <a:spLocks noGrp="1"/>
-          </p:cNvSpPr>
-          <p:nvPr>
-            <p:ph idx="1"/>
-          </p:nvPr>
-        </p:nvSpPr>
-        <p:spPr/>
-        <p:txBody>
-          <a:bodyPr>
-            <a:normAutofit/>
-          </a:bodyPr>
-          <a:lstStyle/>
-          <a:p>
-            <a:pPr marL="0" indent="0">
-              <a:buNone/>
-            </a:pPr>
-            <a:endParaRPr lang="en-US" sz="3600" dirty="0"/>
-          </a:p>
-          <a:p>
-            <a:pPr marL="0" indent="0">
-              <a:buNone/>
-            </a:pPr>
-            <a:endParaRPr lang="en-US" sz="3600" dirty="0"/>
-          </a:p>
-          <a:p>
-            <a:pPr marL="0" indent="0" algn="ctr">
-              <a:buNone/>
-            </a:pPr>
-            <a:r>
-              <a:rPr lang="en-US" sz="4800" dirty="0"/>
-              <a:t>Is it attractive, intriguing, and aesthetically pleasing?</a:t>
-            </a:r>
-          </a:p>
-        </p:txBody>
-      </p:sp>
-    </p:spTree>
-    <p:extLst>
-      <p:ext uri="{BB962C8B-B14F-4D97-AF65-F5344CB8AC3E}">
-        <p14:creationId xmlns:p14="http://schemas.microsoft.com/office/powerpoint/2010/main" val="1279381024"/>
-      </p:ext>
-    </p:extLst>
-  </p:cSld>
-  <p:clrMapOvr>
-    <a:masterClrMapping/>
-  </p:clrMapOvr>
-</p:sld>
-</file>
-
-<file path=ppt/slides/slide61.xml><?xml version="1.0" encoding="utf-8"?>
-<p:sld xmlns:a="http://schemas.openxmlformats.org/drawingml/2006/main" xmlns:r="http://schemas.openxmlformats.org/officeDocument/2006/relationships" xmlns:p="http://schemas.openxmlformats.org/presentationml/2006/main">
-  <p:cSld>
-    <p:spTree>
-      <p:nvGrpSpPr>
-        <p:cNvPr id="1" name=""/>
-        <p:cNvGrpSpPr/>
-        <p:nvPr/>
-      </p:nvGrpSpPr>
-      <p:grpSpPr>
-        <a:xfrm>
-          <a:off x="0" y="0"/>
-          <a:ext cx="0" cy="0"/>
-          <a:chOff x="0" y="0"/>
-          <a:chExt cx="0" cy="0"/>
-        </a:xfrm>
-      </p:grpSpPr>
-      <p:sp>
-        <p:nvSpPr>
-          <p:cNvPr id="2" name="Title 1">
-            <a:extLst>
-              <a:ext uri="{FF2B5EF4-FFF2-40B4-BE49-F238E27FC236}">
-                <a16:creationId xmlns:a16="http://schemas.microsoft.com/office/drawing/2014/main" id="{9563BD25-A977-4572-8AFB-D37F6F35ACF0}"/>
-              </a:ext>
-            </a:extLst>
-          </p:cNvPr>
-          <p:cNvSpPr>
-            <a:spLocks noGrp="1"/>
-          </p:cNvSpPr>
-          <p:nvPr>
-            <p:ph type="title"/>
-          </p:nvPr>
-        </p:nvSpPr>
-        <p:spPr/>
-        <p:txBody>
-          <a:bodyPr>
-            <a:normAutofit/>
-          </a:bodyPr>
-          <a:lstStyle/>
-          <a:p>
-            <a:r>
-              <a:rPr lang="en-US" sz="5400" dirty="0"/>
-              <a:t>4. Insightful</a:t>
-            </a:r>
-          </a:p>
-        </p:txBody>
-      </p:sp>
-      <p:sp>
-        <p:nvSpPr>
-          <p:cNvPr id="3" name="Content Placeholder 2">
-            <a:extLst>
-              <a:ext uri="{FF2B5EF4-FFF2-40B4-BE49-F238E27FC236}">
-                <a16:creationId xmlns:a16="http://schemas.microsoft.com/office/drawing/2014/main" id="{8B0DBFB5-F5BD-456B-A22D-7BA52F038458}"/>
-              </a:ext>
-            </a:extLst>
-          </p:cNvPr>
-          <p:cNvSpPr>
-            <a:spLocks noGrp="1"/>
-          </p:cNvSpPr>
-          <p:nvPr>
-            <p:ph idx="1"/>
-          </p:nvPr>
-        </p:nvSpPr>
-        <p:spPr/>
-        <p:txBody>
-          <a:bodyPr>
-            <a:normAutofit/>
-          </a:bodyPr>
-          <a:lstStyle/>
-          <a:p>
-            <a:pPr marL="0" indent="0">
-              <a:buNone/>
-            </a:pPr>
-            <a:endParaRPr lang="en-US" sz="3600" dirty="0"/>
-          </a:p>
-          <a:p>
-            <a:pPr marL="0" indent="0">
-              <a:buNone/>
-            </a:pPr>
-            <a:endParaRPr lang="en-US" sz="3600" dirty="0"/>
-          </a:p>
-          <a:p>
-            <a:pPr marL="0" indent="0" algn="ctr">
-              <a:buNone/>
-            </a:pPr>
-            <a:r>
-              <a:rPr lang="en-US" sz="4800" dirty="0"/>
-              <a:t>Does the visualization elicit an “a-ha”, a “wow”, an “I see”?</a:t>
-            </a:r>
-          </a:p>
-        </p:txBody>
-      </p:sp>
-    </p:spTree>
-    <p:extLst>
-      <p:ext uri="{BB962C8B-B14F-4D97-AF65-F5344CB8AC3E}">
-        <p14:creationId xmlns:p14="http://schemas.microsoft.com/office/powerpoint/2010/main" val="1099097516"/>
-      </p:ext>
-    </p:extLst>
-  </p:cSld>
-  <p:clrMapOvr>
-    <a:masterClrMapping/>
-  </p:clrMapOvr>
-</p:sld>
-</file>
-
-<file path=ppt/slides/slide62.xml><?xml version="1.0" encoding="utf-8"?>
-<p:sld xmlns:a="http://schemas.openxmlformats.org/drawingml/2006/main" xmlns:r="http://schemas.openxmlformats.org/officeDocument/2006/relationships" xmlns:p="http://schemas.openxmlformats.org/presentationml/2006/main">
-  <p:cSld>
-    <p:spTree>
-      <p:nvGrpSpPr>
-        <p:cNvPr id="1" name=""/>
-        <p:cNvGrpSpPr/>
-        <p:nvPr/>
-      </p:nvGrpSpPr>
-      <p:grpSpPr>
-        <a:xfrm>
-          <a:off x="0" y="0"/>
-          <a:ext cx="0" cy="0"/>
-          <a:chOff x="0" y="0"/>
-          <a:chExt cx="0" cy="0"/>
-        </a:xfrm>
-      </p:grpSpPr>
-      <p:sp>
-        <p:nvSpPr>
-          <p:cNvPr id="2" name="Title 1">
-            <a:extLst>
-              <a:ext uri="{FF2B5EF4-FFF2-40B4-BE49-F238E27FC236}">
-                <a16:creationId xmlns:a16="http://schemas.microsoft.com/office/drawing/2014/main" id="{9563BD25-A977-4572-8AFB-D37F6F35ACF0}"/>
-              </a:ext>
-            </a:extLst>
-          </p:cNvPr>
-          <p:cNvSpPr>
-            <a:spLocks noGrp="1"/>
-          </p:cNvSpPr>
-          <p:nvPr>
-            <p:ph type="title"/>
-          </p:nvPr>
-        </p:nvSpPr>
-        <p:spPr/>
-        <p:txBody>
-          <a:bodyPr>
-            <a:normAutofit/>
-          </a:bodyPr>
-          <a:lstStyle/>
-          <a:p>
-            <a:r>
-              <a:rPr lang="en-US" sz="5400" dirty="0"/>
-              <a:t>5. Enlightening</a:t>
-            </a:r>
-          </a:p>
-        </p:txBody>
-      </p:sp>
-      <p:sp>
-        <p:nvSpPr>
-          <p:cNvPr id="3" name="Content Placeholder 2">
-            <a:extLst>
-              <a:ext uri="{FF2B5EF4-FFF2-40B4-BE49-F238E27FC236}">
-                <a16:creationId xmlns:a16="http://schemas.microsoft.com/office/drawing/2014/main" id="{8B0DBFB5-F5BD-456B-A22D-7BA52F038458}"/>
-              </a:ext>
-            </a:extLst>
-          </p:cNvPr>
-          <p:cNvSpPr>
-            <a:spLocks noGrp="1"/>
-          </p:cNvSpPr>
-          <p:nvPr>
-            <p:ph idx="1"/>
-          </p:nvPr>
-        </p:nvSpPr>
-        <p:spPr/>
-        <p:txBody>
-          <a:bodyPr>
-            <a:normAutofit/>
-          </a:bodyPr>
-          <a:lstStyle/>
-          <a:p>
-            <a:pPr marL="0" indent="0">
-              <a:buNone/>
-            </a:pPr>
-            <a:endParaRPr lang="en-US" sz="3600" dirty="0"/>
-          </a:p>
-          <a:p>
-            <a:pPr marL="0" indent="0">
-              <a:buNone/>
-            </a:pPr>
-            <a:endParaRPr lang="en-US" sz="3600" dirty="0"/>
-          </a:p>
-          <a:p>
-            <a:pPr marL="0" indent="0" algn="ctr">
-              <a:buNone/>
-            </a:pPr>
-            <a:r>
-              <a:rPr lang="en-US" sz="4800" dirty="0"/>
-              <a:t>Does the visualization cast light over relevant issues?  Will it “change minds”?</a:t>
-            </a:r>
-          </a:p>
-        </p:txBody>
-      </p:sp>
-    </p:spTree>
-    <p:extLst>
-      <p:ext uri="{BB962C8B-B14F-4D97-AF65-F5344CB8AC3E}">
-        <p14:creationId xmlns:p14="http://schemas.microsoft.com/office/powerpoint/2010/main" val="1404605786"/>
-      </p:ext>
-    </p:extLst>
-  </p:cSld>
-  <p:clrMapOvr>
-    <a:masterClrMapping/>
-  </p:clrMapOvr>
-</p:sld>
-</file>
-
-<file path=ppt/slides/slide63.xml><?xml version="1.0" encoding="utf-8"?>
-<p:sld xmlns:a="http://schemas.openxmlformats.org/drawingml/2006/main" xmlns:r="http://schemas.openxmlformats.org/officeDocument/2006/relationships" xmlns:p="http://schemas.openxmlformats.org/presentationml/2006/main">
-  <p:cSld>
-    <p:spTree>
-      <p:nvGrpSpPr>
-        <p:cNvPr id="1" name=""/>
-        <p:cNvGrpSpPr/>
-        <p:nvPr/>
-      </p:nvGrpSpPr>
-      <p:grpSpPr>
-        <a:xfrm>
-          <a:off x="0" y="0"/>
-          <a:ext cx="0" cy="0"/>
-          <a:chOff x="0" y="0"/>
-          <a:chExt cx="0" cy="0"/>
-        </a:xfrm>
-      </p:grpSpPr>
-      <p:pic>
-        <p:nvPicPr>
-          <p:cNvPr id="1028" name="Picture 4" descr="Image result for web du bois">
-            <a:extLst>
-              <a:ext uri="{FF2B5EF4-FFF2-40B4-BE49-F238E27FC236}">
-                <a16:creationId xmlns:a16="http://schemas.microsoft.com/office/drawing/2014/main" id="{D90BA4F7-A429-4DA7-A5BC-CE1D867AFF6B}"/>
-              </a:ext>
-            </a:extLst>
-          </p:cNvPr>
-          <p:cNvPicPr>
-            <a:picLocks noChangeAspect="1" noChangeArrowheads="1"/>
-          </p:cNvPicPr>
-          <p:nvPr/>
-        </p:nvPicPr>
-        <p:blipFill>
-          <a:blip r:embed="rId2">
-            <a:extLst>
-              <a:ext uri="{28A0092B-C50C-407E-A947-70E740481C1C}">
-                <a14:useLocalDpi xmlns:a14="http://schemas.microsoft.com/office/drawing/2010/main" val="0"/>
-              </a:ext>
-            </a:extLst>
-          </a:blip>
-          <a:srcRect/>
-          <a:stretch>
-            <a:fillRect/>
-          </a:stretch>
-        </p:blipFill>
-        <p:spPr bwMode="auto">
-          <a:xfrm>
-            <a:off x="4324350" y="1143000"/>
-            <a:ext cx="3251200" cy="3251200"/>
-          </a:xfrm>
-          <a:prstGeom prst="rect">
-            <a:avLst/>
-          </a:prstGeom>
-          <a:noFill/>
-          <a:extLst>
-            <a:ext uri="{909E8E84-426E-40DD-AFC4-6F175D3DCCD1}">
-              <a14:hiddenFill xmlns:a14="http://schemas.microsoft.com/office/drawing/2010/main">
-                <a:solidFill>
-                  <a:srgbClr val="FFFFFF"/>
-                </a:solidFill>
-              </a14:hiddenFill>
-            </a:ext>
-          </a:extLst>
-        </p:spPr>
-      </p:pic>
-      <p:sp>
-        <p:nvSpPr>
-          <p:cNvPr id="5" name="TextBox 4">
-            <a:extLst>
-              <a:ext uri="{FF2B5EF4-FFF2-40B4-BE49-F238E27FC236}">
-                <a16:creationId xmlns:a16="http://schemas.microsoft.com/office/drawing/2014/main" id="{DCA883E9-A329-4090-ADB9-116E9388CC9D}"/>
-              </a:ext>
-            </a:extLst>
-          </p:cNvPr>
-          <p:cNvSpPr txBox="1"/>
-          <p:nvPr/>
-        </p:nvSpPr>
-        <p:spPr>
-          <a:xfrm>
-            <a:off x="3699208" y="4651633"/>
-            <a:ext cx="4501489" cy="954107"/>
-          </a:xfrm>
-          <a:prstGeom prst="rect">
-            <a:avLst/>
-          </a:prstGeom>
-          <a:noFill/>
-        </p:spPr>
-        <p:txBody>
-          <a:bodyPr wrap="none" rtlCol="0">
-            <a:spAutoFit/>
-          </a:bodyPr>
-          <a:lstStyle/>
-          <a:p>
-            <a:pPr algn="ctr"/>
-            <a:r>
-              <a:rPr lang="en-US" sz="2800" dirty="0"/>
-              <a:t>W.E.B. Du </a:t>
-            </a:r>
-            <a:r>
-              <a:rPr lang="en-US" sz="2800" dirty="0" err="1"/>
-              <a:t>Bois</a:t>
-            </a:r>
-            <a:endParaRPr lang="en-US" sz="2800" dirty="0"/>
-          </a:p>
-          <a:p>
-            <a:pPr algn="ctr"/>
-            <a:r>
-              <a:rPr lang="en-US" sz="2800" dirty="0"/>
-              <a:t>Sociologist, Atlanta University</a:t>
-            </a:r>
-          </a:p>
-        </p:txBody>
-      </p:sp>
-      <p:sp>
-        <p:nvSpPr>
-          <p:cNvPr id="7" name="Rectangle 6">
-            <a:extLst>
-              <a:ext uri="{FF2B5EF4-FFF2-40B4-BE49-F238E27FC236}">
-                <a16:creationId xmlns:a16="http://schemas.microsoft.com/office/drawing/2014/main" id="{79AD9219-718B-4371-8C1B-300E18A99C9A}"/>
-              </a:ext>
-            </a:extLst>
-          </p:cNvPr>
-          <p:cNvSpPr/>
-          <p:nvPr/>
-        </p:nvSpPr>
-        <p:spPr>
-          <a:xfrm>
-            <a:off x="2829080" y="348734"/>
-            <a:ext cx="6533840" cy="523220"/>
-          </a:xfrm>
-          <a:prstGeom prst="rect">
-            <a:avLst/>
-          </a:prstGeom>
-        </p:spPr>
-        <p:txBody>
-          <a:bodyPr wrap="none">
-            <a:spAutoFit/>
-          </a:bodyPr>
-          <a:lstStyle/>
-          <a:p>
-            <a:pPr algn="ctr"/>
-            <a:r>
-              <a:rPr lang="en-US" sz="2800" i="1" dirty="0"/>
-              <a:t>Exposition </a:t>
-            </a:r>
-            <a:r>
-              <a:rPr lang="en-US" sz="2800" i="1" dirty="0" err="1"/>
-              <a:t>Universelle</a:t>
-            </a:r>
-            <a:r>
-              <a:rPr lang="en-US" sz="2800" i="1" dirty="0"/>
-              <a:t> </a:t>
-            </a:r>
-            <a:r>
-              <a:rPr lang="en-US" sz="2800" dirty="0"/>
-              <a:t>Paris World Fair 1900</a:t>
-            </a:r>
-            <a:endParaRPr lang="en-US" sz="4000" dirty="0"/>
-          </a:p>
-        </p:txBody>
-      </p:sp>
-    </p:spTree>
-    <p:extLst>
-      <p:ext uri="{BB962C8B-B14F-4D97-AF65-F5344CB8AC3E}">
-        <p14:creationId xmlns:p14="http://schemas.microsoft.com/office/powerpoint/2010/main" val="1864000969"/>
-      </p:ext>
-    </p:extLst>
-  </p:cSld>
-  <p:clrMapOvr>
-    <a:masterClrMapping/>
-  </p:clrMapOvr>
-</p:sld>
-</file>
-
-<file path=ppt/slides/slide64.xml><?xml version="1.0" encoding="utf-8"?>
-<p:sld xmlns:a="http://schemas.openxmlformats.org/drawingml/2006/main" xmlns:r="http://schemas.openxmlformats.org/officeDocument/2006/relationships" xmlns:p="http://schemas.openxmlformats.org/presentationml/2006/main">
-  <p:cSld>
-    <p:spTree>
-      <p:nvGrpSpPr>
-        <p:cNvPr id="1" name=""/>
-        <p:cNvGrpSpPr/>
-        <p:nvPr/>
-      </p:nvGrpSpPr>
-      <p:grpSpPr>
-        <a:xfrm>
-          <a:off x="0" y="0"/>
-          <a:ext cx="0" cy="0"/>
-          <a:chOff x="0" y="0"/>
-          <a:chExt cx="0" cy="0"/>
-        </a:xfrm>
-      </p:grpSpPr>
-      <p:pic>
-        <p:nvPicPr>
-          <p:cNvPr id="2050" name="Picture 2" descr="[The Georgia Negro] Assessed value of household and kitchen furniture owned by Georgia Negroes.">
-            <a:extLst>
-              <a:ext uri="{FF2B5EF4-FFF2-40B4-BE49-F238E27FC236}">
-                <a16:creationId xmlns:a16="http://schemas.microsoft.com/office/drawing/2014/main" id="{CF4F3CC5-4F15-4290-B3ED-FBE381676F82}"/>
-              </a:ext>
-            </a:extLst>
-          </p:cNvPr>
-          <p:cNvPicPr>
-            <a:picLocks noChangeAspect="1" noChangeArrowheads="1"/>
-          </p:cNvPicPr>
-          <p:nvPr/>
-        </p:nvPicPr>
-        <p:blipFill>
-          <a:blip r:embed="rId3">
-            <a:extLst>
-              <a:ext uri="{28A0092B-C50C-407E-A947-70E740481C1C}">
-                <a14:useLocalDpi xmlns:a14="http://schemas.microsoft.com/office/drawing/2010/main" val="0"/>
-              </a:ext>
-            </a:extLst>
-          </a:blip>
-          <a:srcRect/>
-          <a:stretch>
-            <a:fillRect/>
-          </a:stretch>
-        </p:blipFill>
-        <p:spPr bwMode="auto">
-          <a:xfrm>
-            <a:off x="3690937" y="254000"/>
-            <a:ext cx="4810125" cy="6096000"/>
-          </a:xfrm>
-          <a:prstGeom prst="rect">
-            <a:avLst/>
-          </a:prstGeom>
-          <a:noFill/>
-          <a:extLst>
-            <a:ext uri="{909E8E84-426E-40DD-AFC4-6F175D3DCCD1}">
-              <a14:hiddenFill xmlns:a14="http://schemas.microsoft.com/office/drawing/2010/main">
-                <a:solidFill>
-                  <a:srgbClr val="FFFFFF"/>
-                </a:solidFill>
-              </a14:hiddenFill>
-            </a:ext>
-          </a:extLst>
-        </p:spPr>
-      </p:pic>
-      <p:sp>
-        <p:nvSpPr>
-          <p:cNvPr id="3" name="Rectangle 2">
-            <a:extLst>
-              <a:ext uri="{FF2B5EF4-FFF2-40B4-BE49-F238E27FC236}">
-                <a16:creationId xmlns:a16="http://schemas.microsoft.com/office/drawing/2014/main" id="{9EA2B62B-6A63-409D-87D6-8E688563F178}"/>
-              </a:ext>
-            </a:extLst>
-          </p:cNvPr>
-          <p:cNvSpPr/>
-          <p:nvPr/>
-        </p:nvSpPr>
-        <p:spPr>
-          <a:xfrm>
-            <a:off x="2095500" y="6477000"/>
-            <a:ext cx="8216900" cy="369332"/>
-          </a:xfrm>
-          <a:prstGeom prst="rect">
-            <a:avLst/>
-          </a:prstGeom>
-        </p:spPr>
-        <p:txBody>
-          <a:bodyPr wrap="square">
-            <a:spAutoFit/>
-          </a:bodyPr>
-          <a:lstStyle/>
-          <a:p>
-            <a:r>
-              <a:rPr lang="en-US" dirty="0"/>
-              <a:t>Image Source: </a:t>
-            </a:r>
-            <a:r>
-              <a:rPr lang="en-US" dirty="0">
-                <a:hlinkClick r:id="rId4"/>
-              </a:rPr>
-              <a:t>https://www.loc.gov/pictures/resource/ppmsca.33887/?co=anedub</a:t>
-            </a:r>
-            <a:endParaRPr lang="en-US" dirty="0"/>
-          </a:p>
-        </p:txBody>
-      </p:sp>
-    </p:spTree>
-    <p:extLst>
-      <p:ext uri="{BB962C8B-B14F-4D97-AF65-F5344CB8AC3E}">
-        <p14:creationId xmlns:p14="http://schemas.microsoft.com/office/powerpoint/2010/main" val="444566120"/>
-      </p:ext>
-    </p:extLst>
-  </p:cSld>
-  <p:clrMapOvr>
-    <a:masterClrMapping/>
-  </p:clrMapOvr>
-</p:sld>
-</file>
-
-<file path=ppt/slides/slide65.xml><?xml version="1.0" encoding="utf-8"?>
-<p:sld xmlns:a="http://schemas.openxmlformats.org/drawingml/2006/main" xmlns:r="http://schemas.openxmlformats.org/officeDocument/2006/relationships" xmlns:p="http://schemas.openxmlformats.org/presentationml/2006/main">
-  <p:cSld>
-    <p:spTree>
-      <p:nvGrpSpPr>
-        <p:cNvPr id="1" name=""/>
-        <p:cNvGrpSpPr/>
-        <p:nvPr/>
-      </p:nvGrpSpPr>
-      <p:grpSpPr>
-        <a:xfrm>
-          <a:off x="0" y="0"/>
-          <a:ext cx="0" cy="0"/>
-          <a:chOff x="0" y="0"/>
-          <a:chExt cx="0" cy="0"/>
-        </a:xfrm>
-      </p:grpSpPr>
-      <p:sp>
-        <p:nvSpPr>
-          <p:cNvPr id="3" name="Rectangle 2">
-            <a:extLst>
-              <a:ext uri="{FF2B5EF4-FFF2-40B4-BE49-F238E27FC236}">
-                <a16:creationId xmlns:a16="http://schemas.microsoft.com/office/drawing/2014/main" id="{9EA2B62B-6A63-409D-87D6-8E688563F178}"/>
-              </a:ext>
-            </a:extLst>
-          </p:cNvPr>
-          <p:cNvSpPr/>
-          <p:nvPr/>
-        </p:nvSpPr>
-        <p:spPr>
-          <a:xfrm>
-            <a:off x="2095500" y="6477000"/>
-            <a:ext cx="8216900" cy="369332"/>
-          </a:xfrm>
-          <a:prstGeom prst="rect">
-            <a:avLst/>
-          </a:prstGeom>
-        </p:spPr>
-        <p:txBody>
-          <a:bodyPr wrap="square">
-            <a:spAutoFit/>
-          </a:bodyPr>
-          <a:lstStyle/>
-          <a:p>
-            <a:r>
-              <a:rPr lang="en-US" dirty="0"/>
-              <a:t>Image Source: </a:t>
-            </a:r>
-            <a:r>
-              <a:rPr lang="en-US" dirty="0">
-                <a:hlinkClick r:id="rId3"/>
-              </a:rPr>
-              <a:t>https://www.loc.gov/pictures/resource/ppmsca.33892/?co=anedub</a:t>
-            </a:r>
-            <a:endParaRPr lang="en-US" dirty="0"/>
-          </a:p>
-        </p:txBody>
-      </p:sp>
-      <p:pic>
-        <p:nvPicPr>
-          <p:cNvPr id="5122" name="Picture 2" descr="[The Georgia Negro] Condition of 300 Negro farm tenants after 1 year's toil, 1898.">
-            <a:extLst>
-              <a:ext uri="{FF2B5EF4-FFF2-40B4-BE49-F238E27FC236}">
-                <a16:creationId xmlns:a16="http://schemas.microsoft.com/office/drawing/2014/main" id="{5C7F5DDF-0C2E-4076-AD7F-1EC1CC783AD6}"/>
-              </a:ext>
-            </a:extLst>
-          </p:cNvPr>
-          <p:cNvPicPr>
-            <a:picLocks noChangeAspect="1" noChangeArrowheads="1"/>
-          </p:cNvPicPr>
-          <p:nvPr/>
-        </p:nvPicPr>
-        <p:blipFill>
-          <a:blip r:embed="rId4">
-            <a:extLst>
-              <a:ext uri="{28A0092B-C50C-407E-A947-70E740481C1C}">
-                <a14:useLocalDpi xmlns:a14="http://schemas.microsoft.com/office/drawing/2010/main" val="0"/>
-              </a:ext>
-            </a:extLst>
-          </a:blip>
-          <a:srcRect/>
-          <a:stretch>
-            <a:fillRect/>
-          </a:stretch>
-        </p:blipFill>
-        <p:spPr bwMode="auto">
-          <a:xfrm>
-            <a:off x="2095500" y="277813"/>
-            <a:ext cx="7454900" cy="5905679"/>
-          </a:xfrm>
-          <a:prstGeom prst="rect">
-            <a:avLst/>
-          </a:prstGeom>
-          <a:noFill/>
-          <a:extLst>
-            <a:ext uri="{909E8E84-426E-40DD-AFC4-6F175D3DCCD1}">
-              <a14:hiddenFill xmlns:a14="http://schemas.microsoft.com/office/drawing/2010/main">
-                <a:solidFill>
-                  <a:srgbClr val="FFFFFF"/>
-                </a:solidFill>
-              </a14:hiddenFill>
-            </a:ext>
-          </a:extLst>
-        </p:spPr>
-      </p:pic>
-    </p:spTree>
-    <p:extLst>
-      <p:ext uri="{BB962C8B-B14F-4D97-AF65-F5344CB8AC3E}">
-        <p14:creationId xmlns:p14="http://schemas.microsoft.com/office/powerpoint/2010/main" val="2937557760"/>
-      </p:ext>
-    </p:extLst>
-  </p:cSld>
-  <p:clrMapOvr>
-    <a:masterClrMapping/>
-  </p:clrMapOvr>
-</p:sld>
-</file>
-
-<file path=ppt/slides/slide66.xml><?xml version="1.0" encoding="utf-8"?>
-<p:sld xmlns:a="http://schemas.openxmlformats.org/drawingml/2006/main" xmlns:r="http://schemas.openxmlformats.org/officeDocument/2006/relationships" xmlns:p="http://schemas.openxmlformats.org/presentationml/2006/main">
-  <p:cSld>
-    <p:spTree>
-      <p:nvGrpSpPr>
-        <p:cNvPr id="1" name=""/>
-        <p:cNvGrpSpPr/>
-        <p:nvPr/>
-      </p:nvGrpSpPr>
-      <p:grpSpPr>
-        <a:xfrm>
-          <a:off x="0" y="0"/>
-          <a:ext cx="0" cy="0"/>
-          <a:chOff x="0" y="0"/>
-          <a:chExt cx="0" cy="0"/>
-        </a:xfrm>
-      </p:grpSpPr>
-      <p:sp>
-        <p:nvSpPr>
-          <p:cNvPr id="3" name="Rectangle 2">
-            <a:extLst>
-              <a:ext uri="{FF2B5EF4-FFF2-40B4-BE49-F238E27FC236}">
-                <a16:creationId xmlns:a16="http://schemas.microsoft.com/office/drawing/2014/main" id="{9EA2B62B-6A63-409D-87D6-8E688563F178}"/>
-              </a:ext>
-            </a:extLst>
-          </p:cNvPr>
-          <p:cNvSpPr/>
-          <p:nvPr/>
-        </p:nvSpPr>
-        <p:spPr>
-          <a:xfrm>
-            <a:off x="2095500" y="6477000"/>
-            <a:ext cx="8216900" cy="369332"/>
-          </a:xfrm>
-          <a:prstGeom prst="rect">
-            <a:avLst/>
-          </a:prstGeom>
-        </p:spPr>
-        <p:txBody>
-          <a:bodyPr wrap="square">
-            <a:spAutoFit/>
-          </a:bodyPr>
-          <a:lstStyle/>
-          <a:p>
-            <a:r>
-              <a:rPr lang="en-US" dirty="0"/>
-              <a:t>Image Source: </a:t>
-            </a:r>
-            <a:r>
-              <a:rPr lang="en-US" dirty="0">
-                <a:hlinkClick r:id="rId3"/>
-              </a:rPr>
-              <a:t>https://www.loc.gov/pictures/resource/ppmsca.33883/?co=anedub</a:t>
-            </a:r>
-            <a:endParaRPr lang="en-US" dirty="0"/>
-          </a:p>
-        </p:txBody>
-      </p:sp>
-      <p:pic>
-        <p:nvPicPr>
-          <p:cNvPr id="7170" name="Picture 2" descr="[The Georgia Negro] Valuation of town and city property owned by Georgia Negroes.">
-            <a:extLst>
-              <a:ext uri="{FF2B5EF4-FFF2-40B4-BE49-F238E27FC236}">
-                <a16:creationId xmlns:a16="http://schemas.microsoft.com/office/drawing/2014/main" id="{FFB7E40B-2DB1-4405-B5A0-D4DE63FE4841}"/>
-              </a:ext>
-            </a:extLst>
-          </p:cNvPr>
-          <p:cNvPicPr>
-            <a:picLocks noChangeAspect="1" noChangeArrowheads="1"/>
-          </p:cNvPicPr>
-          <p:nvPr/>
-        </p:nvPicPr>
-        <p:blipFill>
-          <a:blip r:embed="rId4">
-            <a:extLst>
-              <a:ext uri="{28A0092B-C50C-407E-A947-70E740481C1C}">
-                <a14:useLocalDpi xmlns:a14="http://schemas.microsoft.com/office/drawing/2010/main" val="0"/>
-              </a:ext>
-            </a:extLst>
-          </a:blip>
-          <a:srcRect/>
-          <a:stretch>
-            <a:fillRect/>
-          </a:stretch>
-        </p:blipFill>
-        <p:spPr bwMode="auto">
-          <a:xfrm>
-            <a:off x="3681412" y="203200"/>
-            <a:ext cx="4829175" cy="6096000"/>
-          </a:xfrm>
-          <a:prstGeom prst="rect">
-            <a:avLst/>
-          </a:prstGeom>
-          <a:noFill/>
-          <a:extLst>
-            <a:ext uri="{909E8E84-426E-40DD-AFC4-6F175D3DCCD1}">
-              <a14:hiddenFill xmlns:a14="http://schemas.microsoft.com/office/drawing/2010/main">
-                <a:solidFill>
-                  <a:srgbClr val="FFFFFF"/>
-                </a:solidFill>
-              </a14:hiddenFill>
-            </a:ext>
-          </a:extLst>
-        </p:spPr>
-      </p:pic>
-    </p:spTree>
-    <p:extLst>
-      <p:ext uri="{BB962C8B-B14F-4D97-AF65-F5344CB8AC3E}">
-        <p14:creationId xmlns:p14="http://schemas.microsoft.com/office/powerpoint/2010/main" val="1281109873"/>
-      </p:ext>
-    </p:extLst>
-  </p:cSld>
-  <p:clrMapOvr>
-    <a:masterClrMapping/>
-  </p:clrMapOvr>
-</p:sld>
-</file>
-
-<file path=ppt/slides/slide67.xml><?xml version="1.0" encoding="utf-8"?>
-<p:sld xmlns:a="http://schemas.openxmlformats.org/drawingml/2006/main" xmlns:r="http://schemas.openxmlformats.org/officeDocument/2006/relationships" xmlns:p="http://schemas.openxmlformats.org/presentationml/2006/main">
-  <p:cSld>
-    <p:spTree>
-      <p:nvGrpSpPr>
-        <p:cNvPr id="1" name=""/>
-        <p:cNvGrpSpPr/>
-        <p:nvPr/>
-      </p:nvGrpSpPr>
-      <p:grpSpPr>
-        <a:xfrm>
-          <a:off x="0" y="0"/>
-          <a:ext cx="0" cy="0"/>
-          <a:chOff x="0" y="0"/>
-          <a:chExt cx="0" cy="0"/>
-        </a:xfrm>
-      </p:grpSpPr>
-      <p:pic>
-        <p:nvPicPr>
-          <p:cNvPr id="2" name="Picture 1">
-            <a:extLst>
-              <a:ext uri="{FF2B5EF4-FFF2-40B4-BE49-F238E27FC236}">
-                <a16:creationId xmlns:a16="http://schemas.microsoft.com/office/drawing/2014/main" id="{CE0B2F6D-7C0F-42C5-89E1-126F9D9E98F0}"/>
-              </a:ext>
-            </a:extLst>
-          </p:cNvPr>
-          <p:cNvPicPr>
-            <a:picLocks noChangeAspect="1"/>
-          </p:cNvPicPr>
-          <p:nvPr/>
-        </p:nvPicPr>
-        <p:blipFill>
-          <a:blip r:embed="rId2"/>
-          <a:stretch>
-            <a:fillRect/>
-          </a:stretch>
-        </p:blipFill>
-        <p:spPr>
-          <a:xfrm>
-            <a:off x="2291924" y="316360"/>
-            <a:ext cx="7608151" cy="5987754"/>
-          </a:xfrm>
-          <a:prstGeom prst="rect">
-            <a:avLst/>
-          </a:prstGeom>
-        </p:spPr>
-      </p:pic>
-      <p:sp>
-        <p:nvSpPr>
-          <p:cNvPr id="3" name="Rectangle 2">
-            <a:extLst>
-              <a:ext uri="{FF2B5EF4-FFF2-40B4-BE49-F238E27FC236}">
-                <a16:creationId xmlns:a16="http://schemas.microsoft.com/office/drawing/2014/main" id="{A3788A35-CA29-4DA2-85DE-65498A5F5C92}"/>
-              </a:ext>
-            </a:extLst>
-          </p:cNvPr>
-          <p:cNvSpPr/>
-          <p:nvPr/>
-        </p:nvSpPr>
-        <p:spPr>
-          <a:xfrm>
-            <a:off x="2650836" y="6172308"/>
-            <a:ext cx="8257309" cy="369332"/>
-          </a:xfrm>
-          <a:prstGeom prst="rect">
-            <a:avLst/>
-          </a:prstGeom>
-        </p:spPr>
-        <p:txBody>
-          <a:bodyPr wrap="square">
-            <a:spAutoFit/>
-          </a:bodyPr>
-          <a:lstStyle/>
-          <a:p>
-            <a:r>
-              <a:rPr lang="en-US" dirty="0">
-                <a:hlinkClick r:id="rId3"/>
-              </a:rPr>
-              <a:t>https://www.nytimes.com/interactive/2014/upshot/dialect-quiz-map.html</a:t>
-            </a:r>
-            <a:endParaRPr lang="en-US" dirty="0"/>
-          </a:p>
-        </p:txBody>
-      </p:sp>
-    </p:spTree>
-    <p:extLst>
-      <p:ext uri="{BB962C8B-B14F-4D97-AF65-F5344CB8AC3E}">
-        <p14:creationId xmlns:p14="http://schemas.microsoft.com/office/powerpoint/2010/main" val="1211935094"/>
-      </p:ext>
-    </p:extLst>
-  </p:cSld>
-  <p:clrMapOvr>
-    <a:masterClrMapping/>
-  </p:clrMapOvr>
-</p:sld>
-</file>
-
-<file path=ppt/slides/slide68.xml><?xml version="1.0" encoding="utf-8"?>
-<p:sld xmlns:a="http://schemas.openxmlformats.org/drawingml/2006/main" xmlns:r="http://schemas.openxmlformats.org/officeDocument/2006/relationships" xmlns:p="http://schemas.openxmlformats.org/presentationml/2006/main">
-  <p:cSld>
-    <p:spTree>
-      <p:nvGrpSpPr>
-        <p:cNvPr id="1" name=""/>
-        <p:cNvGrpSpPr/>
-        <p:nvPr/>
-      </p:nvGrpSpPr>
-      <p:grpSpPr>
-        <a:xfrm>
-          <a:off x="0" y="0"/>
-          <a:ext cx="0" cy="0"/>
-          <a:chOff x="0" y="0"/>
-          <a:chExt cx="0" cy="0"/>
-        </a:xfrm>
-      </p:grpSpPr>
-      <p:sp>
-        <p:nvSpPr>
-          <p:cNvPr id="3" name="Rectangle 2">
-            <a:extLst>
-              <a:ext uri="{FF2B5EF4-FFF2-40B4-BE49-F238E27FC236}">
-                <a16:creationId xmlns:a16="http://schemas.microsoft.com/office/drawing/2014/main" id="{9EA2B62B-6A63-409D-87D6-8E688563F178}"/>
-              </a:ext>
-            </a:extLst>
-          </p:cNvPr>
-          <p:cNvSpPr/>
-          <p:nvPr/>
-        </p:nvSpPr>
-        <p:spPr>
-          <a:xfrm>
-            <a:off x="2095500" y="6477000"/>
-            <a:ext cx="8216900" cy="369332"/>
-          </a:xfrm>
-          <a:prstGeom prst="rect">
-            <a:avLst/>
-          </a:prstGeom>
-        </p:spPr>
-        <p:txBody>
-          <a:bodyPr wrap="square">
-            <a:spAutoFit/>
-          </a:bodyPr>
-          <a:lstStyle/>
-          <a:p>
-            <a:r>
-              <a:rPr lang="en-US" dirty="0"/>
-              <a:t>Image Source: </a:t>
-            </a:r>
-            <a:r>
-              <a:rPr lang="en-US" dirty="0">
-                <a:hlinkClick r:id="rId3"/>
-              </a:rPr>
-              <a:t>https://www.loc.gov/pictures/resource/ppmsca.33893/?co=anedub</a:t>
-            </a:r>
-            <a:endParaRPr lang="en-US" dirty="0"/>
-          </a:p>
-        </p:txBody>
-      </p:sp>
-      <p:pic>
-        <p:nvPicPr>
-          <p:cNvPr id="6146" name="Picture 2" descr="[The Georgia Negro] Income and expenditure of 150 Negro families in Atlanta, Ga., U.S.A.">
-            <a:extLst>
-              <a:ext uri="{FF2B5EF4-FFF2-40B4-BE49-F238E27FC236}">
-                <a16:creationId xmlns:a16="http://schemas.microsoft.com/office/drawing/2014/main" id="{0B61652E-4874-4B4C-AAC4-A2317FB664A9}"/>
-              </a:ext>
-            </a:extLst>
-          </p:cNvPr>
-          <p:cNvPicPr>
-            <a:picLocks noChangeAspect="1" noChangeArrowheads="1"/>
-          </p:cNvPicPr>
-          <p:nvPr/>
-        </p:nvPicPr>
-        <p:blipFill>
-          <a:blip r:embed="rId4">
-            <a:extLst>
-              <a:ext uri="{28A0092B-C50C-407E-A947-70E740481C1C}">
-                <a14:useLocalDpi xmlns:a14="http://schemas.microsoft.com/office/drawing/2010/main" val="0"/>
-              </a:ext>
-            </a:extLst>
-          </a:blip>
-          <a:srcRect/>
-          <a:stretch>
-            <a:fillRect/>
-          </a:stretch>
-        </p:blipFill>
-        <p:spPr bwMode="auto">
-          <a:xfrm>
-            <a:off x="2336800" y="128588"/>
-            <a:ext cx="7734300" cy="6151185"/>
-          </a:xfrm>
-          <a:prstGeom prst="rect">
-            <a:avLst/>
-          </a:prstGeom>
-          <a:noFill/>
-          <a:extLst>
-            <a:ext uri="{909E8E84-426E-40DD-AFC4-6F175D3DCCD1}">
-              <a14:hiddenFill xmlns:a14="http://schemas.microsoft.com/office/drawing/2010/main">
-                <a:solidFill>
-                  <a:srgbClr val="FFFFFF"/>
-                </a:solidFill>
-              </a14:hiddenFill>
-            </a:ext>
-          </a:extLst>
-        </p:spPr>
-      </p:pic>
-    </p:spTree>
-    <p:extLst>
-      <p:ext uri="{BB962C8B-B14F-4D97-AF65-F5344CB8AC3E}">
-        <p14:creationId xmlns:p14="http://schemas.microsoft.com/office/powerpoint/2010/main" val="1660159937"/>
-      </p:ext>
-    </p:extLst>
-  </p:cSld>
-  <p:clrMapOvr>
-    <a:masterClrMapping/>
-  </p:clrMapOvr>
-</p:sld>
-</file>
-
-<file path=ppt/slides/slide69.xml><?xml version="1.0" encoding="utf-8"?>
-<p:sld xmlns:a="http://schemas.openxmlformats.org/drawingml/2006/main" xmlns:r="http://schemas.openxmlformats.org/officeDocument/2006/relationships" xmlns:p="http://schemas.openxmlformats.org/presentationml/2006/main">
-  <p:cSld>
-    <p:spTree>
-      <p:nvGrpSpPr>
-        <p:cNvPr id="1" name=""/>
-        <p:cNvGrpSpPr/>
-        <p:nvPr/>
-      </p:nvGrpSpPr>
-      <p:grpSpPr>
-        <a:xfrm>
-          <a:off x="0" y="0"/>
-          <a:ext cx="0" cy="0"/>
-          <a:chOff x="0" y="0"/>
-          <a:chExt cx="0" cy="0"/>
-        </a:xfrm>
-      </p:grpSpPr>
-      <p:sp>
-        <p:nvSpPr>
-          <p:cNvPr id="3" name="Rectangle 2">
-            <a:extLst>
-              <a:ext uri="{FF2B5EF4-FFF2-40B4-BE49-F238E27FC236}">
-                <a16:creationId xmlns:a16="http://schemas.microsoft.com/office/drawing/2014/main" id="{9EA2B62B-6A63-409D-87D6-8E688563F178}"/>
-              </a:ext>
-            </a:extLst>
-          </p:cNvPr>
-          <p:cNvSpPr/>
-          <p:nvPr/>
-        </p:nvSpPr>
-        <p:spPr>
-          <a:xfrm>
-            <a:off x="2095500" y="6477000"/>
-            <a:ext cx="8216900" cy="369332"/>
-          </a:xfrm>
-          <a:prstGeom prst="rect">
-            <a:avLst/>
-          </a:prstGeom>
-        </p:spPr>
-        <p:txBody>
-          <a:bodyPr wrap="square">
-            <a:spAutoFit/>
-          </a:bodyPr>
-          <a:lstStyle/>
-          <a:p>
-            <a:r>
-              <a:rPr lang="en-US" dirty="0"/>
-              <a:t>Image Source: </a:t>
-            </a:r>
-            <a:r>
-              <a:rPr lang="en-US" dirty="0">
-                <a:hlinkClick r:id="rId3"/>
-              </a:rPr>
-              <a:t>https://www.loc.gov/pictures/resource/ppmsca.33871/?co=anedub</a:t>
-            </a:r>
-            <a:endParaRPr lang="en-US" dirty="0"/>
-          </a:p>
-        </p:txBody>
-      </p:sp>
-      <p:pic>
-        <p:nvPicPr>
-          <p:cNvPr id="8194" name="Picture 2" descr="[The Georgia Negro] Age distribution of Georgia Negroes compared with France.">
-            <a:extLst>
-              <a:ext uri="{FF2B5EF4-FFF2-40B4-BE49-F238E27FC236}">
-                <a16:creationId xmlns:a16="http://schemas.microsoft.com/office/drawing/2014/main" id="{B4F32488-D0E6-463D-9289-24646AE03C24}"/>
-              </a:ext>
-            </a:extLst>
-          </p:cNvPr>
-          <p:cNvPicPr>
-            <a:picLocks noChangeAspect="1" noChangeArrowheads="1"/>
-          </p:cNvPicPr>
-          <p:nvPr/>
-        </p:nvPicPr>
-        <p:blipFill>
-          <a:blip r:embed="rId4">
-            <a:extLst>
-              <a:ext uri="{28A0092B-C50C-407E-A947-70E740481C1C}">
-                <a14:useLocalDpi xmlns:a14="http://schemas.microsoft.com/office/drawing/2010/main" val="0"/>
-              </a:ext>
-            </a:extLst>
-          </a:blip>
-          <a:srcRect/>
-          <a:stretch>
-            <a:fillRect/>
-          </a:stretch>
-        </p:blipFill>
-        <p:spPr bwMode="auto">
-          <a:xfrm>
-            <a:off x="3686175" y="235227"/>
-            <a:ext cx="4819650" cy="6096000"/>
-          </a:xfrm>
-          <a:prstGeom prst="rect">
-            <a:avLst/>
-          </a:prstGeom>
-          <a:noFill/>
-          <a:extLst>
-            <a:ext uri="{909E8E84-426E-40DD-AFC4-6F175D3DCCD1}">
-              <a14:hiddenFill xmlns:a14="http://schemas.microsoft.com/office/drawing/2010/main">
-                <a:solidFill>
-                  <a:srgbClr val="FFFFFF"/>
-                </a:solidFill>
-              </a14:hiddenFill>
-            </a:ext>
-          </a:extLst>
-        </p:spPr>
-      </p:pic>
-    </p:spTree>
-    <p:extLst>
-      <p:ext uri="{BB962C8B-B14F-4D97-AF65-F5344CB8AC3E}">
-        <p14:creationId xmlns:p14="http://schemas.microsoft.com/office/powerpoint/2010/main" val="3877248775"/>
-      </p:ext>
-    </p:extLst>
-  </p:cSld>
-  <p:clrMapOvr>
-    <a:masterClrMapping/>
-  </p:clrMapOvr>
 </p:sld>
 </file>
 
@@ -33137,27 +31724,27 @@
             </a:pPr>
             <a:r>
               <a:rPr lang="en-US" dirty="0"/>
-              <a:t>A set of visual </a:t>
+              <a:t>A mapping of </a:t>
             </a:r>
             <a:r>
               <a:rPr lang="en-US" b="1" dirty="0"/>
-              <a:t>geometries </a:t>
+              <a:t>data </a:t>
             </a:r>
             <a:r>
               <a:rPr lang="en-US" dirty="0"/>
-              <a:t>whose </a:t>
+              <a:t>to the visual </a:t>
             </a:r>
             <a:r>
               <a:rPr lang="en-US" b="1" dirty="0"/>
-              <a:t>aesthetics</a:t>
+              <a:t>aesthetics </a:t>
             </a:r>
             <a:r>
               <a:rPr lang="en-US" dirty="0"/>
-              <a:t> are mapped from </a:t>
+              <a:t>of </a:t>
             </a:r>
             <a:r>
               <a:rPr lang="en-US" b="1" dirty="0"/>
-              <a:t>data</a:t>
+              <a:t>geometries/marks</a:t>
             </a:r>
           </a:p>
           <a:p>
@@ -33202,22 +31789,8 @@
             </a:pPr>
             <a:r>
               <a:rPr lang="en-US" dirty="0"/>
-              <a:t>Many major visualization software (Tableau, </a:t>
-            </a:r>
-            <a:r>
-              <a:rPr lang="en-US" dirty="0" err="1"/>
-              <a:t>ggplot</a:t>
-            </a:r>
-            <a:r>
-              <a:rPr lang="en-US" dirty="0"/>
-              <a:t> in R, Altair in Python, graph builder in JMP) are based on this grammar</a:t>
-            </a:r>
-          </a:p>
-          <a:p>
-            <a:pPr marL="45720" indent="0">
-              <a:buNone/>
-            </a:pPr>
-            <a:endParaRPr lang="en-US" dirty="0"/>
+              <a:t>Many major visualization software (Tableau, ggplot in R, Altair in Python, graph builder in JMP) are based on this grammar</a:t>
+            </a:r>
           </a:p>
           <a:p>
             <a:endParaRPr lang="en-US" dirty="0"/>
@@ -33413,7 +31986,7 @@
         <p:spPr>
           <a:xfrm>
             <a:off x="8070142" y="5175970"/>
-            <a:ext cx="1674946" cy="424732"/>
+            <a:ext cx="1762021" cy="424732"/>
           </a:xfrm>
           <a:prstGeom prst="rect">
             <a:avLst/>
@@ -33433,7 +32006,7 @@
             </a:pPr>
             <a:r>
               <a:rPr lang="en-US" sz="2400" b="1" dirty="0"/>
-              <a:t>Geometries</a:t>
+              <a:t>Geom/Mark</a:t>
             </a:r>
           </a:p>
         </p:txBody>
@@ -33452,8 +32025,8 @@
         </p:nvSpPr>
         <p:spPr>
           <a:xfrm>
-            <a:off x="5313459" y="2783872"/>
-            <a:ext cx="1506374" cy="424732"/>
+            <a:off x="4889850" y="2949869"/>
+            <a:ext cx="2107500" cy="424732"/>
           </a:xfrm>
           <a:prstGeom prst="rect">
             <a:avLst/>
@@ -33473,7 +32046,7 @@
             </a:pPr>
             <a:r>
               <a:rPr lang="en-US" sz="2400" b="1" dirty="0"/>
-              <a:t>Aesthetics</a:t>
+              <a:t>Aesthetic Map</a:t>
             </a:r>
           </a:p>
         </p:txBody>
@@ -33503,32 +32076,54 @@
               <a:rPr lang="en-US" smtClean="0"/>
               <a:t>7</a:t>
             </a:fld>
-            <a:endParaRPr lang="en-US"/>
+            <a:endParaRPr lang="en-US" dirty="0"/>
+          </a:p>
+        </p:txBody>
+      </p:sp>
+      <p:sp>
+        <p:nvSpPr>
+          <p:cNvPr id="10" name="Rectangle 9">
+            <a:extLst>
+              <a:ext uri="{FF2B5EF4-FFF2-40B4-BE49-F238E27FC236}">
+                <a16:creationId xmlns:a16="http://schemas.microsoft.com/office/drawing/2014/main" id="{A484C3D8-B3AE-DE41-859E-220992582E37}"/>
+              </a:ext>
+            </a:extLst>
+          </p:cNvPr>
+          <p:cNvSpPr/>
+          <p:nvPr/>
+        </p:nvSpPr>
+        <p:spPr>
+          <a:xfrm>
+            <a:off x="2514600" y="1649660"/>
+            <a:ext cx="6096000" cy="369332"/>
+          </a:xfrm>
+          <a:prstGeom prst="rect">
+            <a:avLst/>
+          </a:prstGeom>
+        </p:spPr>
+        <p:txBody>
+          <a:bodyPr>
+            <a:spAutoFit/>
+          </a:bodyPr>
+          <a:lstStyle/>
+          <a:p>
+            <a:pPr marL="45720" indent="0" algn="ctr">
+              <a:buNone/>
+            </a:pPr>
+            <a:endParaRPr lang="en-US" b="1" dirty="0"/>
           </a:p>
         </p:txBody>
       </p:sp>
     </p:spTree>
     <p:extLst>
       <p:ext uri="{BB962C8B-B14F-4D97-AF65-F5344CB8AC3E}">
-        <p14:creationId xmlns:p14="http://schemas.microsoft.com/office/powerpoint/2010/main" val="163972896"/>
+        <p14:creationId xmlns:p14="http://schemas.microsoft.com/office/powerpoint/2010/main" val="3215555173"/>
       </p:ext>
     </p:extLst>
   </p:cSld>
   <p:clrMapOvr>
     <a:masterClrMapping/>
   </p:clrMapOvr>
-  <mc:AlternateContent xmlns:mc="http://schemas.openxmlformats.org/markup-compatibility/2006" xmlns:p14="http://schemas.microsoft.com/office/powerpoint/2010/main">
-    <mc:Choice Requires="p14">
-      <p:transition spd="med" p14:dur="700">
-        <p:fade/>
-      </p:transition>
-    </mc:Choice>
-    <mc:Fallback xmlns="">
-      <p:transition spd="med">
-        <p:fade/>
-      </p:transition>
-    </mc:Fallback>
-  </mc:AlternateContent>
 </p:sld>
 </file>
 
@@ -33610,6 +32205,14 @@
             </a:r>
             <a:r>
               <a:rPr lang="en-US" dirty="0"/>
+              <a:t>or </a:t>
+            </a:r>
+            <a:r>
+              <a:rPr lang="en-US" b="1" i="1" dirty="0"/>
+              <a:t>mark </a:t>
+            </a:r>
+            <a:r>
+              <a:rPr lang="en-US" dirty="0"/>
               <a:t>is a visual entity in space.  </a:t>
             </a:r>
           </a:p>
@@ -33939,18 +32542,6 @@
   <p:clrMapOvr>
     <a:masterClrMapping/>
   </p:clrMapOvr>
-  <mc:AlternateContent xmlns:mc="http://schemas.openxmlformats.org/markup-compatibility/2006" xmlns:p14="http://schemas.microsoft.com/office/powerpoint/2010/main">
-    <mc:Choice Requires="p14">
-      <p:transition spd="med" p14:dur="700">
-        <p:fade/>
-      </p:transition>
-    </mc:Choice>
-    <mc:Fallback xmlns="">
-      <p:transition spd="med">
-        <p:fade/>
-      </p:transition>
-    </mc:Fallback>
-  </mc:AlternateContent>
 </p:sld>
 </file>
 
@@ -34201,18 +32792,6 @@
   <p:clrMapOvr>
     <a:masterClrMapping/>
   </p:clrMapOvr>
-  <mc:AlternateContent xmlns:mc="http://schemas.openxmlformats.org/markup-compatibility/2006" xmlns:p14="http://schemas.microsoft.com/office/powerpoint/2010/main">
-    <mc:Choice Requires="p14">
-      <p:transition spd="med" p14:dur="700">
-        <p:fade/>
-      </p:transition>
-    </mc:Choice>
-    <mc:Fallback xmlns="">
-      <p:transition spd="med">
-        <p:fade/>
-      </p:transition>
-    </mc:Fallback>
-  </mc:AlternateContent>
 </p:sld>
 </file>
 
